--- a/DeepLearning-Intro-03.pptx
+++ b/DeepLearning-Intro-03.pptx
@@ -5,7 +5,7 @@
     <p:sldMasterId id="2147483684" r:id="rId1"/>
   </p:sldMasterIdLst>
   <p:notesMasterIdLst>
-    <p:notesMasterId r:id="rId35"/>
+    <p:notesMasterId r:id="rId36"/>
   </p:notesMasterIdLst>
   <p:sldIdLst>
     <p:sldId id="317" r:id="rId2"/>
@@ -25,45 +25,46 @@
     <p:sldId id="300" r:id="rId16"/>
     <p:sldId id="301" r:id="rId17"/>
     <p:sldId id="302" r:id="rId18"/>
-    <p:sldId id="303" r:id="rId19"/>
-    <p:sldId id="304" r:id="rId20"/>
-    <p:sldId id="305" r:id="rId21"/>
-    <p:sldId id="306" r:id="rId22"/>
-    <p:sldId id="307" r:id="rId23"/>
-    <p:sldId id="308" r:id="rId24"/>
-    <p:sldId id="309" r:id="rId25"/>
-    <p:sldId id="310" r:id="rId26"/>
-    <p:sldId id="319" r:id="rId27"/>
-    <p:sldId id="311" r:id="rId28"/>
-    <p:sldId id="312" r:id="rId29"/>
-    <p:sldId id="313" r:id="rId30"/>
-    <p:sldId id="314" r:id="rId31"/>
-    <p:sldId id="318" r:id="rId32"/>
-    <p:sldId id="315" r:id="rId33"/>
-    <p:sldId id="316" r:id="rId34"/>
+    <p:sldId id="320" r:id="rId19"/>
+    <p:sldId id="303" r:id="rId20"/>
+    <p:sldId id="304" r:id="rId21"/>
+    <p:sldId id="305" r:id="rId22"/>
+    <p:sldId id="306" r:id="rId23"/>
+    <p:sldId id="307" r:id="rId24"/>
+    <p:sldId id="308" r:id="rId25"/>
+    <p:sldId id="309" r:id="rId26"/>
+    <p:sldId id="310" r:id="rId27"/>
+    <p:sldId id="319" r:id="rId28"/>
+    <p:sldId id="311" r:id="rId29"/>
+    <p:sldId id="312" r:id="rId30"/>
+    <p:sldId id="313" r:id="rId31"/>
+    <p:sldId id="314" r:id="rId32"/>
+    <p:sldId id="318" r:id="rId33"/>
+    <p:sldId id="315" r:id="rId34"/>
+    <p:sldId id="316" r:id="rId35"/>
   </p:sldIdLst>
   <p:sldSz cx="9144000" cy="5143500" type="screen16x9"/>
   <p:notesSz cx="6858000" cy="9144000"/>
   <p:embeddedFontLst>
     <p:embeddedFont>
-      <p:font typeface="B Mitra" panose="00000400000000000000" pitchFamily="2" charset="-78"/>
-      <p:regular r:id="rId36"/>
-      <p:bold r:id="rId37"/>
+      <p:font typeface="Franklin Gothic Book" panose="020B0503020102020204" pitchFamily="34" charset="0"/>
+      <p:regular r:id="rId37"/>
+      <p:italic r:id="rId38"/>
     </p:embeddedFont>
     <p:embeddedFont>
       <p:font typeface="B Nazanin" panose="00000400000000000000" pitchFamily="2" charset="-78"/>
-      <p:regular r:id="rId38"/>
-      <p:bold r:id="rId39"/>
-    </p:embeddedFont>
-    <p:embeddedFont>
-      <p:font typeface="Franklin Gothic Book" panose="020B0503020102020204" pitchFamily="34" charset="0"/>
-      <p:regular r:id="rId40"/>
-      <p:italic r:id="rId41"/>
+      <p:regular r:id="rId39"/>
+      <p:bold r:id="rId40"/>
     </p:embeddedFont>
     <p:embeddedFont>
       <p:font typeface="Tahoma" panose="020B0604030504040204" pitchFamily="34" charset="0"/>
-      <p:regular r:id="rId42"/>
-      <p:bold r:id="rId43"/>
+      <p:regular r:id="rId41"/>
+      <p:bold r:id="rId42"/>
+    </p:embeddedFont>
+    <p:embeddedFont>
+      <p:font typeface="B Mitra" panose="00000400000000000000" pitchFamily="2" charset="-78"/>
+      <p:regular r:id="rId43"/>
+      <p:bold r:id="rId44"/>
     </p:embeddedFont>
   </p:embeddedFontLst>
   <p:defaultTextStyle>
@@ -267,7 +268,7 @@
             <a:fld id="{CF9B6FA1-485B-4096-870B-7A0ABBBA3EAC}" type="datetimeFigureOut">
               <a:rPr lang="en-US" smtClean="0"/>
               <a:pPr/>
-              <a:t>2019-12-30</a:t>
+              <a:t>5/7/2020</a:t>
             </a:fld>
             <a:endParaRPr lang="en-US" dirty="0"/>
           </a:p>
@@ -710,7 +711,7 @@
             <a:fld id="{B3EA30DF-95FD-405E-BFBA-4B9C8B464E32}" type="datetime1">
               <a:rPr lang="en-US" smtClean="0"/>
               <a:pPr/>
-              <a:t>2019-12-30</a:t>
+              <a:t>5/7/2020</a:t>
             </a:fld>
             <a:endParaRPr lang="en-US" dirty="0"/>
           </a:p>
@@ -1042,7 +1043,7 @@
             <a:fld id="{F1C8D616-20C4-4F23-A64C-0691E2A31EAF}" type="datetime1">
               <a:rPr lang="en-US" smtClean="0"/>
               <a:pPr/>
-              <a:t>2019-12-30</a:t>
+              <a:t>5/7/2020</a:t>
             </a:fld>
             <a:endParaRPr lang="en-US" dirty="0"/>
           </a:p>
@@ -1224,7 +1225,7 @@
             <a:fld id="{A972E606-61D9-45EB-AAFD-97F53E94FD31}" type="datetime1">
               <a:rPr lang="en-US" smtClean="0"/>
               <a:pPr/>
-              <a:t>2019-12-30</a:t>
+              <a:t>5/7/2020</a:t>
             </a:fld>
             <a:endParaRPr lang="en-US" dirty="0"/>
           </a:p>
@@ -1573,7 +1574,7 @@
             <a:fld id="{3C06EC05-0FC6-4B3E-A0BB-503147EBAFC7}" type="datetime1">
               <a:rPr lang="en-US" smtClean="0"/>
               <a:pPr/>
-              <a:t>2019-12-30</a:t>
+              <a:t>5/7/2020</a:t>
             </a:fld>
             <a:endParaRPr lang="en-US" dirty="0"/>
           </a:p>
@@ -1859,7 +1860,7 @@
             <a:fld id="{D29DD2DE-8319-4156-9997-5E3FC01F2440}" type="datetime1">
               <a:rPr lang="en-US" smtClean="0"/>
               <a:pPr/>
-              <a:t>2019-12-30</a:t>
+              <a:t>5/7/2020</a:t>
             </a:fld>
             <a:endParaRPr lang="en-US" dirty="0"/>
           </a:p>
@@ -2255,7 +2256,7 @@
             <a:fld id="{34DAEE71-3A41-4514-ACCA-8E63BA20673B}" type="datetime1">
               <a:rPr lang="en-US" smtClean="0"/>
               <a:pPr/>
-              <a:t>2019-12-30</a:t>
+              <a:t>5/7/2020</a:t>
             </a:fld>
             <a:endParaRPr lang="en-US" dirty="0"/>
           </a:p>
@@ -2734,7 +2735,7 @@
             <a:fld id="{43697F31-8722-459B-8A84-F10AFAC348D1}" type="datetime1">
               <a:rPr lang="en-US" smtClean="0"/>
               <a:pPr/>
-              <a:t>2019-12-30</a:t>
+              <a:t>5/7/2020</a:t>
             </a:fld>
             <a:endParaRPr lang="en-US" dirty="0"/>
           </a:p>
@@ -2854,7 +2855,7 @@
             <a:fld id="{A83EA3D9-6F54-4710-8191-92B18C1A907C}" type="datetime1">
               <a:rPr lang="en-US" smtClean="0"/>
               <a:pPr/>
-              <a:t>2019-12-30</a:t>
+              <a:t>5/7/2020</a:t>
             </a:fld>
             <a:endParaRPr lang="en-US" dirty="0"/>
           </a:p>
@@ -2951,7 +2952,7 @@
             <a:fld id="{F6488192-14B8-4647-A12D-F18B5E551158}" type="datetime1">
               <a:rPr lang="en-US" smtClean="0"/>
               <a:pPr/>
-              <a:t>2019-12-30</a:t>
+              <a:t>5/7/2020</a:t>
             </a:fld>
             <a:endParaRPr lang="en-US" dirty="0"/>
           </a:p>
@@ -3299,7 +3300,7 @@
             <a:fld id="{7E2A289E-2E50-48E9-82D6-BDF548121AE1}" type="datetime1">
               <a:rPr lang="en-US" smtClean="0"/>
               <a:pPr/>
-              <a:t>2019-12-30</a:t>
+              <a:t>5/7/2020</a:t>
             </a:fld>
             <a:endParaRPr lang="en-US" dirty="0"/>
           </a:p>
@@ -3701,7 +3702,7 @@
             <a:fld id="{9CA9AB57-7A2D-495B-A8DE-4CAD9D13607C}" type="datetime1">
               <a:rPr lang="en-US" smtClean="0"/>
               <a:pPr/>
-              <a:t>2019-12-30</a:t>
+              <a:t>5/7/2020</a:t>
             </a:fld>
             <a:endParaRPr lang="en-US" dirty="0"/>
           </a:p>
@@ -3982,7 +3983,7 @@
             <a:fld id="{3C8A2DE5-286A-48A8-AD5B-867309DD8C54}" type="datetime1">
               <a:rPr lang="en-US" smtClean="0"/>
               <a:pPr defTabSz="457200"/>
-              <a:t>2019-12-30</a:t>
+              <a:t>5/7/2020</a:t>
             </a:fld>
             <a:endParaRPr lang="en-US" dirty="0"/>
           </a:p>
@@ -4500,111 +4501,6 @@
       </p:grpSpPr>
       <p:sp>
         <p:nvSpPr>
-          <p:cNvPr id="2" name="Title 1"/>
-          <p:cNvSpPr>
-            <a:spLocks noGrp="1"/>
-          </p:cNvSpPr>
-          <p:nvPr>
-            <p:ph type="ctrTitle"/>
-          </p:nvPr>
-        </p:nvSpPr>
-        <p:spPr>
-          <a:xfrm>
-            <a:off x="758328" y="4052601"/>
-            <a:ext cx="7772400" cy="505330"/>
-          </a:xfrm>
-        </p:spPr>
-        <p:txBody>
-          <a:bodyPr>
-            <a:normAutofit fontScale="90000"/>
-          </a:bodyPr>
-          <a:lstStyle/>
-          <a:p>
-            <a:pPr rtl="1"/>
-            <a:r>
-              <a:rPr lang="fa-IR" sz="2000" b="1" dirty="0" smtClean="0">
-                <a:solidFill>
-                  <a:schemeClr val="bg2">
-                    <a:lumMod val="10000"/>
-                  </a:schemeClr>
-                </a:solidFill>
-              </a:rPr>
-              <a:t/>
-            </a:r>
-            <a:br>
-              <a:rPr lang="fa-IR" sz="2000" b="1" dirty="0" smtClean="0">
-                <a:solidFill>
-                  <a:schemeClr val="bg2">
-                    <a:lumMod val="10000"/>
-                  </a:schemeClr>
-                </a:solidFill>
-              </a:rPr>
-            </a:br>
-            <a:r>
-              <a:rPr lang="fa-IR" sz="1400" b="1" dirty="0" smtClean="0">
-                <a:solidFill>
-                  <a:srgbClr val="002060"/>
-                </a:solidFill>
-                <a:cs typeface="B Mitra" panose="00000400000000000000" pitchFamily="2" charset="-78"/>
-              </a:rPr>
-              <a:t>سعید محققی</a:t>
-            </a:r>
-            <a:r>
-              <a:rPr lang="en-US" sz="1200" b="1" dirty="0">
-                <a:solidFill>
-                  <a:srgbClr val="002060"/>
-                </a:solidFill>
-                <a:cs typeface="B Mitra" panose="00000400000000000000" pitchFamily="2" charset="-78"/>
-              </a:rPr>
-              <a:t> </a:t>
-            </a:r>
-            <a:r>
-              <a:rPr lang="en-US" sz="1200" b="1" dirty="0" smtClean="0">
-                <a:solidFill>
-                  <a:srgbClr val="002060"/>
-                </a:solidFill>
-                <a:cs typeface="B Mitra" panose="00000400000000000000" pitchFamily="2" charset="-78"/>
-              </a:rPr>
-              <a:t>/ </a:t>
-            </a:r>
-            <a:r>
-              <a:rPr lang="fa-IR" sz="1200" b="1" dirty="0" smtClean="0">
-                <a:solidFill>
-                  <a:srgbClr val="002060"/>
-                </a:solidFill>
-                <a:cs typeface="B Mitra" panose="00000400000000000000" pitchFamily="2" charset="-78"/>
-              </a:rPr>
-              <a:t>دانشگاه شاهد</a:t>
-            </a:r>
-            <a:r>
-              <a:rPr lang="en-US" sz="1200" b="1" dirty="0" smtClean="0">
-                <a:solidFill>
-                  <a:srgbClr val="002060"/>
-                </a:solidFill>
-                <a:cs typeface="B Mitra" panose="00000400000000000000" pitchFamily="2" charset="-78"/>
-              </a:rPr>
-              <a:t> / </a:t>
-            </a:r>
-            <a:r>
-              <a:rPr lang="fa-IR" sz="1200" b="1" dirty="0" smtClean="0">
-                <a:solidFill>
-                  <a:srgbClr val="002060"/>
-                </a:solidFill>
-                <a:cs typeface="B Mitra" panose="00000400000000000000" pitchFamily="2" charset="-78"/>
-              </a:rPr>
-              <a:t>زمستان 1398</a:t>
-            </a:r>
-            <a:endParaRPr lang="en-US" sz="1200" b="1" dirty="0">
-              <a:solidFill>
-                <a:srgbClr val="002060"/>
-              </a:solidFill>
-              <a:cs typeface="B Mitra" panose="00000400000000000000" pitchFamily="2" charset="-78"/>
-            </a:endParaRPr>
-          </a:p>
-        </p:txBody>
-      </p:sp>
-      <p:sp>
-        <p:nvSpPr>
           <p:cNvPr id="5" name="Slide Number Placeholder 4"/>
           <p:cNvSpPr>
             <a:spLocks noGrp="1"/>
@@ -4764,6 +4660,129 @@
                 <a:schemeClr val="accent1">
                   <a:lumMod val="75000"/>
                 </a:schemeClr>
+              </a:solidFill>
+              <a:cs typeface="B Mitra" panose="00000400000000000000" pitchFamily="2" charset="-78"/>
+            </a:endParaRPr>
+          </a:p>
+        </p:txBody>
+      </p:sp>
+      <p:sp>
+        <p:nvSpPr>
+          <p:cNvPr id="7" name="Title 1"/>
+          <p:cNvSpPr>
+            <a:spLocks noGrp="1"/>
+          </p:cNvSpPr>
+          <p:nvPr>
+            <p:ph type="ctrTitle"/>
+          </p:nvPr>
+        </p:nvSpPr>
+        <p:spPr>
+          <a:xfrm>
+            <a:off x="758328" y="4052601"/>
+            <a:ext cx="7772400" cy="505330"/>
+          </a:xfrm>
+        </p:spPr>
+        <p:txBody>
+          <a:bodyPr>
+            <a:normAutofit fontScale="90000"/>
+          </a:bodyPr>
+          <a:lstStyle/>
+          <a:p>
+            <a:pPr rtl="1"/>
+            <a:r>
+              <a:rPr lang="fa-IR" sz="2000" b="1" dirty="0" smtClean="0">
+                <a:solidFill>
+                  <a:schemeClr val="bg2">
+                    <a:lumMod val="10000"/>
+                  </a:schemeClr>
+                </a:solidFill>
+              </a:rPr>
+              <a:t/>
+            </a:r>
+            <a:br>
+              <a:rPr lang="fa-IR" sz="2000" b="1" dirty="0" smtClean="0">
+                <a:solidFill>
+                  <a:schemeClr val="bg2">
+                    <a:lumMod val="10000"/>
+                  </a:schemeClr>
+                </a:solidFill>
+              </a:rPr>
+            </a:br>
+            <a:r>
+              <a:rPr lang="fa-IR" sz="1400" b="1" dirty="0" smtClean="0">
+                <a:solidFill>
+                  <a:srgbClr val="002060"/>
+                </a:solidFill>
+                <a:cs typeface="B Mitra" panose="00000400000000000000" pitchFamily="2" charset="-78"/>
+              </a:rPr>
+              <a:t>سعید محققی</a:t>
+            </a:r>
+            <a:r>
+              <a:rPr lang="en-US" sz="1200" b="1" dirty="0">
+                <a:solidFill>
+                  <a:srgbClr val="002060"/>
+                </a:solidFill>
+                <a:cs typeface="B Mitra" panose="00000400000000000000" pitchFamily="2" charset="-78"/>
+              </a:rPr>
+              <a:t> </a:t>
+            </a:r>
+            <a:r>
+              <a:rPr lang="en-US" sz="1200" b="1" dirty="0" smtClean="0">
+                <a:solidFill>
+                  <a:srgbClr val="002060"/>
+                </a:solidFill>
+                <a:cs typeface="B Mitra" panose="00000400000000000000" pitchFamily="2" charset="-78"/>
+              </a:rPr>
+              <a:t>/ </a:t>
+            </a:r>
+            <a:r>
+              <a:rPr lang="fa-IR" sz="1200" b="1" dirty="0" smtClean="0">
+                <a:solidFill>
+                  <a:srgbClr val="002060"/>
+                </a:solidFill>
+                <a:cs typeface="B Mitra" panose="00000400000000000000" pitchFamily="2" charset="-78"/>
+              </a:rPr>
+              <a:t>دانشگاه شاهد</a:t>
+            </a:r>
+            <a:r>
+              <a:rPr lang="en-US" sz="1200" b="1" dirty="0" smtClean="0">
+                <a:solidFill>
+                  <a:srgbClr val="002060"/>
+                </a:solidFill>
+                <a:cs typeface="B Mitra" panose="00000400000000000000" pitchFamily="2" charset="-78"/>
+              </a:rPr>
+              <a:t> / </a:t>
+            </a:r>
+            <a:r>
+              <a:rPr lang="fa-IR" sz="1200" b="1" dirty="0" smtClean="0">
+                <a:solidFill>
+                  <a:srgbClr val="002060"/>
+                </a:solidFill>
+                <a:cs typeface="B Mitra" panose="00000400000000000000" pitchFamily="2" charset="-78"/>
+              </a:rPr>
+              <a:t>99 -</a:t>
+            </a:r>
+            <a:r>
+              <a:rPr lang="fa-IR" sz="1200" b="1" dirty="0" smtClean="0">
+                <a:solidFill>
+                  <a:srgbClr val="002060"/>
+                </a:solidFill>
+                <a:cs typeface="B Mitra" panose="00000400000000000000" pitchFamily="2" charset="-78"/>
+              </a:rPr>
+              <a:t> </a:t>
+            </a:r>
+            <a:r>
+              <a:rPr lang="fa-IR" sz="1200" b="1" dirty="0" smtClean="0">
+                <a:solidFill>
+                  <a:srgbClr val="002060"/>
+                </a:solidFill>
+                <a:cs typeface="B Mitra" panose="00000400000000000000" pitchFamily="2" charset="-78"/>
+              </a:rPr>
+              <a:t>1398</a:t>
+            </a:r>
+            <a:endParaRPr lang="en-US" sz="1200" b="1" dirty="0">
+              <a:solidFill>
+                <a:srgbClr val="002060"/>
               </a:solidFill>
               <a:cs typeface="B Mitra" panose="00000400000000000000" pitchFamily="2" charset="-78"/>
             </a:endParaRPr>
@@ -9488,14 +9507,14 @@
       </p:graphicFrame>
       <p:sp>
         <p:nvSpPr>
-          <p:cNvPr id="6" name="Shape 397"/>
+          <p:cNvPr id="8" name="Shape 397"/>
           <p:cNvSpPr txBox="1"/>
           <p:nvPr/>
         </p:nvSpPr>
         <p:spPr>
           <a:xfrm>
-            <a:off x="1773450" y="828330"/>
-            <a:ext cx="548699" cy="457500"/>
+            <a:off x="1693300" y="4162795"/>
+            <a:ext cx="664950" cy="457500"/>
           </a:xfrm>
           <a:prstGeom prst="rect">
             <a:avLst/>
@@ -9518,53 +9537,16 @@
               <a:buNone/>
             </a:pPr>
             <a:r>
-              <a:rPr lang="en" sz="2400" dirty="0">
+              <a:rPr lang="en" sz="2400" dirty="0" smtClean="0">
                 <a:latin typeface="Times New Roman" panose="02020603050405020304" pitchFamily="18" charset="0"/>
                 <a:cs typeface="Times New Roman" panose="02020603050405020304" pitchFamily="18" charset="0"/>
               </a:rPr>
-              <a:t>7</a:t>
-            </a:r>
-          </a:p>
-        </p:txBody>
-      </p:sp>
-      <p:sp>
-        <p:nvSpPr>
-          <p:cNvPr id="7" name="Shape 398"/>
-          <p:cNvSpPr txBox="1"/>
-          <p:nvPr/>
-        </p:nvSpPr>
-        <p:spPr>
-          <a:xfrm>
-            <a:off x="3478975" y="2697930"/>
-            <a:ext cx="587100" cy="285899"/>
-          </a:xfrm>
-          <a:prstGeom prst="rect">
-            <a:avLst/>
-          </a:prstGeom>
-          <a:noFill/>
-          <a:ln>
-            <a:noFill/>
-          </a:ln>
-        </p:spPr>
-        <p:txBody>
-          <a:bodyPr lIns="91425" tIns="91425" rIns="91425" bIns="91425" anchor="t" anchorCtr="0">
-            <a:noAutofit/>
-          </a:bodyPr>
-          <a:lstStyle/>
-          <a:p>
-            <a:pPr lvl="0">
-              <a:spcBef>
-                <a:spcPts val="0"/>
-              </a:spcBef>
-              <a:buNone/>
-            </a:pPr>
-            <a:r>
-              <a:rPr lang="en" sz="2400" dirty="0">
-                <a:latin typeface="Times New Roman" panose="02020603050405020304" pitchFamily="18" charset="0"/>
-                <a:cs typeface="Times New Roman" panose="02020603050405020304" pitchFamily="18" charset="0"/>
-              </a:rPr>
-              <a:t>7</a:t>
-            </a:r>
+              <a:t>7x7</a:t>
+            </a:r>
+            <a:endParaRPr lang="en" sz="2400" dirty="0">
+              <a:latin typeface="Times New Roman" panose="02020603050405020304" pitchFamily="18" charset="0"/>
+              <a:cs typeface="Times New Roman" panose="02020603050405020304" pitchFamily="18" charset="0"/>
+            </a:endParaRPr>
           </a:p>
         </p:txBody>
       </p:sp>
@@ -10762,14 +10744,14 @@
       </p:graphicFrame>
       <p:sp>
         <p:nvSpPr>
-          <p:cNvPr id="6" name="Shape 397"/>
+          <p:cNvPr id="8" name="Shape 397"/>
           <p:cNvSpPr txBox="1"/>
           <p:nvPr/>
         </p:nvSpPr>
         <p:spPr>
           <a:xfrm>
-            <a:off x="1773450" y="824658"/>
-            <a:ext cx="548699" cy="457500"/>
+            <a:off x="1693300" y="4162795"/>
+            <a:ext cx="664950" cy="457500"/>
           </a:xfrm>
           <a:prstGeom prst="rect">
             <a:avLst/>
@@ -10792,53 +10774,16 @@
               <a:buNone/>
             </a:pPr>
             <a:r>
-              <a:rPr lang="en" sz="2400" dirty="0">
+              <a:rPr lang="en" sz="2400" dirty="0" smtClean="0">
                 <a:latin typeface="Times New Roman" panose="02020603050405020304" pitchFamily="18" charset="0"/>
                 <a:cs typeface="Times New Roman" panose="02020603050405020304" pitchFamily="18" charset="0"/>
               </a:rPr>
-              <a:t>7</a:t>
-            </a:r>
-          </a:p>
-        </p:txBody>
-      </p:sp>
-      <p:sp>
-        <p:nvSpPr>
-          <p:cNvPr id="7" name="Shape 398"/>
-          <p:cNvSpPr txBox="1"/>
-          <p:nvPr/>
-        </p:nvSpPr>
-        <p:spPr>
-          <a:xfrm>
-            <a:off x="3478975" y="2694258"/>
-            <a:ext cx="587100" cy="285899"/>
-          </a:xfrm>
-          <a:prstGeom prst="rect">
-            <a:avLst/>
-          </a:prstGeom>
-          <a:noFill/>
-          <a:ln>
-            <a:noFill/>
-          </a:ln>
-        </p:spPr>
-        <p:txBody>
-          <a:bodyPr lIns="91425" tIns="91425" rIns="91425" bIns="91425" anchor="t" anchorCtr="0">
-            <a:noAutofit/>
-          </a:bodyPr>
-          <a:lstStyle/>
-          <a:p>
-            <a:pPr lvl="0">
-              <a:spcBef>
-                <a:spcPts val="0"/>
-              </a:spcBef>
-              <a:buNone/>
-            </a:pPr>
-            <a:r>
-              <a:rPr lang="en" sz="2400" dirty="0">
-                <a:latin typeface="Times New Roman" panose="02020603050405020304" pitchFamily="18" charset="0"/>
-                <a:cs typeface="Times New Roman" panose="02020603050405020304" pitchFamily="18" charset="0"/>
-              </a:rPr>
-              <a:t>7</a:t>
-            </a:r>
+              <a:t>7x7</a:t>
+            </a:r>
+            <a:endParaRPr lang="en" sz="2400" dirty="0">
+              <a:latin typeface="Times New Roman" panose="02020603050405020304" pitchFamily="18" charset="0"/>
+              <a:cs typeface="Times New Roman" panose="02020603050405020304" pitchFamily="18" charset="0"/>
+            </a:endParaRPr>
           </a:p>
         </p:txBody>
       </p:sp>
@@ -12044,14 +11989,14 @@
       </p:graphicFrame>
       <p:sp>
         <p:nvSpPr>
-          <p:cNvPr id="6" name="Shape 397"/>
+          <p:cNvPr id="8" name="Shape 397"/>
           <p:cNvSpPr txBox="1"/>
           <p:nvPr/>
         </p:nvSpPr>
         <p:spPr>
           <a:xfrm>
-            <a:off x="1773450" y="819150"/>
-            <a:ext cx="548699" cy="457500"/>
+            <a:off x="1693300" y="4162795"/>
+            <a:ext cx="664950" cy="457500"/>
           </a:xfrm>
           <a:prstGeom prst="rect">
             <a:avLst/>
@@ -12074,53 +12019,16 @@
               <a:buNone/>
             </a:pPr>
             <a:r>
-              <a:rPr lang="en" sz="2400" dirty="0">
+              <a:rPr lang="en" sz="2400" dirty="0" smtClean="0">
                 <a:latin typeface="Times New Roman" panose="02020603050405020304" pitchFamily="18" charset="0"/>
                 <a:cs typeface="Times New Roman" panose="02020603050405020304" pitchFamily="18" charset="0"/>
               </a:rPr>
-              <a:t>7</a:t>
-            </a:r>
-          </a:p>
-        </p:txBody>
-      </p:sp>
-      <p:sp>
-        <p:nvSpPr>
-          <p:cNvPr id="7" name="Shape 398"/>
-          <p:cNvSpPr txBox="1"/>
-          <p:nvPr/>
-        </p:nvSpPr>
-        <p:spPr>
-          <a:xfrm>
-            <a:off x="3478975" y="2688750"/>
-            <a:ext cx="587100" cy="285899"/>
-          </a:xfrm>
-          <a:prstGeom prst="rect">
-            <a:avLst/>
-          </a:prstGeom>
-          <a:noFill/>
-          <a:ln>
-            <a:noFill/>
-          </a:ln>
-        </p:spPr>
-        <p:txBody>
-          <a:bodyPr lIns="91425" tIns="91425" rIns="91425" bIns="91425" anchor="t" anchorCtr="0">
-            <a:noAutofit/>
-          </a:bodyPr>
-          <a:lstStyle/>
-          <a:p>
-            <a:pPr lvl="0">
-              <a:spcBef>
-                <a:spcPts val="0"/>
-              </a:spcBef>
-              <a:buNone/>
-            </a:pPr>
-            <a:r>
-              <a:rPr lang="en" sz="2400" dirty="0">
-                <a:latin typeface="Times New Roman" panose="02020603050405020304" pitchFamily="18" charset="0"/>
-                <a:cs typeface="Times New Roman" panose="02020603050405020304" pitchFamily="18" charset="0"/>
-              </a:rPr>
-              <a:t>7</a:t>
-            </a:r>
+              <a:t>7x7</a:t>
+            </a:r>
+            <a:endParaRPr lang="en" sz="2400" dirty="0">
+              <a:latin typeface="Times New Roman" panose="02020603050405020304" pitchFamily="18" charset="0"/>
+              <a:cs typeface="Times New Roman" panose="02020603050405020304" pitchFamily="18" charset="0"/>
+            </a:endParaRPr>
           </a:p>
         </p:txBody>
       </p:sp>
@@ -13328,14 +13236,14 @@
       </p:graphicFrame>
       <p:sp>
         <p:nvSpPr>
-          <p:cNvPr id="6" name="Shape 397"/>
+          <p:cNvPr id="8" name="Shape 397"/>
           <p:cNvSpPr txBox="1"/>
           <p:nvPr/>
         </p:nvSpPr>
         <p:spPr>
           <a:xfrm>
-            <a:off x="1773450" y="816399"/>
-            <a:ext cx="548699" cy="457500"/>
+            <a:off x="1693300" y="4162795"/>
+            <a:ext cx="664950" cy="457500"/>
           </a:xfrm>
           <a:prstGeom prst="rect">
             <a:avLst/>
@@ -13358,53 +13266,16 @@
               <a:buNone/>
             </a:pPr>
             <a:r>
-              <a:rPr lang="en" sz="2400" dirty="0">
+              <a:rPr lang="en" sz="2400" dirty="0" smtClean="0">
                 <a:latin typeface="Times New Roman" panose="02020603050405020304" pitchFamily="18" charset="0"/>
                 <a:cs typeface="Times New Roman" panose="02020603050405020304" pitchFamily="18" charset="0"/>
               </a:rPr>
-              <a:t>7</a:t>
-            </a:r>
-          </a:p>
-        </p:txBody>
-      </p:sp>
-      <p:sp>
-        <p:nvSpPr>
-          <p:cNvPr id="7" name="Shape 398"/>
-          <p:cNvSpPr txBox="1"/>
-          <p:nvPr/>
-        </p:nvSpPr>
-        <p:spPr>
-          <a:xfrm>
-            <a:off x="3478975" y="2685999"/>
-            <a:ext cx="587100" cy="285899"/>
-          </a:xfrm>
-          <a:prstGeom prst="rect">
-            <a:avLst/>
-          </a:prstGeom>
-          <a:noFill/>
-          <a:ln>
-            <a:noFill/>
-          </a:ln>
-        </p:spPr>
-        <p:txBody>
-          <a:bodyPr lIns="91425" tIns="91425" rIns="91425" bIns="91425" anchor="t" anchorCtr="0">
-            <a:noAutofit/>
-          </a:bodyPr>
-          <a:lstStyle/>
-          <a:p>
-            <a:pPr lvl="0">
-              <a:spcBef>
-                <a:spcPts val="0"/>
-              </a:spcBef>
-              <a:buNone/>
-            </a:pPr>
-            <a:r>
-              <a:rPr lang="en" sz="2400" dirty="0">
-                <a:latin typeface="Times New Roman" panose="02020603050405020304" pitchFamily="18" charset="0"/>
-                <a:cs typeface="Times New Roman" panose="02020603050405020304" pitchFamily="18" charset="0"/>
-              </a:rPr>
-              <a:t>7</a:t>
-            </a:r>
+              <a:t>7x7</a:t>
+            </a:r>
+            <a:endParaRPr lang="en" sz="2400" dirty="0">
+              <a:latin typeface="Times New Roman" panose="02020603050405020304" pitchFamily="18" charset="0"/>
+              <a:cs typeface="Times New Roman" panose="02020603050405020304" pitchFamily="18" charset="0"/>
+            </a:endParaRPr>
           </a:p>
         </p:txBody>
       </p:sp>
@@ -14622,14 +14493,14 @@
       </p:graphicFrame>
       <p:sp>
         <p:nvSpPr>
-          <p:cNvPr id="6" name="Shape 397"/>
+          <p:cNvPr id="9" name="Shape 397"/>
           <p:cNvSpPr txBox="1"/>
           <p:nvPr/>
         </p:nvSpPr>
         <p:spPr>
           <a:xfrm>
-            <a:off x="1763616" y="796498"/>
-            <a:ext cx="548699" cy="457500"/>
+            <a:off x="1693300" y="4162795"/>
+            <a:ext cx="664950" cy="457500"/>
           </a:xfrm>
           <a:prstGeom prst="rect">
             <a:avLst/>
@@ -14652,53 +14523,158 @@
               <a:buNone/>
             </a:pPr>
             <a:r>
-              <a:rPr lang="en" sz="2400" dirty="0">
+              <a:rPr lang="en" sz="2400" dirty="0" smtClean="0">
                 <a:latin typeface="Times New Roman" panose="02020603050405020304" pitchFamily="18" charset="0"/>
                 <a:cs typeface="Times New Roman" panose="02020603050405020304" pitchFamily="18" charset="0"/>
               </a:rPr>
-              <a:t>7</a:t>
-            </a:r>
+              <a:t>7x7</a:t>
+            </a:r>
+            <a:endParaRPr lang="en" sz="2400" dirty="0">
+              <a:latin typeface="Times New Roman" panose="02020603050405020304" pitchFamily="18" charset="0"/>
+              <a:cs typeface="Times New Roman" panose="02020603050405020304" pitchFamily="18" charset="0"/>
+            </a:endParaRPr>
+          </a:p>
+        </p:txBody>
+      </p:sp>
+    </p:spTree>
+    <p:extLst>
+      <p:ext uri="{BB962C8B-B14F-4D97-AF65-F5344CB8AC3E}">
+        <p14:creationId xmlns:p14="http://schemas.microsoft.com/office/powerpoint/2010/main" val="2080250220"/>
+      </p:ext>
+    </p:extLst>
+  </p:cSld>
+  <p:clrMapOvr>
+    <a:masterClrMapping/>
+  </p:clrMapOvr>
+  <p:timing>
+    <p:tnLst>
+      <p:par>
+        <p:cTn id="1" dur="indefinite" restart="never" nodeType="tmRoot"/>
+      </p:par>
+    </p:tnLst>
+  </p:timing>
+</p:sld>
+</file>
+
+<file path=ppt/slides/slide18.xml><?xml version="1.0" encoding="utf-8"?>
+<p:sld xmlns:a="http://schemas.openxmlformats.org/drawingml/2006/main" xmlns:r="http://schemas.openxmlformats.org/officeDocument/2006/relationships" xmlns:p="http://schemas.openxmlformats.org/presentationml/2006/main">
+  <p:cSld>
+    <p:spTree>
+      <p:nvGrpSpPr>
+        <p:cNvPr id="1" name=""/>
+        <p:cNvGrpSpPr/>
+        <p:nvPr/>
+      </p:nvGrpSpPr>
+      <p:grpSpPr>
+        <a:xfrm>
+          <a:off x="0" y="0"/>
+          <a:ext cx="0" cy="0"/>
+          <a:chOff x="0" y="0"/>
+          <a:chExt cx="0" cy="0"/>
+        </a:xfrm>
+      </p:grpSpPr>
+      <p:sp>
+        <p:nvSpPr>
+          <p:cNvPr id="2" name="Title 1"/>
+          <p:cNvSpPr>
+            <a:spLocks noGrp="1"/>
+          </p:cNvSpPr>
+          <p:nvPr>
+            <p:ph type="title"/>
+          </p:nvPr>
+        </p:nvSpPr>
+        <p:spPr/>
+        <p:txBody>
+          <a:bodyPr/>
+          <a:lstStyle/>
+          <a:p>
+            <a:r>
+              <a:rPr lang="fa-IR" dirty="0" smtClean="0"/>
+              <a:t>استفاده از گام</a:t>
+            </a:r>
+            <a:endParaRPr lang="en-US" dirty="0"/>
           </a:p>
         </p:txBody>
       </p:sp>
       <p:sp>
         <p:nvSpPr>
-          <p:cNvPr id="7" name="Shape 398"/>
-          <p:cNvSpPr txBox="1"/>
-          <p:nvPr/>
+          <p:cNvPr id="3" name="Content Placeholder 2"/>
+          <p:cNvSpPr>
+            <a:spLocks noGrp="1"/>
+          </p:cNvSpPr>
+          <p:nvPr>
+            <p:ph idx="1"/>
+          </p:nvPr>
         </p:nvSpPr>
-        <p:spPr>
-          <a:xfrm>
-            <a:off x="3478975" y="2690595"/>
-            <a:ext cx="587100" cy="285899"/>
-          </a:xfrm>
-          <a:prstGeom prst="rect">
-            <a:avLst/>
-          </a:prstGeom>
-          <a:noFill/>
-          <a:ln>
-            <a:noFill/>
-          </a:ln>
-        </p:spPr>
+        <p:spPr/>
         <p:txBody>
-          <a:bodyPr lIns="91425" tIns="91425" rIns="91425" bIns="91425" anchor="t" anchorCtr="0">
-            <a:noAutofit/>
+          <a:bodyPr>
+            <a:normAutofit/>
           </a:bodyPr>
           <a:lstStyle/>
           <a:p>
-            <a:pPr lvl="0">
-              <a:spcBef>
-                <a:spcPts val="0"/>
-              </a:spcBef>
-              <a:buNone/>
-            </a:pPr>
-            <a:r>
-              <a:rPr lang="en" sz="2400" dirty="0">
-                <a:latin typeface="Times New Roman" panose="02020603050405020304" pitchFamily="18" charset="0"/>
-                <a:cs typeface="Times New Roman" panose="02020603050405020304" pitchFamily="18" charset="0"/>
+            <a:pPr algn="r" rtl="1"/>
+            <a:r>
+              <a:rPr lang="fa-IR" sz="2800" dirty="0" smtClean="0">
+                <a:solidFill>
+                  <a:srgbClr val="002060"/>
+                </a:solidFill>
               </a:rPr>
-              <a:t>7</a:t>
-            </a:r>
+              <a:t>ورودی </a:t>
+            </a:r>
+            <a:r>
+              <a:rPr lang="en-US" sz="2800" dirty="0" smtClean="0">
+                <a:solidFill>
+                  <a:srgbClr val="002060"/>
+                </a:solidFill>
+              </a:rPr>
+              <a:t>7x7</a:t>
+            </a:r>
+            <a:r>
+              <a:rPr lang="fa-IR" sz="2800" dirty="0" smtClean="0">
+                <a:solidFill>
+                  <a:srgbClr val="002060"/>
+                </a:solidFill>
+              </a:rPr>
+              <a:t> و فیلتر </a:t>
+            </a:r>
+            <a:r>
+              <a:rPr lang="en-US" sz="2800" dirty="0" smtClean="0">
+                <a:solidFill>
+                  <a:srgbClr val="002060"/>
+                </a:solidFill>
+              </a:rPr>
+              <a:t>3x3</a:t>
+            </a:r>
+            <a:endParaRPr lang="fa-IR" sz="2800" dirty="0" smtClean="0">
+              <a:solidFill>
+                <a:srgbClr val="002060"/>
+              </a:solidFill>
+            </a:endParaRPr>
+          </a:p>
+        </p:txBody>
+      </p:sp>
+      <p:sp>
+        <p:nvSpPr>
+          <p:cNvPr id="4" name="Slide Number Placeholder 3"/>
+          <p:cNvSpPr>
+            <a:spLocks noGrp="1"/>
+          </p:cNvSpPr>
+          <p:nvPr>
+            <p:ph type="sldNum" sz="quarter" idx="12"/>
+          </p:nvPr>
+        </p:nvSpPr>
+        <p:spPr/>
+        <p:txBody>
+          <a:bodyPr/>
+          <a:lstStyle/>
+          <a:p>
+            <a:fld id="{629637A9-119A-49DA-BD12-AAC58B377D80}" type="slidenum">
+              <a:rPr lang="en-US" smtClean="0"/>
+              <a:pPr/>
+              <a:t>18</a:t>
+            </a:fld>
+            <a:endParaRPr lang="en-US" dirty="0"/>
           </a:p>
         </p:txBody>
       </p:sp>
@@ -14757,10 +14733,1185 @@
           </a:p>
         </p:txBody>
       </p:sp>
+      <p:sp>
+        <p:nvSpPr>
+          <p:cNvPr id="9" name="Shape 397"/>
+          <p:cNvSpPr txBox="1"/>
+          <p:nvPr/>
+        </p:nvSpPr>
+        <p:spPr>
+          <a:xfrm>
+            <a:off x="1693300" y="4162795"/>
+            <a:ext cx="664950" cy="457500"/>
+          </a:xfrm>
+          <a:prstGeom prst="rect">
+            <a:avLst/>
+          </a:prstGeom>
+          <a:noFill/>
+          <a:ln>
+            <a:noFill/>
+          </a:ln>
+        </p:spPr>
+        <p:txBody>
+          <a:bodyPr lIns="91425" tIns="91425" rIns="91425" bIns="91425" anchor="t" anchorCtr="0">
+            <a:noAutofit/>
+          </a:bodyPr>
+          <a:lstStyle/>
+          <a:p>
+            <a:pPr lvl="0">
+              <a:spcBef>
+                <a:spcPts val="0"/>
+              </a:spcBef>
+              <a:buNone/>
+            </a:pPr>
+            <a:r>
+              <a:rPr lang="en" sz="2400" dirty="0" smtClean="0">
+                <a:latin typeface="Times New Roman" panose="02020603050405020304" pitchFamily="18" charset="0"/>
+                <a:cs typeface="Times New Roman" panose="02020603050405020304" pitchFamily="18" charset="0"/>
+              </a:rPr>
+              <a:t>7x7</a:t>
+            </a:r>
+            <a:endParaRPr lang="en" sz="2400" dirty="0">
+              <a:latin typeface="Times New Roman" panose="02020603050405020304" pitchFamily="18" charset="0"/>
+              <a:cs typeface="Times New Roman" panose="02020603050405020304" pitchFamily="18" charset="0"/>
+            </a:endParaRPr>
+          </a:p>
+        </p:txBody>
+      </p:sp>
+      <p:graphicFrame>
+        <p:nvGraphicFramePr>
+          <p:cNvPr id="11" name="Shape 395"/>
+          <p:cNvGraphicFramePr/>
+          <p:nvPr>
+            <p:extLst>
+              <p:ext uri="{D42A27DB-BD31-4B8C-83A1-F6EECF244321}">
+                <p14:modId xmlns:p14="http://schemas.microsoft.com/office/powerpoint/2010/main" val="1412039251"/>
+              </p:ext>
+            </p:extLst>
+          </p:nvPr>
+        </p:nvGraphicFramePr>
+        <p:xfrm>
+          <a:off x="685800" y="1401420"/>
+          <a:ext cx="2679950" cy="2720130"/>
+        </p:xfrm>
+        <a:graphic>
+          <a:graphicData uri="http://schemas.openxmlformats.org/drawingml/2006/table">
+            <a:tbl>
+              <a:tblPr>
+                <a:noFill/>
+              </a:tblPr>
+              <a:tblGrid>
+                <a:gridCol w="382850">
+                  <a:extLst>
+                    <a:ext uri="{9D8B030D-6E8A-4147-A177-3AD203B41FA5}">
+                      <a16:colId xmlns:a16="http://schemas.microsoft.com/office/drawing/2014/main" val="20000"/>
+                    </a:ext>
+                  </a:extLst>
+                </a:gridCol>
+                <a:gridCol w="382850">
+                  <a:extLst>
+                    <a:ext uri="{9D8B030D-6E8A-4147-A177-3AD203B41FA5}">
+                      <a16:colId xmlns:a16="http://schemas.microsoft.com/office/drawing/2014/main" val="20001"/>
+                    </a:ext>
+                  </a:extLst>
+                </a:gridCol>
+                <a:gridCol w="382850">
+                  <a:extLst>
+                    <a:ext uri="{9D8B030D-6E8A-4147-A177-3AD203B41FA5}">
+                      <a16:colId xmlns:a16="http://schemas.microsoft.com/office/drawing/2014/main" val="20002"/>
+                    </a:ext>
+                  </a:extLst>
+                </a:gridCol>
+                <a:gridCol w="382850">
+                  <a:extLst>
+                    <a:ext uri="{9D8B030D-6E8A-4147-A177-3AD203B41FA5}">
+                      <a16:colId xmlns:a16="http://schemas.microsoft.com/office/drawing/2014/main" val="20003"/>
+                    </a:ext>
+                  </a:extLst>
+                </a:gridCol>
+                <a:gridCol w="382850">
+                  <a:extLst>
+                    <a:ext uri="{9D8B030D-6E8A-4147-A177-3AD203B41FA5}">
+                      <a16:colId xmlns:a16="http://schemas.microsoft.com/office/drawing/2014/main" val="20004"/>
+                    </a:ext>
+                  </a:extLst>
+                </a:gridCol>
+                <a:gridCol w="382850">
+                  <a:extLst>
+                    <a:ext uri="{9D8B030D-6E8A-4147-A177-3AD203B41FA5}">
+                      <a16:colId xmlns:a16="http://schemas.microsoft.com/office/drawing/2014/main" val="20005"/>
+                    </a:ext>
+                  </a:extLst>
+                </a:gridCol>
+                <a:gridCol w="382850">
+                  <a:extLst>
+                    <a:ext uri="{9D8B030D-6E8A-4147-A177-3AD203B41FA5}">
+                      <a16:colId xmlns:a16="http://schemas.microsoft.com/office/drawing/2014/main" val="20006"/>
+                    </a:ext>
+                  </a:extLst>
+                </a:gridCol>
+              </a:tblGrid>
+              <a:tr h="0">
+                <a:tc>
+                  <a:txBody>
+                    <a:bodyPr/>
+                    <a:lstStyle/>
+                    <a:p>
+                      <a:pPr lvl="0">
+                        <a:spcBef>
+                          <a:spcPts val="0"/>
+                        </a:spcBef>
+                        <a:buNone/>
+                      </a:pPr>
+                      <a:endParaRPr dirty="0">
+                        <a:cs typeface="B Nazanin" panose="00000400000000000000" pitchFamily="2" charset="-78"/>
+                      </a:endParaRPr>
+                    </a:p>
+                  </a:txBody>
+                  <a:tcPr marL="91425" marR="91425" marT="91425" marB="91425">
+                    <a:noFill/>
+                  </a:tcPr>
+                </a:tc>
+                <a:tc>
+                  <a:txBody>
+                    <a:bodyPr/>
+                    <a:lstStyle/>
+                    <a:p>
+                      <a:pPr lvl="0">
+                        <a:spcBef>
+                          <a:spcPts val="0"/>
+                        </a:spcBef>
+                        <a:buNone/>
+                      </a:pPr>
+                      <a:endParaRPr dirty="0">
+                        <a:cs typeface="B Nazanin" panose="00000400000000000000" pitchFamily="2" charset="-78"/>
+                      </a:endParaRPr>
+                    </a:p>
+                  </a:txBody>
+                  <a:tcPr marL="91425" marR="91425" marT="91425" marB="91425">
+                    <a:noFill/>
+                  </a:tcPr>
+                </a:tc>
+                <a:tc>
+                  <a:txBody>
+                    <a:bodyPr/>
+                    <a:lstStyle/>
+                    <a:p>
+                      <a:pPr lvl="0">
+                        <a:spcBef>
+                          <a:spcPts val="0"/>
+                        </a:spcBef>
+                        <a:buNone/>
+                      </a:pPr>
+                      <a:endParaRPr dirty="0">
+                        <a:cs typeface="B Nazanin" panose="00000400000000000000" pitchFamily="2" charset="-78"/>
+                      </a:endParaRPr>
+                    </a:p>
+                  </a:txBody>
+                  <a:tcPr marL="91425" marR="91425" marT="91425" marB="91425">
+                    <a:noFill/>
+                  </a:tcPr>
+                </a:tc>
+                <a:tc>
+                  <a:txBody>
+                    <a:bodyPr/>
+                    <a:lstStyle/>
+                    <a:p>
+                      <a:pPr lvl="0">
+                        <a:spcBef>
+                          <a:spcPts val="0"/>
+                        </a:spcBef>
+                        <a:buNone/>
+                      </a:pPr>
+                      <a:endParaRPr dirty="0">
+                        <a:cs typeface="B Nazanin" panose="00000400000000000000" pitchFamily="2" charset="-78"/>
+                      </a:endParaRPr>
+                    </a:p>
+                  </a:txBody>
+                  <a:tcPr marL="91425" marR="91425" marT="91425" marB="91425"/>
+                </a:tc>
+                <a:tc>
+                  <a:txBody>
+                    <a:bodyPr/>
+                    <a:lstStyle/>
+                    <a:p>
+                      <a:pPr lvl="0">
+                        <a:spcBef>
+                          <a:spcPts val="0"/>
+                        </a:spcBef>
+                        <a:buNone/>
+                      </a:pPr>
+                      <a:endParaRPr dirty="0">
+                        <a:cs typeface="B Nazanin" panose="00000400000000000000" pitchFamily="2" charset="-78"/>
+                      </a:endParaRPr>
+                    </a:p>
+                  </a:txBody>
+                  <a:tcPr marL="91425" marR="91425" marT="91425" marB="91425">
+                    <a:solidFill>
+                      <a:schemeClr val="bg1"/>
+                    </a:solidFill>
+                  </a:tcPr>
+                </a:tc>
+                <a:tc>
+                  <a:txBody>
+                    <a:bodyPr/>
+                    <a:lstStyle/>
+                    <a:p>
+                      <a:pPr lvl="0">
+                        <a:spcBef>
+                          <a:spcPts val="0"/>
+                        </a:spcBef>
+                        <a:buNone/>
+                      </a:pPr>
+                      <a:endParaRPr dirty="0">
+                        <a:cs typeface="B Nazanin" panose="00000400000000000000" pitchFamily="2" charset="-78"/>
+                      </a:endParaRPr>
+                    </a:p>
+                  </a:txBody>
+                  <a:tcPr marL="91425" marR="91425" marT="91425" marB="91425">
+                    <a:solidFill>
+                      <a:schemeClr val="bg1"/>
+                    </a:solidFill>
+                  </a:tcPr>
+                </a:tc>
+                <a:tc>
+                  <a:txBody>
+                    <a:bodyPr/>
+                    <a:lstStyle/>
+                    <a:p>
+                      <a:pPr lvl="0">
+                        <a:spcBef>
+                          <a:spcPts val="0"/>
+                        </a:spcBef>
+                        <a:buNone/>
+                      </a:pPr>
+                      <a:endParaRPr dirty="0">
+                        <a:cs typeface="B Nazanin" panose="00000400000000000000" pitchFamily="2" charset="-78"/>
+                      </a:endParaRPr>
+                    </a:p>
+                  </a:txBody>
+                  <a:tcPr marL="91425" marR="91425" marT="91425" marB="91425">
+                    <a:solidFill>
+                      <a:schemeClr val="bg1"/>
+                    </a:solidFill>
+                  </a:tcPr>
+                </a:tc>
+                <a:extLst>
+                  <a:ext uri="{0D108BD9-81ED-4DB2-BD59-A6C34878D82A}">
+                    <a16:rowId xmlns:a16="http://schemas.microsoft.com/office/drawing/2014/main" val="10000"/>
+                  </a:ext>
+                </a:extLst>
+              </a:tr>
+              <a:tr h="0">
+                <a:tc>
+                  <a:txBody>
+                    <a:bodyPr/>
+                    <a:lstStyle/>
+                    <a:p>
+                      <a:pPr lvl="0">
+                        <a:spcBef>
+                          <a:spcPts val="0"/>
+                        </a:spcBef>
+                        <a:buNone/>
+                      </a:pPr>
+                      <a:endParaRPr dirty="0">
+                        <a:cs typeface="B Nazanin" panose="00000400000000000000" pitchFamily="2" charset="-78"/>
+                      </a:endParaRPr>
+                    </a:p>
+                  </a:txBody>
+                  <a:tcPr marL="91425" marR="91425" marT="91425" marB="91425">
+                    <a:noFill/>
+                  </a:tcPr>
+                </a:tc>
+                <a:tc>
+                  <a:txBody>
+                    <a:bodyPr/>
+                    <a:lstStyle/>
+                    <a:p>
+                      <a:endParaRPr lang="en-US" dirty="0"/>
+                    </a:p>
+                  </a:txBody>
+                  <a:tcPr marL="91425" marR="91425" marT="91425" marB="91425">
+                    <a:solidFill>
+                      <a:srgbClr val="38761D"/>
+                    </a:solidFill>
+                  </a:tcPr>
+                </a:tc>
+                <a:tc>
+                  <a:txBody>
+                    <a:bodyPr/>
+                    <a:lstStyle/>
+                    <a:p>
+                      <a:pPr lvl="0">
+                        <a:spcBef>
+                          <a:spcPts val="0"/>
+                        </a:spcBef>
+                        <a:buNone/>
+                      </a:pPr>
+                      <a:endParaRPr dirty="0">
+                        <a:cs typeface="B Nazanin" panose="00000400000000000000" pitchFamily="2" charset="-78"/>
+                      </a:endParaRPr>
+                    </a:p>
+                  </a:txBody>
+                  <a:tcPr marL="91425" marR="91425" marT="91425" marB="91425">
+                    <a:solidFill>
+                      <a:srgbClr val="38761D"/>
+                    </a:solidFill>
+                  </a:tcPr>
+                </a:tc>
+                <a:tc>
+                  <a:txBody>
+                    <a:bodyPr/>
+                    <a:lstStyle/>
+                    <a:p>
+                      <a:pPr lvl="0">
+                        <a:spcBef>
+                          <a:spcPts val="0"/>
+                        </a:spcBef>
+                        <a:buNone/>
+                      </a:pPr>
+                      <a:endParaRPr dirty="0">
+                        <a:cs typeface="B Nazanin" panose="00000400000000000000" pitchFamily="2" charset="-78"/>
+                      </a:endParaRPr>
+                    </a:p>
+                  </a:txBody>
+                  <a:tcPr marL="91425" marR="91425" marT="91425" marB="91425">
+                    <a:solidFill>
+                      <a:srgbClr val="38761D"/>
+                    </a:solidFill>
+                  </a:tcPr>
+                </a:tc>
+                <a:tc>
+                  <a:txBody>
+                    <a:bodyPr/>
+                    <a:lstStyle/>
+                    <a:p>
+                      <a:pPr lvl="0">
+                        <a:spcBef>
+                          <a:spcPts val="0"/>
+                        </a:spcBef>
+                        <a:buNone/>
+                      </a:pPr>
+                      <a:endParaRPr dirty="0">
+                        <a:cs typeface="B Nazanin" panose="00000400000000000000" pitchFamily="2" charset="-78"/>
+                      </a:endParaRPr>
+                    </a:p>
+                  </a:txBody>
+                  <a:tcPr marL="91425" marR="91425" marT="91425" marB="91425">
+                    <a:solidFill>
+                      <a:srgbClr val="38761D"/>
+                    </a:solidFill>
+                  </a:tcPr>
+                </a:tc>
+                <a:tc>
+                  <a:txBody>
+                    <a:bodyPr/>
+                    <a:lstStyle/>
+                    <a:p>
+                      <a:pPr lvl="0">
+                        <a:spcBef>
+                          <a:spcPts val="0"/>
+                        </a:spcBef>
+                        <a:buNone/>
+                      </a:pPr>
+                      <a:endParaRPr dirty="0">
+                        <a:cs typeface="B Nazanin" panose="00000400000000000000" pitchFamily="2" charset="-78"/>
+                      </a:endParaRPr>
+                    </a:p>
+                  </a:txBody>
+                  <a:tcPr marL="91425" marR="91425" marT="91425" marB="91425">
+                    <a:solidFill>
+                      <a:srgbClr val="38761D"/>
+                    </a:solidFill>
+                  </a:tcPr>
+                </a:tc>
+                <a:tc>
+                  <a:txBody>
+                    <a:bodyPr/>
+                    <a:lstStyle/>
+                    <a:p>
+                      <a:pPr lvl="0">
+                        <a:spcBef>
+                          <a:spcPts val="0"/>
+                        </a:spcBef>
+                        <a:buNone/>
+                      </a:pPr>
+                      <a:endParaRPr dirty="0">
+                        <a:cs typeface="B Nazanin" panose="00000400000000000000" pitchFamily="2" charset="-78"/>
+                      </a:endParaRPr>
+                    </a:p>
+                  </a:txBody>
+                  <a:tcPr marL="91425" marR="91425" marT="91425" marB="91425">
+                    <a:solidFill>
+                      <a:schemeClr val="bg1"/>
+                    </a:solidFill>
+                  </a:tcPr>
+                </a:tc>
+                <a:extLst>
+                  <a:ext uri="{0D108BD9-81ED-4DB2-BD59-A6C34878D82A}">
+                    <a16:rowId xmlns:a16="http://schemas.microsoft.com/office/drawing/2014/main" val="10001"/>
+                  </a:ext>
+                </a:extLst>
+              </a:tr>
+              <a:tr h="0">
+                <a:tc>
+                  <a:txBody>
+                    <a:bodyPr/>
+                    <a:lstStyle/>
+                    <a:p>
+                      <a:pPr lvl="0">
+                        <a:spcBef>
+                          <a:spcPts val="0"/>
+                        </a:spcBef>
+                        <a:buNone/>
+                      </a:pPr>
+                      <a:endParaRPr dirty="0">
+                        <a:cs typeface="B Nazanin" panose="00000400000000000000" pitchFamily="2" charset="-78"/>
+                      </a:endParaRPr>
+                    </a:p>
+                  </a:txBody>
+                  <a:tcPr marL="91425" marR="91425" marT="91425" marB="91425">
+                    <a:noFill/>
+                  </a:tcPr>
+                </a:tc>
+                <a:tc>
+                  <a:txBody>
+                    <a:bodyPr/>
+                    <a:lstStyle/>
+                    <a:p>
+                      <a:pPr lvl="0">
+                        <a:spcBef>
+                          <a:spcPts val="0"/>
+                        </a:spcBef>
+                        <a:buNone/>
+                      </a:pPr>
+                      <a:endParaRPr dirty="0">
+                        <a:cs typeface="B Nazanin" panose="00000400000000000000" pitchFamily="2" charset="-78"/>
+                      </a:endParaRPr>
+                    </a:p>
+                  </a:txBody>
+                  <a:tcPr marL="91425" marR="91425" marT="91425" marB="91425">
+                    <a:solidFill>
+                      <a:srgbClr val="38761D"/>
+                    </a:solidFill>
+                  </a:tcPr>
+                </a:tc>
+                <a:tc>
+                  <a:txBody>
+                    <a:bodyPr/>
+                    <a:lstStyle/>
+                    <a:p>
+                      <a:pPr lvl="0">
+                        <a:spcBef>
+                          <a:spcPts val="0"/>
+                        </a:spcBef>
+                        <a:buNone/>
+                      </a:pPr>
+                      <a:endParaRPr dirty="0">
+                        <a:cs typeface="B Nazanin" panose="00000400000000000000" pitchFamily="2" charset="-78"/>
+                      </a:endParaRPr>
+                    </a:p>
+                  </a:txBody>
+                  <a:tcPr marL="91425" marR="91425" marT="91425" marB="91425">
+                    <a:solidFill>
+                      <a:srgbClr val="38761D"/>
+                    </a:solidFill>
+                  </a:tcPr>
+                </a:tc>
+                <a:tc>
+                  <a:txBody>
+                    <a:bodyPr/>
+                    <a:lstStyle/>
+                    <a:p>
+                      <a:pPr lvl="0">
+                        <a:spcBef>
+                          <a:spcPts val="0"/>
+                        </a:spcBef>
+                        <a:buNone/>
+                      </a:pPr>
+                      <a:endParaRPr dirty="0">
+                        <a:cs typeface="B Nazanin" panose="00000400000000000000" pitchFamily="2" charset="-78"/>
+                      </a:endParaRPr>
+                    </a:p>
+                  </a:txBody>
+                  <a:tcPr marL="91425" marR="91425" marT="91425" marB="91425">
+                    <a:solidFill>
+                      <a:srgbClr val="38761D"/>
+                    </a:solidFill>
+                  </a:tcPr>
+                </a:tc>
+                <a:tc>
+                  <a:txBody>
+                    <a:bodyPr/>
+                    <a:lstStyle/>
+                    <a:p>
+                      <a:pPr lvl="0">
+                        <a:spcBef>
+                          <a:spcPts val="0"/>
+                        </a:spcBef>
+                        <a:buNone/>
+                      </a:pPr>
+                      <a:endParaRPr dirty="0">
+                        <a:cs typeface="B Nazanin" panose="00000400000000000000" pitchFamily="2" charset="-78"/>
+                      </a:endParaRPr>
+                    </a:p>
+                  </a:txBody>
+                  <a:tcPr marL="91425" marR="91425" marT="91425" marB="91425">
+                    <a:solidFill>
+                      <a:srgbClr val="38761D"/>
+                    </a:solidFill>
+                  </a:tcPr>
+                </a:tc>
+                <a:tc>
+                  <a:txBody>
+                    <a:bodyPr/>
+                    <a:lstStyle/>
+                    <a:p>
+                      <a:pPr lvl="0">
+                        <a:spcBef>
+                          <a:spcPts val="0"/>
+                        </a:spcBef>
+                        <a:buNone/>
+                      </a:pPr>
+                      <a:endParaRPr dirty="0">
+                        <a:cs typeface="B Nazanin" panose="00000400000000000000" pitchFamily="2" charset="-78"/>
+                      </a:endParaRPr>
+                    </a:p>
+                  </a:txBody>
+                  <a:tcPr marL="91425" marR="91425" marT="91425" marB="91425">
+                    <a:solidFill>
+                      <a:srgbClr val="38761D"/>
+                    </a:solidFill>
+                  </a:tcPr>
+                </a:tc>
+                <a:tc>
+                  <a:txBody>
+                    <a:bodyPr/>
+                    <a:lstStyle/>
+                    <a:p>
+                      <a:pPr lvl="0">
+                        <a:spcBef>
+                          <a:spcPts val="0"/>
+                        </a:spcBef>
+                        <a:buNone/>
+                      </a:pPr>
+                      <a:endParaRPr dirty="0">
+                        <a:cs typeface="B Nazanin" panose="00000400000000000000" pitchFamily="2" charset="-78"/>
+                      </a:endParaRPr>
+                    </a:p>
+                  </a:txBody>
+                  <a:tcPr marL="91425" marR="91425" marT="91425" marB="91425">
+                    <a:solidFill>
+                      <a:schemeClr val="bg1"/>
+                    </a:solidFill>
+                  </a:tcPr>
+                </a:tc>
+                <a:extLst>
+                  <a:ext uri="{0D108BD9-81ED-4DB2-BD59-A6C34878D82A}">
+                    <a16:rowId xmlns:a16="http://schemas.microsoft.com/office/drawing/2014/main" val="10002"/>
+                  </a:ext>
+                </a:extLst>
+              </a:tr>
+              <a:tr h="0">
+                <a:tc>
+                  <a:txBody>
+                    <a:bodyPr/>
+                    <a:lstStyle/>
+                    <a:p>
+                      <a:pPr lvl="0">
+                        <a:spcBef>
+                          <a:spcPts val="0"/>
+                        </a:spcBef>
+                        <a:buNone/>
+                      </a:pPr>
+                      <a:endParaRPr dirty="0">
+                        <a:cs typeface="B Nazanin" panose="00000400000000000000" pitchFamily="2" charset="-78"/>
+                      </a:endParaRPr>
+                    </a:p>
+                  </a:txBody>
+                  <a:tcPr marL="91425" marR="91425" marT="91425" marB="91425"/>
+                </a:tc>
+                <a:tc>
+                  <a:txBody>
+                    <a:bodyPr/>
+                    <a:lstStyle/>
+                    <a:p>
+                      <a:pPr lvl="0">
+                        <a:spcBef>
+                          <a:spcPts val="0"/>
+                        </a:spcBef>
+                        <a:buNone/>
+                      </a:pPr>
+                      <a:endParaRPr dirty="0">
+                        <a:cs typeface="B Nazanin" panose="00000400000000000000" pitchFamily="2" charset="-78"/>
+                      </a:endParaRPr>
+                    </a:p>
+                  </a:txBody>
+                  <a:tcPr marL="91425" marR="91425" marT="91425" marB="91425">
+                    <a:solidFill>
+                      <a:srgbClr val="38761D"/>
+                    </a:solidFill>
+                  </a:tcPr>
+                </a:tc>
+                <a:tc>
+                  <a:txBody>
+                    <a:bodyPr/>
+                    <a:lstStyle/>
+                    <a:p>
+                      <a:pPr lvl="0">
+                        <a:spcBef>
+                          <a:spcPts val="0"/>
+                        </a:spcBef>
+                        <a:buNone/>
+                      </a:pPr>
+                      <a:endParaRPr dirty="0">
+                        <a:cs typeface="B Nazanin" panose="00000400000000000000" pitchFamily="2" charset="-78"/>
+                      </a:endParaRPr>
+                    </a:p>
+                  </a:txBody>
+                  <a:tcPr marL="91425" marR="91425" marT="91425" marB="91425">
+                    <a:solidFill>
+                      <a:srgbClr val="38761D"/>
+                    </a:solidFill>
+                  </a:tcPr>
+                </a:tc>
+                <a:tc>
+                  <a:txBody>
+                    <a:bodyPr/>
+                    <a:lstStyle/>
+                    <a:p>
+                      <a:pPr lvl="0">
+                        <a:spcBef>
+                          <a:spcPts val="0"/>
+                        </a:spcBef>
+                        <a:buNone/>
+                      </a:pPr>
+                      <a:endParaRPr dirty="0">
+                        <a:cs typeface="B Nazanin" panose="00000400000000000000" pitchFamily="2" charset="-78"/>
+                      </a:endParaRPr>
+                    </a:p>
+                  </a:txBody>
+                  <a:tcPr marL="91425" marR="91425" marT="91425" marB="91425">
+                    <a:solidFill>
+                      <a:srgbClr val="38761D"/>
+                    </a:solidFill>
+                  </a:tcPr>
+                </a:tc>
+                <a:tc>
+                  <a:txBody>
+                    <a:bodyPr/>
+                    <a:lstStyle/>
+                    <a:p>
+                      <a:pPr lvl="0">
+                        <a:spcBef>
+                          <a:spcPts val="0"/>
+                        </a:spcBef>
+                        <a:buNone/>
+                      </a:pPr>
+                      <a:endParaRPr dirty="0">
+                        <a:cs typeface="B Nazanin" panose="00000400000000000000" pitchFamily="2" charset="-78"/>
+                      </a:endParaRPr>
+                    </a:p>
+                  </a:txBody>
+                  <a:tcPr marL="91425" marR="91425" marT="91425" marB="91425">
+                    <a:solidFill>
+                      <a:srgbClr val="38761D"/>
+                    </a:solidFill>
+                  </a:tcPr>
+                </a:tc>
+                <a:tc>
+                  <a:txBody>
+                    <a:bodyPr/>
+                    <a:lstStyle/>
+                    <a:p>
+                      <a:pPr lvl="0">
+                        <a:spcBef>
+                          <a:spcPts val="0"/>
+                        </a:spcBef>
+                        <a:buNone/>
+                      </a:pPr>
+                      <a:endParaRPr dirty="0">
+                        <a:cs typeface="B Nazanin" panose="00000400000000000000" pitchFamily="2" charset="-78"/>
+                      </a:endParaRPr>
+                    </a:p>
+                  </a:txBody>
+                  <a:tcPr marL="91425" marR="91425" marT="91425" marB="91425">
+                    <a:solidFill>
+                      <a:srgbClr val="38761D"/>
+                    </a:solidFill>
+                  </a:tcPr>
+                </a:tc>
+                <a:tc>
+                  <a:txBody>
+                    <a:bodyPr/>
+                    <a:lstStyle/>
+                    <a:p>
+                      <a:pPr lvl="0">
+                        <a:spcBef>
+                          <a:spcPts val="0"/>
+                        </a:spcBef>
+                        <a:buNone/>
+                      </a:pPr>
+                      <a:endParaRPr dirty="0">
+                        <a:cs typeface="B Nazanin" panose="00000400000000000000" pitchFamily="2" charset="-78"/>
+                      </a:endParaRPr>
+                    </a:p>
+                  </a:txBody>
+                  <a:tcPr marL="91425" marR="91425" marT="91425" marB="91425"/>
+                </a:tc>
+                <a:extLst>
+                  <a:ext uri="{0D108BD9-81ED-4DB2-BD59-A6C34878D82A}">
+                    <a16:rowId xmlns:a16="http://schemas.microsoft.com/office/drawing/2014/main" val="10003"/>
+                  </a:ext>
+                </a:extLst>
+              </a:tr>
+              <a:tr h="0">
+                <a:tc>
+                  <a:txBody>
+                    <a:bodyPr/>
+                    <a:lstStyle/>
+                    <a:p>
+                      <a:pPr lvl="0">
+                        <a:spcBef>
+                          <a:spcPts val="0"/>
+                        </a:spcBef>
+                        <a:buNone/>
+                      </a:pPr>
+                      <a:endParaRPr dirty="0">
+                        <a:cs typeface="B Nazanin" panose="00000400000000000000" pitchFamily="2" charset="-78"/>
+                      </a:endParaRPr>
+                    </a:p>
+                  </a:txBody>
+                  <a:tcPr marL="91425" marR="91425" marT="91425" marB="91425"/>
+                </a:tc>
+                <a:tc>
+                  <a:txBody>
+                    <a:bodyPr/>
+                    <a:lstStyle/>
+                    <a:p>
+                      <a:pPr lvl="0">
+                        <a:spcBef>
+                          <a:spcPts val="0"/>
+                        </a:spcBef>
+                        <a:buNone/>
+                      </a:pPr>
+                      <a:endParaRPr dirty="0">
+                        <a:cs typeface="B Nazanin" panose="00000400000000000000" pitchFamily="2" charset="-78"/>
+                      </a:endParaRPr>
+                    </a:p>
+                  </a:txBody>
+                  <a:tcPr marL="91425" marR="91425" marT="91425" marB="91425">
+                    <a:solidFill>
+                      <a:srgbClr val="38761D"/>
+                    </a:solidFill>
+                  </a:tcPr>
+                </a:tc>
+                <a:tc>
+                  <a:txBody>
+                    <a:bodyPr/>
+                    <a:lstStyle/>
+                    <a:p>
+                      <a:pPr lvl="0">
+                        <a:spcBef>
+                          <a:spcPts val="0"/>
+                        </a:spcBef>
+                        <a:buNone/>
+                      </a:pPr>
+                      <a:endParaRPr dirty="0">
+                        <a:cs typeface="B Nazanin" panose="00000400000000000000" pitchFamily="2" charset="-78"/>
+                      </a:endParaRPr>
+                    </a:p>
+                  </a:txBody>
+                  <a:tcPr marL="91425" marR="91425" marT="91425" marB="91425">
+                    <a:solidFill>
+                      <a:srgbClr val="38761D"/>
+                    </a:solidFill>
+                  </a:tcPr>
+                </a:tc>
+                <a:tc>
+                  <a:txBody>
+                    <a:bodyPr/>
+                    <a:lstStyle/>
+                    <a:p>
+                      <a:pPr lvl="0">
+                        <a:spcBef>
+                          <a:spcPts val="0"/>
+                        </a:spcBef>
+                        <a:buNone/>
+                      </a:pPr>
+                      <a:endParaRPr dirty="0">
+                        <a:cs typeface="B Nazanin" panose="00000400000000000000" pitchFamily="2" charset="-78"/>
+                      </a:endParaRPr>
+                    </a:p>
+                  </a:txBody>
+                  <a:tcPr marL="91425" marR="91425" marT="91425" marB="91425">
+                    <a:solidFill>
+                      <a:srgbClr val="38761D"/>
+                    </a:solidFill>
+                  </a:tcPr>
+                </a:tc>
+                <a:tc>
+                  <a:txBody>
+                    <a:bodyPr/>
+                    <a:lstStyle/>
+                    <a:p>
+                      <a:pPr lvl="0">
+                        <a:spcBef>
+                          <a:spcPts val="0"/>
+                        </a:spcBef>
+                        <a:buNone/>
+                      </a:pPr>
+                      <a:endParaRPr dirty="0">
+                        <a:cs typeface="B Nazanin" panose="00000400000000000000" pitchFamily="2" charset="-78"/>
+                      </a:endParaRPr>
+                    </a:p>
+                  </a:txBody>
+                  <a:tcPr marL="91425" marR="91425" marT="91425" marB="91425">
+                    <a:solidFill>
+                      <a:srgbClr val="38761D"/>
+                    </a:solidFill>
+                  </a:tcPr>
+                </a:tc>
+                <a:tc>
+                  <a:txBody>
+                    <a:bodyPr/>
+                    <a:lstStyle/>
+                    <a:p>
+                      <a:pPr lvl="0">
+                        <a:spcBef>
+                          <a:spcPts val="0"/>
+                        </a:spcBef>
+                        <a:buNone/>
+                      </a:pPr>
+                      <a:endParaRPr dirty="0">
+                        <a:cs typeface="B Nazanin" panose="00000400000000000000" pitchFamily="2" charset="-78"/>
+                      </a:endParaRPr>
+                    </a:p>
+                  </a:txBody>
+                  <a:tcPr marL="91425" marR="91425" marT="91425" marB="91425">
+                    <a:solidFill>
+                      <a:srgbClr val="38761D"/>
+                    </a:solidFill>
+                  </a:tcPr>
+                </a:tc>
+                <a:tc>
+                  <a:txBody>
+                    <a:bodyPr/>
+                    <a:lstStyle/>
+                    <a:p>
+                      <a:pPr lvl="0">
+                        <a:spcBef>
+                          <a:spcPts val="0"/>
+                        </a:spcBef>
+                        <a:buNone/>
+                      </a:pPr>
+                      <a:endParaRPr dirty="0">
+                        <a:cs typeface="B Nazanin" panose="00000400000000000000" pitchFamily="2" charset="-78"/>
+                      </a:endParaRPr>
+                    </a:p>
+                  </a:txBody>
+                  <a:tcPr marL="91425" marR="91425" marT="91425" marB="91425"/>
+                </a:tc>
+                <a:extLst>
+                  <a:ext uri="{0D108BD9-81ED-4DB2-BD59-A6C34878D82A}">
+                    <a16:rowId xmlns:a16="http://schemas.microsoft.com/office/drawing/2014/main" val="10004"/>
+                  </a:ext>
+                </a:extLst>
+              </a:tr>
+              <a:tr h="0">
+                <a:tc>
+                  <a:txBody>
+                    <a:bodyPr/>
+                    <a:lstStyle/>
+                    <a:p>
+                      <a:pPr lvl="0">
+                        <a:spcBef>
+                          <a:spcPts val="0"/>
+                        </a:spcBef>
+                        <a:buNone/>
+                      </a:pPr>
+                      <a:endParaRPr dirty="0">
+                        <a:cs typeface="B Nazanin" panose="00000400000000000000" pitchFamily="2" charset="-78"/>
+                      </a:endParaRPr>
+                    </a:p>
+                  </a:txBody>
+                  <a:tcPr marL="91425" marR="91425" marT="91425" marB="91425"/>
+                </a:tc>
+                <a:tc>
+                  <a:txBody>
+                    <a:bodyPr/>
+                    <a:lstStyle/>
+                    <a:p>
+                      <a:pPr lvl="0">
+                        <a:spcBef>
+                          <a:spcPts val="0"/>
+                        </a:spcBef>
+                        <a:buNone/>
+                      </a:pPr>
+                      <a:endParaRPr dirty="0">
+                        <a:cs typeface="B Nazanin" panose="00000400000000000000" pitchFamily="2" charset="-78"/>
+                      </a:endParaRPr>
+                    </a:p>
+                  </a:txBody>
+                  <a:tcPr marL="91425" marR="91425" marT="91425" marB="91425">
+                    <a:solidFill>
+                      <a:srgbClr val="38761D"/>
+                    </a:solidFill>
+                  </a:tcPr>
+                </a:tc>
+                <a:tc>
+                  <a:txBody>
+                    <a:bodyPr/>
+                    <a:lstStyle/>
+                    <a:p>
+                      <a:pPr lvl="0">
+                        <a:spcBef>
+                          <a:spcPts val="0"/>
+                        </a:spcBef>
+                        <a:buNone/>
+                      </a:pPr>
+                      <a:endParaRPr dirty="0">
+                        <a:cs typeface="B Nazanin" panose="00000400000000000000" pitchFamily="2" charset="-78"/>
+                      </a:endParaRPr>
+                    </a:p>
+                  </a:txBody>
+                  <a:tcPr marL="91425" marR="91425" marT="91425" marB="91425">
+                    <a:solidFill>
+                      <a:srgbClr val="38761D"/>
+                    </a:solidFill>
+                  </a:tcPr>
+                </a:tc>
+                <a:tc>
+                  <a:txBody>
+                    <a:bodyPr/>
+                    <a:lstStyle/>
+                    <a:p>
+                      <a:pPr lvl="0">
+                        <a:spcBef>
+                          <a:spcPts val="0"/>
+                        </a:spcBef>
+                        <a:buNone/>
+                      </a:pPr>
+                      <a:endParaRPr dirty="0">
+                        <a:cs typeface="B Nazanin" panose="00000400000000000000" pitchFamily="2" charset="-78"/>
+                      </a:endParaRPr>
+                    </a:p>
+                  </a:txBody>
+                  <a:tcPr marL="91425" marR="91425" marT="91425" marB="91425">
+                    <a:solidFill>
+                      <a:srgbClr val="38761D"/>
+                    </a:solidFill>
+                  </a:tcPr>
+                </a:tc>
+                <a:tc>
+                  <a:txBody>
+                    <a:bodyPr/>
+                    <a:lstStyle/>
+                    <a:p>
+                      <a:pPr lvl="0">
+                        <a:spcBef>
+                          <a:spcPts val="0"/>
+                        </a:spcBef>
+                        <a:buNone/>
+                      </a:pPr>
+                      <a:endParaRPr dirty="0">
+                        <a:cs typeface="B Nazanin" panose="00000400000000000000" pitchFamily="2" charset="-78"/>
+                      </a:endParaRPr>
+                    </a:p>
+                  </a:txBody>
+                  <a:tcPr marL="91425" marR="91425" marT="91425" marB="91425">
+                    <a:solidFill>
+                      <a:srgbClr val="38761D"/>
+                    </a:solidFill>
+                  </a:tcPr>
+                </a:tc>
+                <a:tc>
+                  <a:txBody>
+                    <a:bodyPr/>
+                    <a:lstStyle/>
+                    <a:p>
+                      <a:pPr lvl="0">
+                        <a:spcBef>
+                          <a:spcPts val="0"/>
+                        </a:spcBef>
+                        <a:buNone/>
+                      </a:pPr>
+                      <a:endParaRPr dirty="0">
+                        <a:cs typeface="B Nazanin" panose="00000400000000000000" pitchFamily="2" charset="-78"/>
+                      </a:endParaRPr>
+                    </a:p>
+                  </a:txBody>
+                  <a:tcPr marL="91425" marR="91425" marT="91425" marB="91425">
+                    <a:solidFill>
+                      <a:srgbClr val="38761D"/>
+                    </a:solidFill>
+                  </a:tcPr>
+                </a:tc>
+                <a:tc>
+                  <a:txBody>
+                    <a:bodyPr/>
+                    <a:lstStyle/>
+                    <a:p>
+                      <a:pPr lvl="0">
+                        <a:spcBef>
+                          <a:spcPts val="0"/>
+                        </a:spcBef>
+                        <a:buNone/>
+                      </a:pPr>
+                      <a:endParaRPr dirty="0">
+                        <a:cs typeface="B Nazanin" panose="00000400000000000000" pitchFamily="2" charset="-78"/>
+                      </a:endParaRPr>
+                    </a:p>
+                  </a:txBody>
+                  <a:tcPr marL="91425" marR="91425" marT="91425" marB="91425"/>
+                </a:tc>
+                <a:extLst>
+                  <a:ext uri="{0D108BD9-81ED-4DB2-BD59-A6C34878D82A}">
+                    <a16:rowId xmlns:a16="http://schemas.microsoft.com/office/drawing/2014/main" val="10005"/>
+                  </a:ext>
+                </a:extLst>
+              </a:tr>
+              <a:tr h="0">
+                <a:tc>
+                  <a:txBody>
+                    <a:bodyPr/>
+                    <a:lstStyle/>
+                    <a:p>
+                      <a:pPr lvl="0">
+                        <a:spcBef>
+                          <a:spcPts val="0"/>
+                        </a:spcBef>
+                        <a:buNone/>
+                      </a:pPr>
+                      <a:endParaRPr dirty="0">
+                        <a:cs typeface="B Nazanin" panose="00000400000000000000" pitchFamily="2" charset="-78"/>
+                      </a:endParaRPr>
+                    </a:p>
+                  </a:txBody>
+                  <a:tcPr marL="91425" marR="91425" marT="91425" marB="91425"/>
+                </a:tc>
+                <a:tc>
+                  <a:txBody>
+                    <a:bodyPr/>
+                    <a:lstStyle/>
+                    <a:p>
+                      <a:pPr lvl="0">
+                        <a:spcBef>
+                          <a:spcPts val="0"/>
+                        </a:spcBef>
+                        <a:buNone/>
+                      </a:pPr>
+                      <a:endParaRPr dirty="0">
+                        <a:cs typeface="B Nazanin" panose="00000400000000000000" pitchFamily="2" charset="-78"/>
+                      </a:endParaRPr>
+                    </a:p>
+                  </a:txBody>
+                  <a:tcPr marL="91425" marR="91425" marT="91425" marB="91425"/>
+                </a:tc>
+                <a:tc>
+                  <a:txBody>
+                    <a:bodyPr/>
+                    <a:lstStyle/>
+                    <a:p>
+                      <a:pPr lvl="0">
+                        <a:spcBef>
+                          <a:spcPts val="0"/>
+                        </a:spcBef>
+                        <a:buNone/>
+                      </a:pPr>
+                      <a:endParaRPr dirty="0">
+                        <a:cs typeface="B Nazanin" panose="00000400000000000000" pitchFamily="2" charset="-78"/>
+                      </a:endParaRPr>
+                    </a:p>
+                  </a:txBody>
+                  <a:tcPr marL="91425" marR="91425" marT="91425" marB="91425"/>
+                </a:tc>
+                <a:tc>
+                  <a:txBody>
+                    <a:bodyPr/>
+                    <a:lstStyle/>
+                    <a:p>
+                      <a:pPr lvl="0">
+                        <a:spcBef>
+                          <a:spcPts val="0"/>
+                        </a:spcBef>
+                        <a:buNone/>
+                      </a:pPr>
+                      <a:endParaRPr dirty="0">
+                        <a:cs typeface="B Nazanin" panose="00000400000000000000" pitchFamily="2" charset="-78"/>
+                      </a:endParaRPr>
+                    </a:p>
+                  </a:txBody>
+                  <a:tcPr marL="91425" marR="91425" marT="91425" marB="91425"/>
+                </a:tc>
+                <a:tc>
+                  <a:txBody>
+                    <a:bodyPr/>
+                    <a:lstStyle/>
+                    <a:p>
+                      <a:pPr lvl="0">
+                        <a:spcBef>
+                          <a:spcPts val="0"/>
+                        </a:spcBef>
+                        <a:buNone/>
+                      </a:pPr>
+                      <a:endParaRPr dirty="0">
+                        <a:cs typeface="B Nazanin" panose="00000400000000000000" pitchFamily="2" charset="-78"/>
+                      </a:endParaRPr>
+                    </a:p>
+                  </a:txBody>
+                  <a:tcPr marL="91425" marR="91425" marT="91425" marB="91425"/>
+                </a:tc>
+                <a:tc>
+                  <a:txBody>
+                    <a:bodyPr/>
+                    <a:lstStyle/>
+                    <a:p>
+                      <a:pPr lvl="0">
+                        <a:spcBef>
+                          <a:spcPts val="0"/>
+                        </a:spcBef>
+                        <a:buNone/>
+                      </a:pPr>
+                      <a:endParaRPr dirty="0">
+                        <a:cs typeface="B Nazanin" panose="00000400000000000000" pitchFamily="2" charset="-78"/>
+                      </a:endParaRPr>
+                    </a:p>
+                  </a:txBody>
+                  <a:tcPr marL="91425" marR="91425" marT="91425" marB="91425"/>
+                </a:tc>
+                <a:tc>
+                  <a:txBody>
+                    <a:bodyPr/>
+                    <a:lstStyle/>
+                    <a:p>
+                      <a:pPr lvl="0">
+                        <a:spcBef>
+                          <a:spcPts val="0"/>
+                        </a:spcBef>
+                        <a:buNone/>
+                      </a:pPr>
+                      <a:endParaRPr dirty="0">
+                        <a:cs typeface="B Nazanin" panose="00000400000000000000" pitchFamily="2" charset="-78"/>
+                      </a:endParaRPr>
+                    </a:p>
+                  </a:txBody>
+                  <a:tcPr marL="91425" marR="91425" marT="91425" marB="91425"/>
+                </a:tc>
+                <a:extLst>
+                  <a:ext uri="{0D108BD9-81ED-4DB2-BD59-A6C34878D82A}">
+                    <a16:rowId xmlns:a16="http://schemas.microsoft.com/office/drawing/2014/main" val="10006"/>
+                  </a:ext>
+                </a:extLst>
+              </a:tr>
+            </a:tbl>
+          </a:graphicData>
+        </a:graphic>
+      </p:graphicFrame>
     </p:spTree>
     <p:extLst>
       <p:ext uri="{BB962C8B-B14F-4D97-AF65-F5344CB8AC3E}">
-        <p14:creationId xmlns:p14="http://schemas.microsoft.com/office/powerpoint/2010/main" val="2080250220"/>
+        <p14:creationId xmlns:p14="http://schemas.microsoft.com/office/powerpoint/2010/main" val="4035139883"/>
       </p:ext>
     </p:extLst>
   </p:cSld>
@@ -14859,7 +16010,7 @@
 </p:sld>
 </file>
 
-<file path=ppt/slides/slide18.xml><?xml version="1.0" encoding="utf-8"?>
+<file path=ppt/slides/slide19.xml><?xml version="1.0" encoding="utf-8"?>
 <p:sld xmlns:a="http://schemas.openxmlformats.org/drawingml/2006/main" xmlns:r="http://schemas.openxmlformats.org/officeDocument/2006/relationships" xmlns:p="http://schemas.openxmlformats.org/presentationml/2006/main">
   <p:cSld>
     <p:spTree>
@@ -15007,7 +16158,7 @@
             <a:fld id="{629637A9-119A-49DA-BD12-AAC58B377D80}" type="slidenum">
               <a:rPr lang="en-US" smtClean="0"/>
               <a:pPr/>
-              <a:t>18</a:t>
+              <a:t>19</a:t>
             </a:fld>
             <a:endParaRPr lang="en-US" dirty="0"/>
           </a:p>
@@ -16154,6 +17305,51 @@
               </a:rPr>
               <a:t>7</a:t>
             </a:r>
+          </a:p>
+        </p:txBody>
+      </p:sp>
+      <p:sp>
+        <p:nvSpPr>
+          <p:cNvPr id="8" name="Shape 397"/>
+          <p:cNvSpPr txBox="1"/>
+          <p:nvPr/>
+        </p:nvSpPr>
+        <p:spPr>
+          <a:xfrm>
+            <a:off x="1693300" y="4162795"/>
+            <a:ext cx="664950" cy="457500"/>
+          </a:xfrm>
+          <a:prstGeom prst="rect">
+            <a:avLst/>
+          </a:prstGeom>
+          <a:noFill/>
+          <a:ln>
+            <a:noFill/>
+          </a:ln>
+        </p:spPr>
+        <p:txBody>
+          <a:bodyPr lIns="91425" tIns="91425" rIns="91425" bIns="91425" anchor="t" anchorCtr="0">
+            <a:noAutofit/>
+          </a:bodyPr>
+          <a:lstStyle/>
+          <a:p>
+            <a:pPr lvl="0">
+              <a:spcBef>
+                <a:spcPts val="0"/>
+              </a:spcBef>
+              <a:buNone/>
+            </a:pPr>
+            <a:r>
+              <a:rPr lang="en" sz="2400" dirty="0" smtClean="0">
+                <a:latin typeface="Times New Roman" panose="02020603050405020304" pitchFamily="18" charset="0"/>
+                <a:cs typeface="Times New Roman" panose="02020603050405020304" pitchFamily="18" charset="0"/>
+              </a:rPr>
+              <a:t>7x7</a:t>
+            </a:r>
+            <a:endParaRPr lang="en" sz="2400" dirty="0">
+              <a:latin typeface="Times New Roman" panose="02020603050405020304" pitchFamily="18" charset="0"/>
+              <a:cs typeface="Times New Roman" panose="02020603050405020304" pitchFamily="18" charset="0"/>
+            </a:endParaRPr>
           </a:p>
         </p:txBody>
       </p:sp>
@@ -16315,1324 +17511,6 @@
     <p:bldLst>
       <p:bldP spid="3" grpId="0" uiExpand="1" build="p"/>
     </p:bldLst>
-  </p:timing>
-</p:sld>
-</file>
-
-<file path=ppt/slides/slide19.xml><?xml version="1.0" encoding="utf-8"?>
-<p:sld xmlns:a="http://schemas.openxmlformats.org/drawingml/2006/main" xmlns:r="http://schemas.openxmlformats.org/officeDocument/2006/relationships" xmlns:p="http://schemas.openxmlformats.org/presentationml/2006/main">
-  <p:cSld>
-    <p:spTree>
-      <p:nvGrpSpPr>
-        <p:cNvPr id="1" name=""/>
-        <p:cNvGrpSpPr/>
-        <p:nvPr/>
-      </p:nvGrpSpPr>
-      <p:grpSpPr>
-        <a:xfrm>
-          <a:off x="0" y="0"/>
-          <a:ext cx="0" cy="0"/>
-          <a:chOff x="0" y="0"/>
-          <a:chExt cx="0" cy="0"/>
-        </a:xfrm>
-      </p:grpSpPr>
-      <p:sp>
-        <p:nvSpPr>
-          <p:cNvPr id="2" name="Title 1"/>
-          <p:cNvSpPr>
-            <a:spLocks noGrp="1"/>
-          </p:cNvSpPr>
-          <p:nvPr>
-            <p:ph type="title"/>
-          </p:nvPr>
-        </p:nvSpPr>
-        <p:spPr/>
-        <p:txBody>
-          <a:bodyPr/>
-          <a:lstStyle/>
-          <a:p>
-            <a:r>
-              <a:rPr lang="fa-IR" dirty="0" smtClean="0"/>
-              <a:t>استفاده از گام</a:t>
-            </a:r>
-            <a:endParaRPr lang="en-US" dirty="0"/>
-          </a:p>
-        </p:txBody>
-      </p:sp>
-      <p:sp>
-        <p:nvSpPr>
-          <p:cNvPr id="3" name="Content Placeholder 2"/>
-          <p:cNvSpPr>
-            <a:spLocks noGrp="1"/>
-          </p:cNvSpPr>
-          <p:nvPr>
-            <p:ph idx="1"/>
-          </p:nvPr>
-        </p:nvSpPr>
-        <p:spPr/>
-        <p:txBody>
-          <a:bodyPr>
-            <a:normAutofit/>
-          </a:bodyPr>
-          <a:lstStyle/>
-          <a:p>
-            <a:pPr algn="r" rtl="1">
-              <a:lnSpc>
-                <a:spcPct val="150000"/>
-              </a:lnSpc>
-            </a:pPr>
-            <a:r>
-              <a:rPr lang="fa-IR" sz="2800" dirty="0" smtClean="0">
-                <a:solidFill>
-                  <a:srgbClr val="002060"/>
-                </a:solidFill>
-              </a:rPr>
-              <a:t>ورودی </a:t>
-            </a:r>
-            <a:r>
-              <a:rPr lang="en-US" sz="2800" dirty="0" smtClean="0">
-                <a:solidFill>
-                  <a:srgbClr val="002060"/>
-                </a:solidFill>
-              </a:rPr>
-              <a:t>7x7</a:t>
-            </a:r>
-            <a:r>
-              <a:rPr lang="fa-IR" sz="2800" dirty="0" smtClean="0">
-                <a:solidFill>
-                  <a:srgbClr val="002060"/>
-                </a:solidFill>
-              </a:rPr>
-              <a:t> و فیلتر </a:t>
-            </a:r>
-            <a:r>
-              <a:rPr lang="en-US" sz="2800" dirty="0" smtClean="0">
-                <a:solidFill>
-                  <a:srgbClr val="002060"/>
-                </a:solidFill>
-              </a:rPr>
-              <a:t>3x3</a:t>
-            </a:r>
-            <a:endParaRPr lang="fa-IR" sz="2800" dirty="0" smtClean="0">
-              <a:solidFill>
-                <a:srgbClr val="002060"/>
-              </a:solidFill>
-            </a:endParaRPr>
-          </a:p>
-          <a:p>
-            <a:pPr algn="r" rtl="1">
-              <a:lnSpc>
-                <a:spcPct val="150000"/>
-              </a:lnSpc>
-            </a:pPr>
-            <a:r>
-              <a:rPr lang="fa-IR" sz="2800" dirty="0">
-                <a:solidFill>
-                  <a:srgbClr val="002060"/>
-                </a:solidFill>
-              </a:rPr>
-              <a:t>استفاده از گام </a:t>
-            </a:r>
-            <a:r>
-              <a:rPr lang="en-US" sz="2800" dirty="0" smtClean="0">
-                <a:solidFill>
-                  <a:srgbClr val="002060"/>
-                </a:solidFill>
-              </a:rPr>
-              <a:t>2</a:t>
-            </a:r>
-            <a:endParaRPr lang="fa-IR" sz="2800" dirty="0">
-              <a:solidFill>
-                <a:srgbClr val="002060"/>
-              </a:solidFill>
-            </a:endParaRPr>
-          </a:p>
-        </p:txBody>
-      </p:sp>
-      <p:sp>
-        <p:nvSpPr>
-          <p:cNvPr id="4" name="Slide Number Placeholder 3"/>
-          <p:cNvSpPr>
-            <a:spLocks noGrp="1"/>
-          </p:cNvSpPr>
-          <p:nvPr>
-            <p:ph type="sldNum" sz="quarter" idx="12"/>
-          </p:nvPr>
-        </p:nvSpPr>
-        <p:spPr/>
-        <p:txBody>
-          <a:bodyPr/>
-          <a:lstStyle/>
-          <a:p>
-            <a:fld id="{629637A9-119A-49DA-BD12-AAC58B377D80}" type="slidenum">
-              <a:rPr lang="en-US" smtClean="0"/>
-              <a:pPr/>
-              <a:t>19</a:t>
-            </a:fld>
-            <a:endParaRPr lang="en-US" dirty="0"/>
-          </a:p>
-        </p:txBody>
-      </p:sp>
-      <p:graphicFrame>
-        <p:nvGraphicFramePr>
-          <p:cNvPr id="5" name="Shape 395"/>
-          <p:cNvGraphicFramePr/>
-          <p:nvPr>
-            <p:extLst>
-              <p:ext uri="{D42A27DB-BD31-4B8C-83A1-F6EECF244321}">
-                <p14:modId xmlns:p14="http://schemas.microsoft.com/office/powerpoint/2010/main" val="1010984895"/>
-              </p:ext>
-            </p:extLst>
-          </p:nvPr>
-        </p:nvGraphicFramePr>
-        <p:xfrm>
-          <a:off x="685800" y="1394433"/>
-          <a:ext cx="2679950" cy="2720130"/>
-        </p:xfrm>
-        <a:graphic>
-          <a:graphicData uri="http://schemas.openxmlformats.org/drawingml/2006/table">
-            <a:tbl>
-              <a:tblPr>
-                <a:noFill/>
-              </a:tblPr>
-              <a:tblGrid>
-                <a:gridCol w="382850">
-                  <a:extLst>
-                    <a:ext uri="{9D8B030D-6E8A-4147-A177-3AD203B41FA5}">
-                      <a16:colId xmlns:a16="http://schemas.microsoft.com/office/drawing/2014/main" val="20000"/>
-                    </a:ext>
-                  </a:extLst>
-                </a:gridCol>
-                <a:gridCol w="382850">
-                  <a:extLst>
-                    <a:ext uri="{9D8B030D-6E8A-4147-A177-3AD203B41FA5}">
-                      <a16:colId xmlns:a16="http://schemas.microsoft.com/office/drawing/2014/main" val="20001"/>
-                    </a:ext>
-                  </a:extLst>
-                </a:gridCol>
-                <a:gridCol w="382850">
-                  <a:extLst>
-                    <a:ext uri="{9D8B030D-6E8A-4147-A177-3AD203B41FA5}">
-                      <a16:colId xmlns:a16="http://schemas.microsoft.com/office/drawing/2014/main" val="20002"/>
-                    </a:ext>
-                  </a:extLst>
-                </a:gridCol>
-                <a:gridCol w="382850">
-                  <a:extLst>
-                    <a:ext uri="{9D8B030D-6E8A-4147-A177-3AD203B41FA5}">
-                      <a16:colId xmlns:a16="http://schemas.microsoft.com/office/drawing/2014/main" val="20003"/>
-                    </a:ext>
-                  </a:extLst>
-                </a:gridCol>
-                <a:gridCol w="382850">
-                  <a:extLst>
-                    <a:ext uri="{9D8B030D-6E8A-4147-A177-3AD203B41FA5}">
-                      <a16:colId xmlns:a16="http://schemas.microsoft.com/office/drawing/2014/main" val="20004"/>
-                    </a:ext>
-                  </a:extLst>
-                </a:gridCol>
-                <a:gridCol w="382850">
-                  <a:extLst>
-                    <a:ext uri="{9D8B030D-6E8A-4147-A177-3AD203B41FA5}">
-                      <a16:colId xmlns:a16="http://schemas.microsoft.com/office/drawing/2014/main" val="20005"/>
-                    </a:ext>
-                  </a:extLst>
-                </a:gridCol>
-                <a:gridCol w="382850">
-                  <a:extLst>
-                    <a:ext uri="{9D8B030D-6E8A-4147-A177-3AD203B41FA5}">
-                      <a16:colId xmlns:a16="http://schemas.microsoft.com/office/drawing/2014/main" val="20006"/>
-                    </a:ext>
-                  </a:extLst>
-                </a:gridCol>
-              </a:tblGrid>
-              <a:tr h="0">
-                <a:tc>
-                  <a:txBody>
-                    <a:bodyPr/>
-                    <a:lstStyle/>
-                    <a:p>
-                      <a:pPr lvl="0">
-                        <a:spcBef>
-                          <a:spcPts val="0"/>
-                        </a:spcBef>
-                        <a:buNone/>
-                      </a:pPr>
-                      <a:endParaRPr dirty="0">
-                        <a:cs typeface="B Nazanin" panose="00000400000000000000" pitchFamily="2" charset="-78"/>
-                      </a:endParaRPr>
-                    </a:p>
-                  </a:txBody>
-                  <a:tcPr marL="91425" marR="91425" marT="91425" marB="91425">
-                    <a:noFill/>
-                  </a:tcPr>
-                </a:tc>
-                <a:tc>
-                  <a:txBody>
-                    <a:bodyPr/>
-                    <a:lstStyle/>
-                    <a:p>
-                      <a:pPr lvl="0">
-                        <a:spcBef>
-                          <a:spcPts val="0"/>
-                        </a:spcBef>
-                        <a:buNone/>
-                      </a:pPr>
-                      <a:endParaRPr dirty="0">
-                        <a:cs typeface="B Nazanin" panose="00000400000000000000" pitchFamily="2" charset="-78"/>
-                      </a:endParaRPr>
-                    </a:p>
-                  </a:txBody>
-                  <a:tcPr marL="91425" marR="91425" marT="91425" marB="91425">
-                    <a:noFill/>
-                  </a:tcPr>
-                </a:tc>
-                <a:tc>
-                  <a:txBody>
-                    <a:bodyPr/>
-                    <a:lstStyle/>
-                    <a:p>
-                      <a:pPr lvl="0">
-                        <a:spcBef>
-                          <a:spcPts val="0"/>
-                        </a:spcBef>
-                        <a:buNone/>
-                      </a:pPr>
-                      <a:endParaRPr dirty="0">
-                        <a:cs typeface="B Nazanin" panose="00000400000000000000" pitchFamily="2" charset="-78"/>
-                      </a:endParaRPr>
-                    </a:p>
-                  </a:txBody>
-                  <a:tcPr marL="91425" marR="91425" marT="91425" marB="91425">
-                    <a:solidFill>
-                      <a:srgbClr val="00B050"/>
-                    </a:solidFill>
-                  </a:tcPr>
-                </a:tc>
-                <a:tc>
-                  <a:txBody>
-                    <a:bodyPr/>
-                    <a:lstStyle/>
-                    <a:p>
-                      <a:pPr lvl="0">
-                        <a:spcBef>
-                          <a:spcPts val="0"/>
-                        </a:spcBef>
-                        <a:buNone/>
-                      </a:pPr>
-                      <a:endParaRPr dirty="0">
-                        <a:cs typeface="B Nazanin" panose="00000400000000000000" pitchFamily="2" charset="-78"/>
-                      </a:endParaRPr>
-                    </a:p>
-                  </a:txBody>
-                  <a:tcPr marL="91425" marR="91425" marT="91425" marB="91425">
-                    <a:solidFill>
-                      <a:srgbClr val="00B050"/>
-                    </a:solidFill>
-                  </a:tcPr>
-                </a:tc>
-                <a:tc>
-                  <a:txBody>
-                    <a:bodyPr/>
-                    <a:lstStyle/>
-                    <a:p>
-                      <a:pPr lvl="0">
-                        <a:spcBef>
-                          <a:spcPts val="0"/>
-                        </a:spcBef>
-                        <a:buNone/>
-                      </a:pPr>
-                      <a:endParaRPr dirty="0">
-                        <a:cs typeface="B Nazanin" panose="00000400000000000000" pitchFamily="2" charset="-78"/>
-                      </a:endParaRPr>
-                    </a:p>
-                  </a:txBody>
-                  <a:tcPr marL="91425" marR="91425" marT="91425" marB="91425">
-                    <a:solidFill>
-                      <a:srgbClr val="00B050"/>
-                    </a:solidFill>
-                  </a:tcPr>
-                </a:tc>
-                <a:tc>
-                  <a:txBody>
-                    <a:bodyPr/>
-                    <a:lstStyle/>
-                    <a:p>
-                      <a:pPr lvl="0">
-                        <a:spcBef>
-                          <a:spcPts val="0"/>
-                        </a:spcBef>
-                        <a:buNone/>
-                      </a:pPr>
-                      <a:endParaRPr dirty="0">
-                        <a:cs typeface="B Nazanin" panose="00000400000000000000" pitchFamily="2" charset="-78"/>
-                      </a:endParaRPr>
-                    </a:p>
-                  </a:txBody>
-                  <a:tcPr marL="91425" marR="91425" marT="91425" marB="91425">
-                    <a:noFill/>
-                  </a:tcPr>
-                </a:tc>
-                <a:tc>
-                  <a:txBody>
-                    <a:bodyPr/>
-                    <a:lstStyle/>
-                    <a:p>
-                      <a:pPr lvl="0">
-                        <a:spcBef>
-                          <a:spcPts val="0"/>
-                        </a:spcBef>
-                        <a:buNone/>
-                      </a:pPr>
-                      <a:endParaRPr dirty="0">
-                        <a:cs typeface="B Nazanin" panose="00000400000000000000" pitchFamily="2" charset="-78"/>
-                      </a:endParaRPr>
-                    </a:p>
-                  </a:txBody>
-                  <a:tcPr marL="91425" marR="91425" marT="91425" marB="91425"/>
-                </a:tc>
-                <a:extLst>
-                  <a:ext uri="{0D108BD9-81ED-4DB2-BD59-A6C34878D82A}">
-                    <a16:rowId xmlns:a16="http://schemas.microsoft.com/office/drawing/2014/main" val="10000"/>
-                  </a:ext>
-                </a:extLst>
-              </a:tr>
-              <a:tr h="0">
-                <a:tc>
-                  <a:txBody>
-                    <a:bodyPr/>
-                    <a:lstStyle/>
-                    <a:p>
-                      <a:pPr lvl="0">
-                        <a:spcBef>
-                          <a:spcPts val="0"/>
-                        </a:spcBef>
-                        <a:buNone/>
-                      </a:pPr>
-                      <a:endParaRPr dirty="0">
-                        <a:cs typeface="B Nazanin" panose="00000400000000000000" pitchFamily="2" charset="-78"/>
-                      </a:endParaRPr>
-                    </a:p>
-                  </a:txBody>
-                  <a:tcPr marL="91425" marR="91425" marT="91425" marB="91425">
-                    <a:noFill/>
-                  </a:tcPr>
-                </a:tc>
-                <a:tc>
-                  <a:txBody>
-                    <a:bodyPr/>
-                    <a:lstStyle/>
-                    <a:p>
-                      <a:pPr lvl="0">
-                        <a:spcBef>
-                          <a:spcPts val="0"/>
-                        </a:spcBef>
-                        <a:buNone/>
-                      </a:pPr>
-                      <a:endParaRPr dirty="0">
-                        <a:cs typeface="B Nazanin" panose="00000400000000000000" pitchFamily="2" charset="-78"/>
-                      </a:endParaRPr>
-                    </a:p>
-                  </a:txBody>
-                  <a:tcPr marL="91425" marR="91425" marT="91425" marB="91425">
-                    <a:solidFill>
-                      <a:srgbClr val="38761D"/>
-                    </a:solidFill>
-                  </a:tcPr>
-                </a:tc>
-                <a:tc>
-                  <a:txBody>
-                    <a:bodyPr/>
-                    <a:lstStyle/>
-                    <a:p>
-                      <a:pPr lvl="0">
-                        <a:spcBef>
-                          <a:spcPts val="0"/>
-                        </a:spcBef>
-                        <a:buNone/>
-                      </a:pPr>
-                      <a:endParaRPr dirty="0">
-                        <a:cs typeface="B Nazanin" panose="00000400000000000000" pitchFamily="2" charset="-78"/>
-                      </a:endParaRPr>
-                    </a:p>
-                  </a:txBody>
-                  <a:tcPr marL="91425" marR="91425" marT="91425" marB="91425">
-                    <a:solidFill>
-                      <a:srgbClr val="00B050"/>
-                    </a:solidFill>
-                  </a:tcPr>
-                </a:tc>
-                <a:tc>
-                  <a:txBody>
-                    <a:bodyPr/>
-                    <a:lstStyle/>
-                    <a:p>
-                      <a:pPr lvl="0">
-                        <a:spcBef>
-                          <a:spcPts val="0"/>
-                        </a:spcBef>
-                        <a:buNone/>
-                      </a:pPr>
-                      <a:endParaRPr dirty="0">
-                        <a:cs typeface="B Nazanin" panose="00000400000000000000" pitchFamily="2" charset="-78"/>
-                      </a:endParaRPr>
-                    </a:p>
-                  </a:txBody>
-                  <a:tcPr marL="91425" marR="91425" marT="91425" marB="91425">
-                    <a:solidFill>
-                      <a:srgbClr val="38761D"/>
-                    </a:solidFill>
-                  </a:tcPr>
-                </a:tc>
-                <a:tc>
-                  <a:txBody>
-                    <a:bodyPr/>
-                    <a:lstStyle/>
-                    <a:p>
-                      <a:pPr lvl="0">
-                        <a:spcBef>
-                          <a:spcPts val="0"/>
-                        </a:spcBef>
-                        <a:buNone/>
-                      </a:pPr>
-                      <a:endParaRPr dirty="0">
-                        <a:cs typeface="B Nazanin" panose="00000400000000000000" pitchFamily="2" charset="-78"/>
-                      </a:endParaRPr>
-                    </a:p>
-                  </a:txBody>
-                  <a:tcPr marL="91425" marR="91425" marT="91425" marB="91425">
-                    <a:solidFill>
-                      <a:srgbClr val="00B050"/>
-                    </a:solidFill>
-                  </a:tcPr>
-                </a:tc>
-                <a:tc>
-                  <a:txBody>
-                    <a:bodyPr/>
-                    <a:lstStyle/>
-                    <a:p>
-                      <a:pPr lvl="0">
-                        <a:spcBef>
-                          <a:spcPts val="0"/>
-                        </a:spcBef>
-                        <a:buNone/>
-                      </a:pPr>
-                      <a:endParaRPr dirty="0">
-                        <a:cs typeface="B Nazanin" panose="00000400000000000000" pitchFamily="2" charset="-78"/>
-                      </a:endParaRPr>
-                    </a:p>
-                  </a:txBody>
-                  <a:tcPr marL="91425" marR="91425" marT="91425" marB="91425">
-                    <a:noFill/>
-                  </a:tcPr>
-                </a:tc>
-                <a:tc>
-                  <a:txBody>
-                    <a:bodyPr/>
-                    <a:lstStyle/>
-                    <a:p>
-                      <a:pPr lvl="0">
-                        <a:spcBef>
-                          <a:spcPts val="0"/>
-                        </a:spcBef>
-                        <a:buNone/>
-                      </a:pPr>
-                      <a:endParaRPr dirty="0">
-                        <a:cs typeface="B Nazanin" panose="00000400000000000000" pitchFamily="2" charset="-78"/>
-                      </a:endParaRPr>
-                    </a:p>
-                  </a:txBody>
-                  <a:tcPr marL="91425" marR="91425" marT="91425" marB="91425"/>
-                </a:tc>
-                <a:extLst>
-                  <a:ext uri="{0D108BD9-81ED-4DB2-BD59-A6C34878D82A}">
-                    <a16:rowId xmlns:a16="http://schemas.microsoft.com/office/drawing/2014/main" val="10001"/>
-                  </a:ext>
-                </a:extLst>
-              </a:tr>
-              <a:tr h="0">
-                <a:tc>
-                  <a:txBody>
-                    <a:bodyPr/>
-                    <a:lstStyle/>
-                    <a:p>
-                      <a:pPr lvl="0">
-                        <a:spcBef>
-                          <a:spcPts val="0"/>
-                        </a:spcBef>
-                        <a:buNone/>
-                      </a:pPr>
-                      <a:endParaRPr dirty="0">
-                        <a:cs typeface="B Nazanin" panose="00000400000000000000" pitchFamily="2" charset="-78"/>
-                      </a:endParaRPr>
-                    </a:p>
-                  </a:txBody>
-                  <a:tcPr marL="91425" marR="91425" marT="91425" marB="91425">
-                    <a:noFill/>
-                  </a:tcPr>
-                </a:tc>
-                <a:tc>
-                  <a:txBody>
-                    <a:bodyPr/>
-                    <a:lstStyle/>
-                    <a:p>
-                      <a:pPr lvl="0">
-                        <a:spcBef>
-                          <a:spcPts val="0"/>
-                        </a:spcBef>
-                        <a:buNone/>
-                      </a:pPr>
-                      <a:endParaRPr dirty="0">
-                        <a:cs typeface="B Nazanin" panose="00000400000000000000" pitchFamily="2" charset="-78"/>
-                      </a:endParaRPr>
-                    </a:p>
-                  </a:txBody>
-                  <a:tcPr marL="91425" marR="91425" marT="91425" marB="91425">
-                    <a:noFill/>
-                  </a:tcPr>
-                </a:tc>
-                <a:tc>
-                  <a:txBody>
-                    <a:bodyPr/>
-                    <a:lstStyle/>
-                    <a:p>
-                      <a:pPr lvl="0">
-                        <a:spcBef>
-                          <a:spcPts val="0"/>
-                        </a:spcBef>
-                        <a:buNone/>
-                      </a:pPr>
-                      <a:endParaRPr dirty="0">
-                        <a:cs typeface="B Nazanin" panose="00000400000000000000" pitchFamily="2" charset="-78"/>
-                      </a:endParaRPr>
-                    </a:p>
-                  </a:txBody>
-                  <a:tcPr marL="91425" marR="91425" marT="91425" marB="91425">
-                    <a:solidFill>
-                      <a:srgbClr val="00B050"/>
-                    </a:solidFill>
-                  </a:tcPr>
-                </a:tc>
-                <a:tc>
-                  <a:txBody>
-                    <a:bodyPr/>
-                    <a:lstStyle/>
-                    <a:p>
-                      <a:pPr lvl="0">
-                        <a:spcBef>
-                          <a:spcPts val="0"/>
-                        </a:spcBef>
-                        <a:buNone/>
-                      </a:pPr>
-                      <a:endParaRPr dirty="0">
-                        <a:cs typeface="B Nazanin" panose="00000400000000000000" pitchFamily="2" charset="-78"/>
-                      </a:endParaRPr>
-                    </a:p>
-                  </a:txBody>
-                  <a:tcPr marL="91425" marR="91425" marT="91425" marB="91425">
-                    <a:solidFill>
-                      <a:srgbClr val="00B050"/>
-                    </a:solidFill>
-                  </a:tcPr>
-                </a:tc>
-                <a:tc>
-                  <a:txBody>
-                    <a:bodyPr/>
-                    <a:lstStyle/>
-                    <a:p>
-                      <a:pPr lvl="0">
-                        <a:spcBef>
-                          <a:spcPts val="0"/>
-                        </a:spcBef>
-                        <a:buNone/>
-                      </a:pPr>
-                      <a:endParaRPr dirty="0">
-                        <a:cs typeface="B Nazanin" panose="00000400000000000000" pitchFamily="2" charset="-78"/>
-                      </a:endParaRPr>
-                    </a:p>
-                  </a:txBody>
-                  <a:tcPr marL="91425" marR="91425" marT="91425" marB="91425">
-                    <a:solidFill>
-                      <a:srgbClr val="00B050"/>
-                    </a:solidFill>
-                  </a:tcPr>
-                </a:tc>
-                <a:tc>
-                  <a:txBody>
-                    <a:bodyPr/>
-                    <a:lstStyle/>
-                    <a:p>
-                      <a:pPr lvl="0">
-                        <a:spcBef>
-                          <a:spcPts val="0"/>
-                        </a:spcBef>
-                        <a:buNone/>
-                      </a:pPr>
-                      <a:endParaRPr dirty="0">
-                        <a:cs typeface="B Nazanin" panose="00000400000000000000" pitchFamily="2" charset="-78"/>
-                      </a:endParaRPr>
-                    </a:p>
-                  </a:txBody>
-                  <a:tcPr marL="91425" marR="91425" marT="91425" marB="91425">
-                    <a:noFill/>
-                  </a:tcPr>
-                </a:tc>
-                <a:tc>
-                  <a:txBody>
-                    <a:bodyPr/>
-                    <a:lstStyle/>
-                    <a:p>
-                      <a:pPr lvl="0">
-                        <a:spcBef>
-                          <a:spcPts val="0"/>
-                        </a:spcBef>
-                        <a:buNone/>
-                      </a:pPr>
-                      <a:endParaRPr dirty="0">
-                        <a:cs typeface="B Nazanin" panose="00000400000000000000" pitchFamily="2" charset="-78"/>
-                      </a:endParaRPr>
-                    </a:p>
-                  </a:txBody>
-                  <a:tcPr marL="91425" marR="91425" marT="91425" marB="91425"/>
-                </a:tc>
-                <a:extLst>
-                  <a:ext uri="{0D108BD9-81ED-4DB2-BD59-A6C34878D82A}">
-                    <a16:rowId xmlns:a16="http://schemas.microsoft.com/office/drawing/2014/main" val="10002"/>
-                  </a:ext>
-                </a:extLst>
-              </a:tr>
-              <a:tr h="0">
-                <a:tc>
-                  <a:txBody>
-                    <a:bodyPr/>
-                    <a:lstStyle/>
-                    <a:p>
-                      <a:pPr lvl="0">
-                        <a:spcBef>
-                          <a:spcPts val="0"/>
-                        </a:spcBef>
-                        <a:buNone/>
-                      </a:pPr>
-                      <a:endParaRPr dirty="0">
-                        <a:cs typeface="B Nazanin" panose="00000400000000000000" pitchFamily="2" charset="-78"/>
-                      </a:endParaRPr>
-                    </a:p>
-                  </a:txBody>
-                  <a:tcPr marL="91425" marR="91425" marT="91425" marB="91425"/>
-                </a:tc>
-                <a:tc>
-                  <a:txBody>
-                    <a:bodyPr/>
-                    <a:lstStyle/>
-                    <a:p>
-                      <a:pPr lvl="0">
-                        <a:spcBef>
-                          <a:spcPts val="0"/>
-                        </a:spcBef>
-                        <a:buNone/>
-                      </a:pPr>
-                      <a:endParaRPr dirty="0">
-                        <a:cs typeface="B Nazanin" panose="00000400000000000000" pitchFamily="2" charset="-78"/>
-                      </a:endParaRPr>
-                    </a:p>
-                  </a:txBody>
-                  <a:tcPr marL="91425" marR="91425" marT="91425" marB="91425"/>
-                </a:tc>
-                <a:tc>
-                  <a:txBody>
-                    <a:bodyPr/>
-                    <a:lstStyle/>
-                    <a:p>
-                      <a:pPr lvl="0">
-                        <a:spcBef>
-                          <a:spcPts val="0"/>
-                        </a:spcBef>
-                        <a:buNone/>
-                      </a:pPr>
-                      <a:endParaRPr dirty="0">
-                        <a:cs typeface="B Nazanin" panose="00000400000000000000" pitchFamily="2" charset="-78"/>
-                      </a:endParaRPr>
-                    </a:p>
-                  </a:txBody>
-                  <a:tcPr marL="91425" marR="91425" marT="91425" marB="91425"/>
-                </a:tc>
-                <a:tc>
-                  <a:txBody>
-                    <a:bodyPr/>
-                    <a:lstStyle/>
-                    <a:p>
-                      <a:pPr lvl="0">
-                        <a:spcBef>
-                          <a:spcPts val="0"/>
-                        </a:spcBef>
-                        <a:buNone/>
-                      </a:pPr>
-                      <a:endParaRPr dirty="0">
-                        <a:cs typeface="B Nazanin" panose="00000400000000000000" pitchFamily="2" charset="-78"/>
-                      </a:endParaRPr>
-                    </a:p>
-                  </a:txBody>
-                  <a:tcPr marL="91425" marR="91425" marT="91425" marB="91425"/>
-                </a:tc>
-                <a:tc>
-                  <a:txBody>
-                    <a:bodyPr/>
-                    <a:lstStyle/>
-                    <a:p>
-                      <a:pPr lvl="0">
-                        <a:spcBef>
-                          <a:spcPts val="0"/>
-                        </a:spcBef>
-                        <a:buNone/>
-                      </a:pPr>
-                      <a:endParaRPr dirty="0">
-                        <a:cs typeface="B Nazanin" panose="00000400000000000000" pitchFamily="2" charset="-78"/>
-                      </a:endParaRPr>
-                    </a:p>
-                  </a:txBody>
-                  <a:tcPr marL="91425" marR="91425" marT="91425" marB="91425"/>
-                </a:tc>
-                <a:tc>
-                  <a:txBody>
-                    <a:bodyPr/>
-                    <a:lstStyle/>
-                    <a:p>
-                      <a:pPr lvl="0">
-                        <a:spcBef>
-                          <a:spcPts val="0"/>
-                        </a:spcBef>
-                        <a:buNone/>
-                      </a:pPr>
-                      <a:endParaRPr dirty="0">
-                        <a:cs typeface="B Nazanin" panose="00000400000000000000" pitchFamily="2" charset="-78"/>
-                      </a:endParaRPr>
-                    </a:p>
-                  </a:txBody>
-                  <a:tcPr marL="91425" marR="91425" marT="91425" marB="91425"/>
-                </a:tc>
-                <a:tc>
-                  <a:txBody>
-                    <a:bodyPr/>
-                    <a:lstStyle/>
-                    <a:p>
-                      <a:pPr lvl="0">
-                        <a:spcBef>
-                          <a:spcPts val="0"/>
-                        </a:spcBef>
-                        <a:buNone/>
-                      </a:pPr>
-                      <a:endParaRPr dirty="0">
-                        <a:cs typeface="B Nazanin" panose="00000400000000000000" pitchFamily="2" charset="-78"/>
-                      </a:endParaRPr>
-                    </a:p>
-                  </a:txBody>
-                  <a:tcPr marL="91425" marR="91425" marT="91425" marB="91425"/>
-                </a:tc>
-                <a:extLst>
-                  <a:ext uri="{0D108BD9-81ED-4DB2-BD59-A6C34878D82A}">
-                    <a16:rowId xmlns:a16="http://schemas.microsoft.com/office/drawing/2014/main" val="10003"/>
-                  </a:ext>
-                </a:extLst>
-              </a:tr>
-              <a:tr h="0">
-                <a:tc>
-                  <a:txBody>
-                    <a:bodyPr/>
-                    <a:lstStyle/>
-                    <a:p>
-                      <a:pPr lvl="0">
-                        <a:spcBef>
-                          <a:spcPts val="0"/>
-                        </a:spcBef>
-                        <a:buNone/>
-                      </a:pPr>
-                      <a:endParaRPr dirty="0">
-                        <a:cs typeface="B Nazanin" panose="00000400000000000000" pitchFamily="2" charset="-78"/>
-                      </a:endParaRPr>
-                    </a:p>
-                  </a:txBody>
-                  <a:tcPr marL="91425" marR="91425" marT="91425" marB="91425"/>
-                </a:tc>
-                <a:tc>
-                  <a:txBody>
-                    <a:bodyPr/>
-                    <a:lstStyle/>
-                    <a:p>
-                      <a:pPr lvl="0">
-                        <a:spcBef>
-                          <a:spcPts val="0"/>
-                        </a:spcBef>
-                        <a:buNone/>
-                      </a:pPr>
-                      <a:endParaRPr dirty="0">
-                        <a:cs typeface="B Nazanin" panose="00000400000000000000" pitchFamily="2" charset="-78"/>
-                      </a:endParaRPr>
-                    </a:p>
-                  </a:txBody>
-                  <a:tcPr marL="91425" marR="91425" marT="91425" marB="91425"/>
-                </a:tc>
-                <a:tc>
-                  <a:txBody>
-                    <a:bodyPr/>
-                    <a:lstStyle/>
-                    <a:p>
-                      <a:pPr lvl="0">
-                        <a:spcBef>
-                          <a:spcPts val="0"/>
-                        </a:spcBef>
-                        <a:buNone/>
-                      </a:pPr>
-                      <a:endParaRPr dirty="0">
-                        <a:cs typeface="B Nazanin" panose="00000400000000000000" pitchFamily="2" charset="-78"/>
-                      </a:endParaRPr>
-                    </a:p>
-                  </a:txBody>
-                  <a:tcPr marL="91425" marR="91425" marT="91425" marB="91425"/>
-                </a:tc>
-                <a:tc>
-                  <a:txBody>
-                    <a:bodyPr/>
-                    <a:lstStyle/>
-                    <a:p>
-                      <a:pPr lvl="0">
-                        <a:spcBef>
-                          <a:spcPts val="0"/>
-                        </a:spcBef>
-                        <a:buNone/>
-                      </a:pPr>
-                      <a:endParaRPr dirty="0">
-                        <a:cs typeface="B Nazanin" panose="00000400000000000000" pitchFamily="2" charset="-78"/>
-                      </a:endParaRPr>
-                    </a:p>
-                  </a:txBody>
-                  <a:tcPr marL="91425" marR="91425" marT="91425" marB="91425"/>
-                </a:tc>
-                <a:tc>
-                  <a:txBody>
-                    <a:bodyPr/>
-                    <a:lstStyle/>
-                    <a:p>
-                      <a:pPr lvl="0">
-                        <a:spcBef>
-                          <a:spcPts val="0"/>
-                        </a:spcBef>
-                        <a:buNone/>
-                      </a:pPr>
-                      <a:endParaRPr dirty="0">
-                        <a:cs typeface="B Nazanin" panose="00000400000000000000" pitchFamily="2" charset="-78"/>
-                      </a:endParaRPr>
-                    </a:p>
-                  </a:txBody>
-                  <a:tcPr marL="91425" marR="91425" marT="91425" marB="91425"/>
-                </a:tc>
-                <a:tc>
-                  <a:txBody>
-                    <a:bodyPr/>
-                    <a:lstStyle/>
-                    <a:p>
-                      <a:pPr lvl="0">
-                        <a:spcBef>
-                          <a:spcPts val="0"/>
-                        </a:spcBef>
-                        <a:buNone/>
-                      </a:pPr>
-                      <a:endParaRPr dirty="0">
-                        <a:cs typeface="B Nazanin" panose="00000400000000000000" pitchFamily="2" charset="-78"/>
-                      </a:endParaRPr>
-                    </a:p>
-                  </a:txBody>
-                  <a:tcPr marL="91425" marR="91425" marT="91425" marB="91425"/>
-                </a:tc>
-                <a:tc>
-                  <a:txBody>
-                    <a:bodyPr/>
-                    <a:lstStyle/>
-                    <a:p>
-                      <a:pPr lvl="0">
-                        <a:spcBef>
-                          <a:spcPts val="0"/>
-                        </a:spcBef>
-                        <a:buNone/>
-                      </a:pPr>
-                      <a:endParaRPr dirty="0">
-                        <a:cs typeface="B Nazanin" panose="00000400000000000000" pitchFamily="2" charset="-78"/>
-                      </a:endParaRPr>
-                    </a:p>
-                  </a:txBody>
-                  <a:tcPr marL="91425" marR="91425" marT="91425" marB="91425"/>
-                </a:tc>
-                <a:extLst>
-                  <a:ext uri="{0D108BD9-81ED-4DB2-BD59-A6C34878D82A}">
-                    <a16:rowId xmlns:a16="http://schemas.microsoft.com/office/drawing/2014/main" val="10004"/>
-                  </a:ext>
-                </a:extLst>
-              </a:tr>
-              <a:tr h="0">
-                <a:tc>
-                  <a:txBody>
-                    <a:bodyPr/>
-                    <a:lstStyle/>
-                    <a:p>
-                      <a:pPr lvl="0">
-                        <a:spcBef>
-                          <a:spcPts val="0"/>
-                        </a:spcBef>
-                        <a:buNone/>
-                      </a:pPr>
-                      <a:endParaRPr dirty="0">
-                        <a:cs typeface="B Nazanin" panose="00000400000000000000" pitchFamily="2" charset="-78"/>
-                      </a:endParaRPr>
-                    </a:p>
-                  </a:txBody>
-                  <a:tcPr marL="91425" marR="91425" marT="91425" marB="91425"/>
-                </a:tc>
-                <a:tc>
-                  <a:txBody>
-                    <a:bodyPr/>
-                    <a:lstStyle/>
-                    <a:p>
-                      <a:pPr lvl="0">
-                        <a:spcBef>
-                          <a:spcPts val="0"/>
-                        </a:spcBef>
-                        <a:buNone/>
-                      </a:pPr>
-                      <a:endParaRPr dirty="0">
-                        <a:cs typeface="B Nazanin" panose="00000400000000000000" pitchFamily="2" charset="-78"/>
-                      </a:endParaRPr>
-                    </a:p>
-                  </a:txBody>
-                  <a:tcPr marL="91425" marR="91425" marT="91425" marB="91425"/>
-                </a:tc>
-                <a:tc>
-                  <a:txBody>
-                    <a:bodyPr/>
-                    <a:lstStyle/>
-                    <a:p>
-                      <a:pPr lvl="0">
-                        <a:spcBef>
-                          <a:spcPts val="0"/>
-                        </a:spcBef>
-                        <a:buNone/>
-                      </a:pPr>
-                      <a:endParaRPr dirty="0">
-                        <a:cs typeface="B Nazanin" panose="00000400000000000000" pitchFamily="2" charset="-78"/>
-                      </a:endParaRPr>
-                    </a:p>
-                  </a:txBody>
-                  <a:tcPr marL="91425" marR="91425" marT="91425" marB="91425"/>
-                </a:tc>
-                <a:tc>
-                  <a:txBody>
-                    <a:bodyPr/>
-                    <a:lstStyle/>
-                    <a:p>
-                      <a:pPr lvl="0">
-                        <a:spcBef>
-                          <a:spcPts val="0"/>
-                        </a:spcBef>
-                        <a:buNone/>
-                      </a:pPr>
-                      <a:endParaRPr dirty="0">
-                        <a:cs typeface="B Nazanin" panose="00000400000000000000" pitchFamily="2" charset="-78"/>
-                      </a:endParaRPr>
-                    </a:p>
-                  </a:txBody>
-                  <a:tcPr marL="91425" marR="91425" marT="91425" marB="91425"/>
-                </a:tc>
-                <a:tc>
-                  <a:txBody>
-                    <a:bodyPr/>
-                    <a:lstStyle/>
-                    <a:p>
-                      <a:pPr lvl="0">
-                        <a:spcBef>
-                          <a:spcPts val="0"/>
-                        </a:spcBef>
-                        <a:buNone/>
-                      </a:pPr>
-                      <a:endParaRPr dirty="0">
-                        <a:cs typeface="B Nazanin" panose="00000400000000000000" pitchFamily="2" charset="-78"/>
-                      </a:endParaRPr>
-                    </a:p>
-                  </a:txBody>
-                  <a:tcPr marL="91425" marR="91425" marT="91425" marB="91425"/>
-                </a:tc>
-                <a:tc>
-                  <a:txBody>
-                    <a:bodyPr/>
-                    <a:lstStyle/>
-                    <a:p>
-                      <a:pPr lvl="0">
-                        <a:spcBef>
-                          <a:spcPts val="0"/>
-                        </a:spcBef>
-                        <a:buNone/>
-                      </a:pPr>
-                      <a:endParaRPr dirty="0">
-                        <a:cs typeface="B Nazanin" panose="00000400000000000000" pitchFamily="2" charset="-78"/>
-                      </a:endParaRPr>
-                    </a:p>
-                  </a:txBody>
-                  <a:tcPr marL="91425" marR="91425" marT="91425" marB="91425"/>
-                </a:tc>
-                <a:tc>
-                  <a:txBody>
-                    <a:bodyPr/>
-                    <a:lstStyle/>
-                    <a:p>
-                      <a:pPr lvl="0">
-                        <a:spcBef>
-                          <a:spcPts val="0"/>
-                        </a:spcBef>
-                        <a:buNone/>
-                      </a:pPr>
-                      <a:endParaRPr dirty="0">
-                        <a:cs typeface="B Nazanin" panose="00000400000000000000" pitchFamily="2" charset="-78"/>
-                      </a:endParaRPr>
-                    </a:p>
-                  </a:txBody>
-                  <a:tcPr marL="91425" marR="91425" marT="91425" marB="91425"/>
-                </a:tc>
-                <a:extLst>
-                  <a:ext uri="{0D108BD9-81ED-4DB2-BD59-A6C34878D82A}">
-                    <a16:rowId xmlns:a16="http://schemas.microsoft.com/office/drawing/2014/main" val="10005"/>
-                  </a:ext>
-                </a:extLst>
-              </a:tr>
-              <a:tr h="0">
-                <a:tc>
-                  <a:txBody>
-                    <a:bodyPr/>
-                    <a:lstStyle/>
-                    <a:p>
-                      <a:pPr lvl="0">
-                        <a:spcBef>
-                          <a:spcPts val="0"/>
-                        </a:spcBef>
-                        <a:buNone/>
-                      </a:pPr>
-                      <a:endParaRPr dirty="0">
-                        <a:cs typeface="B Nazanin" panose="00000400000000000000" pitchFamily="2" charset="-78"/>
-                      </a:endParaRPr>
-                    </a:p>
-                  </a:txBody>
-                  <a:tcPr marL="91425" marR="91425" marT="91425" marB="91425"/>
-                </a:tc>
-                <a:tc>
-                  <a:txBody>
-                    <a:bodyPr/>
-                    <a:lstStyle/>
-                    <a:p>
-                      <a:pPr lvl="0">
-                        <a:spcBef>
-                          <a:spcPts val="0"/>
-                        </a:spcBef>
-                        <a:buNone/>
-                      </a:pPr>
-                      <a:endParaRPr dirty="0">
-                        <a:cs typeface="B Nazanin" panose="00000400000000000000" pitchFamily="2" charset="-78"/>
-                      </a:endParaRPr>
-                    </a:p>
-                  </a:txBody>
-                  <a:tcPr marL="91425" marR="91425" marT="91425" marB="91425"/>
-                </a:tc>
-                <a:tc>
-                  <a:txBody>
-                    <a:bodyPr/>
-                    <a:lstStyle/>
-                    <a:p>
-                      <a:pPr lvl="0">
-                        <a:spcBef>
-                          <a:spcPts val="0"/>
-                        </a:spcBef>
-                        <a:buNone/>
-                      </a:pPr>
-                      <a:endParaRPr dirty="0">
-                        <a:cs typeface="B Nazanin" panose="00000400000000000000" pitchFamily="2" charset="-78"/>
-                      </a:endParaRPr>
-                    </a:p>
-                  </a:txBody>
-                  <a:tcPr marL="91425" marR="91425" marT="91425" marB="91425"/>
-                </a:tc>
-                <a:tc>
-                  <a:txBody>
-                    <a:bodyPr/>
-                    <a:lstStyle/>
-                    <a:p>
-                      <a:pPr lvl="0">
-                        <a:spcBef>
-                          <a:spcPts val="0"/>
-                        </a:spcBef>
-                        <a:buNone/>
-                      </a:pPr>
-                      <a:endParaRPr dirty="0">
-                        <a:cs typeface="B Nazanin" panose="00000400000000000000" pitchFamily="2" charset="-78"/>
-                      </a:endParaRPr>
-                    </a:p>
-                  </a:txBody>
-                  <a:tcPr marL="91425" marR="91425" marT="91425" marB="91425"/>
-                </a:tc>
-                <a:tc>
-                  <a:txBody>
-                    <a:bodyPr/>
-                    <a:lstStyle/>
-                    <a:p>
-                      <a:pPr lvl="0">
-                        <a:spcBef>
-                          <a:spcPts val="0"/>
-                        </a:spcBef>
-                        <a:buNone/>
-                      </a:pPr>
-                      <a:endParaRPr dirty="0">
-                        <a:cs typeface="B Nazanin" panose="00000400000000000000" pitchFamily="2" charset="-78"/>
-                      </a:endParaRPr>
-                    </a:p>
-                  </a:txBody>
-                  <a:tcPr marL="91425" marR="91425" marT="91425" marB="91425"/>
-                </a:tc>
-                <a:tc>
-                  <a:txBody>
-                    <a:bodyPr/>
-                    <a:lstStyle/>
-                    <a:p>
-                      <a:pPr lvl="0">
-                        <a:spcBef>
-                          <a:spcPts val="0"/>
-                        </a:spcBef>
-                        <a:buNone/>
-                      </a:pPr>
-                      <a:endParaRPr dirty="0">
-                        <a:cs typeface="B Nazanin" panose="00000400000000000000" pitchFamily="2" charset="-78"/>
-                      </a:endParaRPr>
-                    </a:p>
-                  </a:txBody>
-                  <a:tcPr marL="91425" marR="91425" marT="91425" marB="91425"/>
-                </a:tc>
-                <a:tc>
-                  <a:txBody>
-                    <a:bodyPr/>
-                    <a:lstStyle/>
-                    <a:p>
-                      <a:pPr lvl="0">
-                        <a:spcBef>
-                          <a:spcPts val="0"/>
-                        </a:spcBef>
-                        <a:buNone/>
-                      </a:pPr>
-                      <a:endParaRPr dirty="0">
-                        <a:cs typeface="B Nazanin" panose="00000400000000000000" pitchFamily="2" charset="-78"/>
-                      </a:endParaRPr>
-                    </a:p>
-                  </a:txBody>
-                  <a:tcPr marL="91425" marR="91425" marT="91425" marB="91425"/>
-                </a:tc>
-                <a:extLst>
-                  <a:ext uri="{0D108BD9-81ED-4DB2-BD59-A6C34878D82A}">
-                    <a16:rowId xmlns:a16="http://schemas.microsoft.com/office/drawing/2014/main" val="10006"/>
-                  </a:ext>
-                </a:extLst>
-              </a:tr>
-            </a:tbl>
-          </a:graphicData>
-        </a:graphic>
-      </p:graphicFrame>
-      <p:sp>
-        <p:nvSpPr>
-          <p:cNvPr id="6" name="Shape 397"/>
-          <p:cNvSpPr txBox="1"/>
-          <p:nvPr/>
-        </p:nvSpPr>
-        <p:spPr>
-          <a:xfrm>
-            <a:off x="1773450" y="814008"/>
-            <a:ext cx="548699" cy="457500"/>
-          </a:xfrm>
-          <a:prstGeom prst="rect">
-            <a:avLst/>
-          </a:prstGeom>
-          <a:noFill/>
-          <a:ln>
-            <a:noFill/>
-          </a:ln>
-        </p:spPr>
-        <p:txBody>
-          <a:bodyPr lIns="91425" tIns="91425" rIns="91425" bIns="91425" anchor="t" anchorCtr="0">
-            <a:noAutofit/>
-          </a:bodyPr>
-          <a:lstStyle/>
-          <a:p>
-            <a:pPr lvl="0">
-              <a:spcBef>
-                <a:spcPts val="0"/>
-              </a:spcBef>
-              <a:buNone/>
-            </a:pPr>
-            <a:r>
-              <a:rPr lang="en" sz="2400" dirty="0">
-                <a:cs typeface="B Nazanin" panose="00000400000000000000" pitchFamily="2" charset="-78"/>
-              </a:rPr>
-              <a:t>7</a:t>
-            </a:r>
-          </a:p>
-        </p:txBody>
-      </p:sp>
-      <p:sp>
-        <p:nvSpPr>
-          <p:cNvPr id="7" name="Shape 398"/>
-          <p:cNvSpPr txBox="1"/>
-          <p:nvPr/>
-        </p:nvSpPr>
-        <p:spPr>
-          <a:xfrm>
-            <a:off x="3478975" y="2683608"/>
-            <a:ext cx="587100" cy="285899"/>
-          </a:xfrm>
-          <a:prstGeom prst="rect">
-            <a:avLst/>
-          </a:prstGeom>
-          <a:noFill/>
-          <a:ln>
-            <a:noFill/>
-          </a:ln>
-        </p:spPr>
-        <p:txBody>
-          <a:bodyPr lIns="91425" tIns="91425" rIns="91425" bIns="91425" anchor="t" anchorCtr="0">
-            <a:noAutofit/>
-          </a:bodyPr>
-          <a:lstStyle/>
-          <a:p>
-            <a:pPr lvl="0">
-              <a:spcBef>
-                <a:spcPts val="0"/>
-              </a:spcBef>
-              <a:buNone/>
-            </a:pPr>
-            <a:r>
-              <a:rPr lang="en" sz="2400" dirty="0">
-                <a:cs typeface="B Nazanin" panose="00000400000000000000" pitchFamily="2" charset="-78"/>
-              </a:rPr>
-              <a:t>7</a:t>
-            </a:r>
-          </a:p>
-        </p:txBody>
-      </p:sp>
-    </p:spTree>
-    <p:extLst>
-      <p:ext uri="{BB962C8B-B14F-4D97-AF65-F5344CB8AC3E}">
-        <p14:creationId xmlns:p14="http://schemas.microsoft.com/office/powerpoint/2010/main" val="3568941093"/>
-      </p:ext>
-    </p:extLst>
-  </p:cSld>
-  <p:clrMapOvr>
-    <a:masterClrMapping/>
-  </p:clrMapOvr>
-  <p:timing>
-    <p:tnLst>
-      <p:par>
-        <p:cTn id="1" dur="indefinite" restart="never" nodeType="tmRoot"/>
-      </p:par>
-    </p:tnLst>
   </p:timing>
 </p:sld>
 </file>
@@ -18309,6 +18187,11 @@
               </a:rPr>
               <a:t>3x3</a:t>
             </a:r>
+            <a:endParaRPr lang="fa-IR" sz="2800" dirty="0" smtClean="0">
+              <a:solidFill>
+                <a:srgbClr val="002060"/>
+              </a:solidFill>
+            </a:endParaRPr>
           </a:p>
           <a:p>
             <a:pPr algn="r" rtl="1">
@@ -18317,7 +18200,7 @@
               </a:lnSpc>
             </a:pPr>
             <a:r>
-              <a:rPr lang="fa-IR" sz="2800" dirty="0" smtClean="0">
+              <a:rPr lang="fa-IR" sz="2800" dirty="0">
                 <a:solidFill>
                   <a:srgbClr val="002060"/>
                 </a:solidFill>
@@ -18325,14 +18208,14 @@
               <a:t>استفاده از گام </a:t>
             </a:r>
             <a:r>
-              <a:rPr lang="en-US" sz="2800" dirty="0">
+              <a:rPr lang="en-US" sz="2800" dirty="0" smtClean="0">
                 <a:solidFill>
                   <a:srgbClr val="002060"/>
                 </a:solidFill>
               </a:rPr>
               <a:t>2</a:t>
             </a:r>
-            <a:endParaRPr lang="fa-IR" sz="2800" dirty="0" smtClean="0">
+            <a:endParaRPr lang="fa-IR" sz="2800" dirty="0">
               <a:solidFill>
                 <a:srgbClr val="002060"/>
               </a:solidFill>
@@ -18371,7 +18254,1678 @@
           <p:nvPr>
             <p:extLst>
               <p:ext uri="{D42A27DB-BD31-4B8C-83A1-F6EECF244321}">
-                <p14:modId xmlns:p14="http://schemas.microsoft.com/office/powerpoint/2010/main" val="3834901730"/>
+                <p14:modId xmlns:p14="http://schemas.microsoft.com/office/powerpoint/2010/main" val="1010984895"/>
+              </p:ext>
+            </p:extLst>
+          </p:nvPr>
+        </p:nvGraphicFramePr>
+        <p:xfrm>
+          <a:off x="685800" y="1394433"/>
+          <a:ext cx="2679950" cy="2720130"/>
+        </p:xfrm>
+        <a:graphic>
+          <a:graphicData uri="http://schemas.openxmlformats.org/drawingml/2006/table">
+            <a:tbl>
+              <a:tblPr>
+                <a:noFill/>
+              </a:tblPr>
+              <a:tblGrid>
+                <a:gridCol w="382850">
+                  <a:extLst>
+                    <a:ext uri="{9D8B030D-6E8A-4147-A177-3AD203B41FA5}">
+                      <a16:colId xmlns:a16="http://schemas.microsoft.com/office/drawing/2014/main" val="20000"/>
+                    </a:ext>
+                  </a:extLst>
+                </a:gridCol>
+                <a:gridCol w="382850">
+                  <a:extLst>
+                    <a:ext uri="{9D8B030D-6E8A-4147-A177-3AD203B41FA5}">
+                      <a16:colId xmlns:a16="http://schemas.microsoft.com/office/drawing/2014/main" val="20001"/>
+                    </a:ext>
+                  </a:extLst>
+                </a:gridCol>
+                <a:gridCol w="382850">
+                  <a:extLst>
+                    <a:ext uri="{9D8B030D-6E8A-4147-A177-3AD203B41FA5}">
+                      <a16:colId xmlns:a16="http://schemas.microsoft.com/office/drawing/2014/main" val="20002"/>
+                    </a:ext>
+                  </a:extLst>
+                </a:gridCol>
+                <a:gridCol w="382850">
+                  <a:extLst>
+                    <a:ext uri="{9D8B030D-6E8A-4147-A177-3AD203B41FA5}">
+                      <a16:colId xmlns:a16="http://schemas.microsoft.com/office/drawing/2014/main" val="20003"/>
+                    </a:ext>
+                  </a:extLst>
+                </a:gridCol>
+                <a:gridCol w="382850">
+                  <a:extLst>
+                    <a:ext uri="{9D8B030D-6E8A-4147-A177-3AD203B41FA5}">
+                      <a16:colId xmlns:a16="http://schemas.microsoft.com/office/drawing/2014/main" val="20004"/>
+                    </a:ext>
+                  </a:extLst>
+                </a:gridCol>
+                <a:gridCol w="382850">
+                  <a:extLst>
+                    <a:ext uri="{9D8B030D-6E8A-4147-A177-3AD203B41FA5}">
+                      <a16:colId xmlns:a16="http://schemas.microsoft.com/office/drawing/2014/main" val="20005"/>
+                    </a:ext>
+                  </a:extLst>
+                </a:gridCol>
+                <a:gridCol w="382850">
+                  <a:extLst>
+                    <a:ext uri="{9D8B030D-6E8A-4147-A177-3AD203B41FA5}">
+                      <a16:colId xmlns:a16="http://schemas.microsoft.com/office/drawing/2014/main" val="20006"/>
+                    </a:ext>
+                  </a:extLst>
+                </a:gridCol>
+              </a:tblGrid>
+              <a:tr h="0">
+                <a:tc>
+                  <a:txBody>
+                    <a:bodyPr/>
+                    <a:lstStyle/>
+                    <a:p>
+                      <a:pPr lvl="0">
+                        <a:spcBef>
+                          <a:spcPts val="0"/>
+                        </a:spcBef>
+                        <a:buNone/>
+                      </a:pPr>
+                      <a:endParaRPr dirty="0">
+                        <a:cs typeface="B Nazanin" panose="00000400000000000000" pitchFamily="2" charset="-78"/>
+                      </a:endParaRPr>
+                    </a:p>
+                  </a:txBody>
+                  <a:tcPr marL="91425" marR="91425" marT="91425" marB="91425">
+                    <a:noFill/>
+                  </a:tcPr>
+                </a:tc>
+                <a:tc>
+                  <a:txBody>
+                    <a:bodyPr/>
+                    <a:lstStyle/>
+                    <a:p>
+                      <a:pPr lvl="0">
+                        <a:spcBef>
+                          <a:spcPts val="0"/>
+                        </a:spcBef>
+                        <a:buNone/>
+                      </a:pPr>
+                      <a:endParaRPr dirty="0">
+                        <a:cs typeface="B Nazanin" panose="00000400000000000000" pitchFamily="2" charset="-78"/>
+                      </a:endParaRPr>
+                    </a:p>
+                  </a:txBody>
+                  <a:tcPr marL="91425" marR="91425" marT="91425" marB="91425">
+                    <a:noFill/>
+                  </a:tcPr>
+                </a:tc>
+                <a:tc>
+                  <a:txBody>
+                    <a:bodyPr/>
+                    <a:lstStyle/>
+                    <a:p>
+                      <a:pPr lvl="0">
+                        <a:spcBef>
+                          <a:spcPts val="0"/>
+                        </a:spcBef>
+                        <a:buNone/>
+                      </a:pPr>
+                      <a:endParaRPr dirty="0">
+                        <a:cs typeface="B Nazanin" panose="00000400000000000000" pitchFamily="2" charset="-78"/>
+                      </a:endParaRPr>
+                    </a:p>
+                  </a:txBody>
+                  <a:tcPr marL="91425" marR="91425" marT="91425" marB="91425">
+                    <a:solidFill>
+                      <a:srgbClr val="00B050"/>
+                    </a:solidFill>
+                  </a:tcPr>
+                </a:tc>
+                <a:tc>
+                  <a:txBody>
+                    <a:bodyPr/>
+                    <a:lstStyle/>
+                    <a:p>
+                      <a:pPr lvl="0">
+                        <a:spcBef>
+                          <a:spcPts val="0"/>
+                        </a:spcBef>
+                        <a:buNone/>
+                      </a:pPr>
+                      <a:endParaRPr dirty="0">
+                        <a:cs typeface="B Nazanin" panose="00000400000000000000" pitchFamily="2" charset="-78"/>
+                      </a:endParaRPr>
+                    </a:p>
+                  </a:txBody>
+                  <a:tcPr marL="91425" marR="91425" marT="91425" marB="91425">
+                    <a:solidFill>
+                      <a:srgbClr val="00B050"/>
+                    </a:solidFill>
+                  </a:tcPr>
+                </a:tc>
+                <a:tc>
+                  <a:txBody>
+                    <a:bodyPr/>
+                    <a:lstStyle/>
+                    <a:p>
+                      <a:pPr lvl="0">
+                        <a:spcBef>
+                          <a:spcPts val="0"/>
+                        </a:spcBef>
+                        <a:buNone/>
+                      </a:pPr>
+                      <a:endParaRPr dirty="0">
+                        <a:cs typeface="B Nazanin" panose="00000400000000000000" pitchFamily="2" charset="-78"/>
+                      </a:endParaRPr>
+                    </a:p>
+                  </a:txBody>
+                  <a:tcPr marL="91425" marR="91425" marT="91425" marB="91425">
+                    <a:solidFill>
+                      <a:srgbClr val="00B050"/>
+                    </a:solidFill>
+                  </a:tcPr>
+                </a:tc>
+                <a:tc>
+                  <a:txBody>
+                    <a:bodyPr/>
+                    <a:lstStyle/>
+                    <a:p>
+                      <a:pPr lvl="0">
+                        <a:spcBef>
+                          <a:spcPts val="0"/>
+                        </a:spcBef>
+                        <a:buNone/>
+                      </a:pPr>
+                      <a:endParaRPr dirty="0">
+                        <a:cs typeface="B Nazanin" panose="00000400000000000000" pitchFamily="2" charset="-78"/>
+                      </a:endParaRPr>
+                    </a:p>
+                  </a:txBody>
+                  <a:tcPr marL="91425" marR="91425" marT="91425" marB="91425">
+                    <a:noFill/>
+                  </a:tcPr>
+                </a:tc>
+                <a:tc>
+                  <a:txBody>
+                    <a:bodyPr/>
+                    <a:lstStyle/>
+                    <a:p>
+                      <a:pPr lvl="0">
+                        <a:spcBef>
+                          <a:spcPts val="0"/>
+                        </a:spcBef>
+                        <a:buNone/>
+                      </a:pPr>
+                      <a:endParaRPr dirty="0">
+                        <a:cs typeface="B Nazanin" panose="00000400000000000000" pitchFamily="2" charset="-78"/>
+                      </a:endParaRPr>
+                    </a:p>
+                  </a:txBody>
+                  <a:tcPr marL="91425" marR="91425" marT="91425" marB="91425"/>
+                </a:tc>
+                <a:extLst>
+                  <a:ext uri="{0D108BD9-81ED-4DB2-BD59-A6C34878D82A}">
+                    <a16:rowId xmlns:a16="http://schemas.microsoft.com/office/drawing/2014/main" val="10000"/>
+                  </a:ext>
+                </a:extLst>
+              </a:tr>
+              <a:tr h="0">
+                <a:tc>
+                  <a:txBody>
+                    <a:bodyPr/>
+                    <a:lstStyle/>
+                    <a:p>
+                      <a:pPr lvl="0">
+                        <a:spcBef>
+                          <a:spcPts val="0"/>
+                        </a:spcBef>
+                        <a:buNone/>
+                      </a:pPr>
+                      <a:endParaRPr dirty="0">
+                        <a:cs typeface="B Nazanin" panose="00000400000000000000" pitchFamily="2" charset="-78"/>
+                      </a:endParaRPr>
+                    </a:p>
+                  </a:txBody>
+                  <a:tcPr marL="91425" marR="91425" marT="91425" marB="91425">
+                    <a:noFill/>
+                  </a:tcPr>
+                </a:tc>
+                <a:tc>
+                  <a:txBody>
+                    <a:bodyPr/>
+                    <a:lstStyle/>
+                    <a:p>
+                      <a:pPr lvl="0">
+                        <a:spcBef>
+                          <a:spcPts val="0"/>
+                        </a:spcBef>
+                        <a:buNone/>
+                      </a:pPr>
+                      <a:endParaRPr dirty="0">
+                        <a:cs typeface="B Nazanin" panose="00000400000000000000" pitchFamily="2" charset="-78"/>
+                      </a:endParaRPr>
+                    </a:p>
+                  </a:txBody>
+                  <a:tcPr marL="91425" marR="91425" marT="91425" marB="91425">
+                    <a:solidFill>
+                      <a:srgbClr val="38761D"/>
+                    </a:solidFill>
+                  </a:tcPr>
+                </a:tc>
+                <a:tc>
+                  <a:txBody>
+                    <a:bodyPr/>
+                    <a:lstStyle/>
+                    <a:p>
+                      <a:pPr lvl="0">
+                        <a:spcBef>
+                          <a:spcPts val="0"/>
+                        </a:spcBef>
+                        <a:buNone/>
+                      </a:pPr>
+                      <a:endParaRPr dirty="0">
+                        <a:cs typeface="B Nazanin" panose="00000400000000000000" pitchFamily="2" charset="-78"/>
+                      </a:endParaRPr>
+                    </a:p>
+                  </a:txBody>
+                  <a:tcPr marL="91425" marR="91425" marT="91425" marB="91425">
+                    <a:solidFill>
+                      <a:srgbClr val="00B050"/>
+                    </a:solidFill>
+                  </a:tcPr>
+                </a:tc>
+                <a:tc>
+                  <a:txBody>
+                    <a:bodyPr/>
+                    <a:lstStyle/>
+                    <a:p>
+                      <a:pPr lvl="0">
+                        <a:spcBef>
+                          <a:spcPts val="0"/>
+                        </a:spcBef>
+                        <a:buNone/>
+                      </a:pPr>
+                      <a:endParaRPr dirty="0">
+                        <a:cs typeface="B Nazanin" panose="00000400000000000000" pitchFamily="2" charset="-78"/>
+                      </a:endParaRPr>
+                    </a:p>
+                  </a:txBody>
+                  <a:tcPr marL="91425" marR="91425" marT="91425" marB="91425">
+                    <a:solidFill>
+                      <a:srgbClr val="38761D"/>
+                    </a:solidFill>
+                  </a:tcPr>
+                </a:tc>
+                <a:tc>
+                  <a:txBody>
+                    <a:bodyPr/>
+                    <a:lstStyle/>
+                    <a:p>
+                      <a:pPr lvl="0">
+                        <a:spcBef>
+                          <a:spcPts val="0"/>
+                        </a:spcBef>
+                        <a:buNone/>
+                      </a:pPr>
+                      <a:endParaRPr dirty="0">
+                        <a:cs typeface="B Nazanin" panose="00000400000000000000" pitchFamily="2" charset="-78"/>
+                      </a:endParaRPr>
+                    </a:p>
+                  </a:txBody>
+                  <a:tcPr marL="91425" marR="91425" marT="91425" marB="91425">
+                    <a:solidFill>
+                      <a:srgbClr val="00B050"/>
+                    </a:solidFill>
+                  </a:tcPr>
+                </a:tc>
+                <a:tc>
+                  <a:txBody>
+                    <a:bodyPr/>
+                    <a:lstStyle/>
+                    <a:p>
+                      <a:pPr lvl="0">
+                        <a:spcBef>
+                          <a:spcPts val="0"/>
+                        </a:spcBef>
+                        <a:buNone/>
+                      </a:pPr>
+                      <a:endParaRPr dirty="0">
+                        <a:cs typeface="B Nazanin" panose="00000400000000000000" pitchFamily="2" charset="-78"/>
+                      </a:endParaRPr>
+                    </a:p>
+                  </a:txBody>
+                  <a:tcPr marL="91425" marR="91425" marT="91425" marB="91425">
+                    <a:noFill/>
+                  </a:tcPr>
+                </a:tc>
+                <a:tc>
+                  <a:txBody>
+                    <a:bodyPr/>
+                    <a:lstStyle/>
+                    <a:p>
+                      <a:pPr lvl="0">
+                        <a:spcBef>
+                          <a:spcPts val="0"/>
+                        </a:spcBef>
+                        <a:buNone/>
+                      </a:pPr>
+                      <a:endParaRPr dirty="0">
+                        <a:cs typeface="B Nazanin" panose="00000400000000000000" pitchFamily="2" charset="-78"/>
+                      </a:endParaRPr>
+                    </a:p>
+                  </a:txBody>
+                  <a:tcPr marL="91425" marR="91425" marT="91425" marB="91425"/>
+                </a:tc>
+                <a:extLst>
+                  <a:ext uri="{0D108BD9-81ED-4DB2-BD59-A6C34878D82A}">
+                    <a16:rowId xmlns:a16="http://schemas.microsoft.com/office/drawing/2014/main" val="10001"/>
+                  </a:ext>
+                </a:extLst>
+              </a:tr>
+              <a:tr h="0">
+                <a:tc>
+                  <a:txBody>
+                    <a:bodyPr/>
+                    <a:lstStyle/>
+                    <a:p>
+                      <a:pPr lvl="0">
+                        <a:spcBef>
+                          <a:spcPts val="0"/>
+                        </a:spcBef>
+                        <a:buNone/>
+                      </a:pPr>
+                      <a:endParaRPr dirty="0">
+                        <a:cs typeface="B Nazanin" panose="00000400000000000000" pitchFamily="2" charset="-78"/>
+                      </a:endParaRPr>
+                    </a:p>
+                  </a:txBody>
+                  <a:tcPr marL="91425" marR="91425" marT="91425" marB="91425">
+                    <a:noFill/>
+                  </a:tcPr>
+                </a:tc>
+                <a:tc>
+                  <a:txBody>
+                    <a:bodyPr/>
+                    <a:lstStyle/>
+                    <a:p>
+                      <a:pPr lvl="0">
+                        <a:spcBef>
+                          <a:spcPts val="0"/>
+                        </a:spcBef>
+                        <a:buNone/>
+                      </a:pPr>
+                      <a:endParaRPr dirty="0">
+                        <a:cs typeface="B Nazanin" panose="00000400000000000000" pitchFamily="2" charset="-78"/>
+                      </a:endParaRPr>
+                    </a:p>
+                  </a:txBody>
+                  <a:tcPr marL="91425" marR="91425" marT="91425" marB="91425">
+                    <a:noFill/>
+                  </a:tcPr>
+                </a:tc>
+                <a:tc>
+                  <a:txBody>
+                    <a:bodyPr/>
+                    <a:lstStyle/>
+                    <a:p>
+                      <a:pPr lvl="0">
+                        <a:spcBef>
+                          <a:spcPts val="0"/>
+                        </a:spcBef>
+                        <a:buNone/>
+                      </a:pPr>
+                      <a:endParaRPr dirty="0">
+                        <a:cs typeface="B Nazanin" panose="00000400000000000000" pitchFamily="2" charset="-78"/>
+                      </a:endParaRPr>
+                    </a:p>
+                  </a:txBody>
+                  <a:tcPr marL="91425" marR="91425" marT="91425" marB="91425">
+                    <a:solidFill>
+                      <a:srgbClr val="00B050"/>
+                    </a:solidFill>
+                  </a:tcPr>
+                </a:tc>
+                <a:tc>
+                  <a:txBody>
+                    <a:bodyPr/>
+                    <a:lstStyle/>
+                    <a:p>
+                      <a:pPr lvl="0">
+                        <a:spcBef>
+                          <a:spcPts val="0"/>
+                        </a:spcBef>
+                        <a:buNone/>
+                      </a:pPr>
+                      <a:endParaRPr dirty="0">
+                        <a:cs typeface="B Nazanin" panose="00000400000000000000" pitchFamily="2" charset="-78"/>
+                      </a:endParaRPr>
+                    </a:p>
+                  </a:txBody>
+                  <a:tcPr marL="91425" marR="91425" marT="91425" marB="91425">
+                    <a:solidFill>
+                      <a:srgbClr val="00B050"/>
+                    </a:solidFill>
+                  </a:tcPr>
+                </a:tc>
+                <a:tc>
+                  <a:txBody>
+                    <a:bodyPr/>
+                    <a:lstStyle/>
+                    <a:p>
+                      <a:pPr lvl="0">
+                        <a:spcBef>
+                          <a:spcPts val="0"/>
+                        </a:spcBef>
+                        <a:buNone/>
+                      </a:pPr>
+                      <a:endParaRPr dirty="0">
+                        <a:cs typeface="B Nazanin" panose="00000400000000000000" pitchFamily="2" charset="-78"/>
+                      </a:endParaRPr>
+                    </a:p>
+                  </a:txBody>
+                  <a:tcPr marL="91425" marR="91425" marT="91425" marB="91425">
+                    <a:solidFill>
+                      <a:srgbClr val="00B050"/>
+                    </a:solidFill>
+                  </a:tcPr>
+                </a:tc>
+                <a:tc>
+                  <a:txBody>
+                    <a:bodyPr/>
+                    <a:lstStyle/>
+                    <a:p>
+                      <a:pPr lvl="0">
+                        <a:spcBef>
+                          <a:spcPts val="0"/>
+                        </a:spcBef>
+                        <a:buNone/>
+                      </a:pPr>
+                      <a:endParaRPr dirty="0">
+                        <a:cs typeface="B Nazanin" panose="00000400000000000000" pitchFamily="2" charset="-78"/>
+                      </a:endParaRPr>
+                    </a:p>
+                  </a:txBody>
+                  <a:tcPr marL="91425" marR="91425" marT="91425" marB="91425">
+                    <a:noFill/>
+                  </a:tcPr>
+                </a:tc>
+                <a:tc>
+                  <a:txBody>
+                    <a:bodyPr/>
+                    <a:lstStyle/>
+                    <a:p>
+                      <a:pPr lvl="0">
+                        <a:spcBef>
+                          <a:spcPts val="0"/>
+                        </a:spcBef>
+                        <a:buNone/>
+                      </a:pPr>
+                      <a:endParaRPr dirty="0">
+                        <a:cs typeface="B Nazanin" panose="00000400000000000000" pitchFamily="2" charset="-78"/>
+                      </a:endParaRPr>
+                    </a:p>
+                  </a:txBody>
+                  <a:tcPr marL="91425" marR="91425" marT="91425" marB="91425"/>
+                </a:tc>
+                <a:extLst>
+                  <a:ext uri="{0D108BD9-81ED-4DB2-BD59-A6C34878D82A}">
+                    <a16:rowId xmlns:a16="http://schemas.microsoft.com/office/drawing/2014/main" val="10002"/>
+                  </a:ext>
+                </a:extLst>
+              </a:tr>
+              <a:tr h="0">
+                <a:tc>
+                  <a:txBody>
+                    <a:bodyPr/>
+                    <a:lstStyle/>
+                    <a:p>
+                      <a:pPr lvl="0">
+                        <a:spcBef>
+                          <a:spcPts val="0"/>
+                        </a:spcBef>
+                        <a:buNone/>
+                      </a:pPr>
+                      <a:endParaRPr dirty="0">
+                        <a:cs typeface="B Nazanin" panose="00000400000000000000" pitchFamily="2" charset="-78"/>
+                      </a:endParaRPr>
+                    </a:p>
+                  </a:txBody>
+                  <a:tcPr marL="91425" marR="91425" marT="91425" marB="91425"/>
+                </a:tc>
+                <a:tc>
+                  <a:txBody>
+                    <a:bodyPr/>
+                    <a:lstStyle/>
+                    <a:p>
+                      <a:pPr lvl="0">
+                        <a:spcBef>
+                          <a:spcPts val="0"/>
+                        </a:spcBef>
+                        <a:buNone/>
+                      </a:pPr>
+                      <a:endParaRPr dirty="0">
+                        <a:cs typeface="B Nazanin" panose="00000400000000000000" pitchFamily="2" charset="-78"/>
+                      </a:endParaRPr>
+                    </a:p>
+                  </a:txBody>
+                  <a:tcPr marL="91425" marR="91425" marT="91425" marB="91425"/>
+                </a:tc>
+                <a:tc>
+                  <a:txBody>
+                    <a:bodyPr/>
+                    <a:lstStyle/>
+                    <a:p>
+                      <a:pPr lvl="0">
+                        <a:spcBef>
+                          <a:spcPts val="0"/>
+                        </a:spcBef>
+                        <a:buNone/>
+                      </a:pPr>
+                      <a:endParaRPr dirty="0">
+                        <a:cs typeface="B Nazanin" panose="00000400000000000000" pitchFamily="2" charset="-78"/>
+                      </a:endParaRPr>
+                    </a:p>
+                  </a:txBody>
+                  <a:tcPr marL="91425" marR="91425" marT="91425" marB="91425"/>
+                </a:tc>
+                <a:tc>
+                  <a:txBody>
+                    <a:bodyPr/>
+                    <a:lstStyle/>
+                    <a:p>
+                      <a:pPr lvl="0">
+                        <a:spcBef>
+                          <a:spcPts val="0"/>
+                        </a:spcBef>
+                        <a:buNone/>
+                      </a:pPr>
+                      <a:endParaRPr dirty="0">
+                        <a:cs typeface="B Nazanin" panose="00000400000000000000" pitchFamily="2" charset="-78"/>
+                      </a:endParaRPr>
+                    </a:p>
+                  </a:txBody>
+                  <a:tcPr marL="91425" marR="91425" marT="91425" marB="91425"/>
+                </a:tc>
+                <a:tc>
+                  <a:txBody>
+                    <a:bodyPr/>
+                    <a:lstStyle/>
+                    <a:p>
+                      <a:pPr lvl="0">
+                        <a:spcBef>
+                          <a:spcPts val="0"/>
+                        </a:spcBef>
+                        <a:buNone/>
+                      </a:pPr>
+                      <a:endParaRPr dirty="0">
+                        <a:cs typeface="B Nazanin" panose="00000400000000000000" pitchFamily="2" charset="-78"/>
+                      </a:endParaRPr>
+                    </a:p>
+                  </a:txBody>
+                  <a:tcPr marL="91425" marR="91425" marT="91425" marB="91425"/>
+                </a:tc>
+                <a:tc>
+                  <a:txBody>
+                    <a:bodyPr/>
+                    <a:lstStyle/>
+                    <a:p>
+                      <a:pPr lvl="0">
+                        <a:spcBef>
+                          <a:spcPts val="0"/>
+                        </a:spcBef>
+                        <a:buNone/>
+                      </a:pPr>
+                      <a:endParaRPr dirty="0">
+                        <a:cs typeface="B Nazanin" panose="00000400000000000000" pitchFamily="2" charset="-78"/>
+                      </a:endParaRPr>
+                    </a:p>
+                  </a:txBody>
+                  <a:tcPr marL="91425" marR="91425" marT="91425" marB="91425"/>
+                </a:tc>
+                <a:tc>
+                  <a:txBody>
+                    <a:bodyPr/>
+                    <a:lstStyle/>
+                    <a:p>
+                      <a:pPr lvl="0">
+                        <a:spcBef>
+                          <a:spcPts val="0"/>
+                        </a:spcBef>
+                        <a:buNone/>
+                      </a:pPr>
+                      <a:endParaRPr dirty="0">
+                        <a:cs typeface="B Nazanin" panose="00000400000000000000" pitchFamily="2" charset="-78"/>
+                      </a:endParaRPr>
+                    </a:p>
+                  </a:txBody>
+                  <a:tcPr marL="91425" marR="91425" marT="91425" marB="91425"/>
+                </a:tc>
+                <a:extLst>
+                  <a:ext uri="{0D108BD9-81ED-4DB2-BD59-A6C34878D82A}">
+                    <a16:rowId xmlns:a16="http://schemas.microsoft.com/office/drawing/2014/main" val="10003"/>
+                  </a:ext>
+                </a:extLst>
+              </a:tr>
+              <a:tr h="0">
+                <a:tc>
+                  <a:txBody>
+                    <a:bodyPr/>
+                    <a:lstStyle/>
+                    <a:p>
+                      <a:pPr lvl="0">
+                        <a:spcBef>
+                          <a:spcPts val="0"/>
+                        </a:spcBef>
+                        <a:buNone/>
+                      </a:pPr>
+                      <a:endParaRPr dirty="0">
+                        <a:cs typeface="B Nazanin" panose="00000400000000000000" pitchFamily="2" charset="-78"/>
+                      </a:endParaRPr>
+                    </a:p>
+                  </a:txBody>
+                  <a:tcPr marL="91425" marR="91425" marT="91425" marB="91425"/>
+                </a:tc>
+                <a:tc>
+                  <a:txBody>
+                    <a:bodyPr/>
+                    <a:lstStyle/>
+                    <a:p>
+                      <a:pPr lvl="0">
+                        <a:spcBef>
+                          <a:spcPts val="0"/>
+                        </a:spcBef>
+                        <a:buNone/>
+                      </a:pPr>
+                      <a:endParaRPr dirty="0">
+                        <a:cs typeface="B Nazanin" panose="00000400000000000000" pitchFamily="2" charset="-78"/>
+                      </a:endParaRPr>
+                    </a:p>
+                  </a:txBody>
+                  <a:tcPr marL="91425" marR="91425" marT="91425" marB="91425"/>
+                </a:tc>
+                <a:tc>
+                  <a:txBody>
+                    <a:bodyPr/>
+                    <a:lstStyle/>
+                    <a:p>
+                      <a:pPr lvl="0">
+                        <a:spcBef>
+                          <a:spcPts val="0"/>
+                        </a:spcBef>
+                        <a:buNone/>
+                      </a:pPr>
+                      <a:endParaRPr dirty="0">
+                        <a:cs typeface="B Nazanin" panose="00000400000000000000" pitchFamily="2" charset="-78"/>
+                      </a:endParaRPr>
+                    </a:p>
+                  </a:txBody>
+                  <a:tcPr marL="91425" marR="91425" marT="91425" marB="91425"/>
+                </a:tc>
+                <a:tc>
+                  <a:txBody>
+                    <a:bodyPr/>
+                    <a:lstStyle/>
+                    <a:p>
+                      <a:pPr lvl="0">
+                        <a:spcBef>
+                          <a:spcPts val="0"/>
+                        </a:spcBef>
+                        <a:buNone/>
+                      </a:pPr>
+                      <a:endParaRPr dirty="0">
+                        <a:cs typeface="B Nazanin" panose="00000400000000000000" pitchFamily="2" charset="-78"/>
+                      </a:endParaRPr>
+                    </a:p>
+                  </a:txBody>
+                  <a:tcPr marL="91425" marR="91425" marT="91425" marB="91425"/>
+                </a:tc>
+                <a:tc>
+                  <a:txBody>
+                    <a:bodyPr/>
+                    <a:lstStyle/>
+                    <a:p>
+                      <a:pPr lvl="0">
+                        <a:spcBef>
+                          <a:spcPts val="0"/>
+                        </a:spcBef>
+                        <a:buNone/>
+                      </a:pPr>
+                      <a:endParaRPr dirty="0">
+                        <a:cs typeface="B Nazanin" panose="00000400000000000000" pitchFamily="2" charset="-78"/>
+                      </a:endParaRPr>
+                    </a:p>
+                  </a:txBody>
+                  <a:tcPr marL="91425" marR="91425" marT="91425" marB="91425"/>
+                </a:tc>
+                <a:tc>
+                  <a:txBody>
+                    <a:bodyPr/>
+                    <a:lstStyle/>
+                    <a:p>
+                      <a:pPr lvl="0">
+                        <a:spcBef>
+                          <a:spcPts val="0"/>
+                        </a:spcBef>
+                        <a:buNone/>
+                      </a:pPr>
+                      <a:endParaRPr dirty="0">
+                        <a:cs typeface="B Nazanin" panose="00000400000000000000" pitchFamily="2" charset="-78"/>
+                      </a:endParaRPr>
+                    </a:p>
+                  </a:txBody>
+                  <a:tcPr marL="91425" marR="91425" marT="91425" marB="91425"/>
+                </a:tc>
+                <a:tc>
+                  <a:txBody>
+                    <a:bodyPr/>
+                    <a:lstStyle/>
+                    <a:p>
+                      <a:pPr lvl="0">
+                        <a:spcBef>
+                          <a:spcPts val="0"/>
+                        </a:spcBef>
+                        <a:buNone/>
+                      </a:pPr>
+                      <a:endParaRPr dirty="0">
+                        <a:cs typeface="B Nazanin" panose="00000400000000000000" pitchFamily="2" charset="-78"/>
+                      </a:endParaRPr>
+                    </a:p>
+                  </a:txBody>
+                  <a:tcPr marL="91425" marR="91425" marT="91425" marB="91425"/>
+                </a:tc>
+                <a:extLst>
+                  <a:ext uri="{0D108BD9-81ED-4DB2-BD59-A6C34878D82A}">
+                    <a16:rowId xmlns:a16="http://schemas.microsoft.com/office/drawing/2014/main" val="10004"/>
+                  </a:ext>
+                </a:extLst>
+              </a:tr>
+              <a:tr h="0">
+                <a:tc>
+                  <a:txBody>
+                    <a:bodyPr/>
+                    <a:lstStyle/>
+                    <a:p>
+                      <a:pPr lvl="0">
+                        <a:spcBef>
+                          <a:spcPts val="0"/>
+                        </a:spcBef>
+                        <a:buNone/>
+                      </a:pPr>
+                      <a:endParaRPr dirty="0">
+                        <a:cs typeface="B Nazanin" panose="00000400000000000000" pitchFamily="2" charset="-78"/>
+                      </a:endParaRPr>
+                    </a:p>
+                  </a:txBody>
+                  <a:tcPr marL="91425" marR="91425" marT="91425" marB="91425"/>
+                </a:tc>
+                <a:tc>
+                  <a:txBody>
+                    <a:bodyPr/>
+                    <a:lstStyle/>
+                    <a:p>
+                      <a:pPr lvl="0">
+                        <a:spcBef>
+                          <a:spcPts val="0"/>
+                        </a:spcBef>
+                        <a:buNone/>
+                      </a:pPr>
+                      <a:endParaRPr dirty="0">
+                        <a:cs typeface="B Nazanin" panose="00000400000000000000" pitchFamily="2" charset="-78"/>
+                      </a:endParaRPr>
+                    </a:p>
+                  </a:txBody>
+                  <a:tcPr marL="91425" marR="91425" marT="91425" marB="91425"/>
+                </a:tc>
+                <a:tc>
+                  <a:txBody>
+                    <a:bodyPr/>
+                    <a:lstStyle/>
+                    <a:p>
+                      <a:pPr lvl="0">
+                        <a:spcBef>
+                          <a:spcPts val="0"/>
+                        </a:spcBef>
+                        <a:buNone/>
+                      </a:pPr>
+                      <a:endParaRPr dirty="0">
+                        <a:cs typeface="B Nazanin" panose="00000400000000000000" pitchFamily="2" charset="-78"/>
+                      </a:endParaRPr>
+                    </a:p>
+                  </a:txBody>
+                  <a:tcPr marL="91425" marR="91425" marT="91425" marB="91425"/>
+                </a:tc>
+                <a:tc>
+                  <a:txBody>
+                    <a:bodyPr/>
+                    <a:lstStyle/>
+                    <a:p>
+                      <a:pPr lvl="0">
+                        <a:spcBef>
+                          <a:spcPts val="0"/>
+                        </a:spcBef>
+                        <a:buNone/>
+                      </a:pPr>
+                      <a:endParaRPr dirty="0">
+                        <a:cs typeface="B Nazanin" panose="00000400000000000000" pitchFamily="2" charset="-78"/>
+                      </a:endParaRPr>
+                    </a:p>
+                  </a:txBody>
+                  <a:tcPr marL="91425" marR="91425" marT="91425" marB="91425"/>
+                </a:tc>
+                <a:tc>
+                  <a:txBody>
+                    <a:bodyPr/>
+                    <a:lstStyle/>
+                    <a:p>
+                      <a:pPr lvl="0">
+                        <a:spcBef>
+                          <a:spcPts val="0"/>
+                        </a:spcBef>
+                        <a:buNone/>
+                      </a:pPr>
+                      <a:endParaRPr dirty="0">
+                        <a:cs typeface="B Nazanin" panose="00000400000000000000" pitchFamily="2" charset="-78"/>
+                      </a:endParaRPr>
+                    </a:p>
+                  </a:txBody>
+                  <a:tcPr marL="91425" marR="91425" marT="91425" marB="91425"/>
+                </a:tc>
+                <a:tc>
+                  <a:txBody>
+                    <a:bodyPr/>
+                    <a:lstStyle/>
+                    <a:p>
+                      <a:pPr lvl="0">
+                        <a:spcBef>
+                          <a:spcPts val="0"/>
+                        </a:spcBef>
+                        <a:buNone/>
+                      </a:pPr>
+                      <a:endParaRPr dirty="0">
+                        <a:cs typeface="B Nazanin" panose="00000400000000000000" pitchFamily="2" charset="-78"/>
+                      </a:endParaRPr>
+                    </a:p>
+                  </a:txBody>
+                  <a:tcPr marL="91425" marR="91425" marT="91425" marB="91425"/>
+                </a:tc>
+                <a:tc>
+                  <a:txBody>
+                    <a:bodyPr/>
+                    <a:lstStyle/>
+                    <a:p>
+                      <a:pPr lvl="0">
+                        <a:spcBef>
+                          <a:spcPts val="0"/>
+                        </a:spcBef>
+                        <a:buNone/>
+                      </a:pPr>
+                      <a:endParaRPr dirty="0">
+                        <a:cs typeface="B Nazanin" panose="00000400000000000000" pitchFamily="2" charset="-78"/>
+                      </a:endParaRPr>
+                    </a:p>
+                  </a:txBody>
+                  <a:tcPr marL="91425" marR="91425" marT="91425" marB="91425"/>
+                </a:tc>
+                <a:extLst>
+                  <a:ext uri="{0D108BD9-81ED-4DB2-BD59-A6C34878D82A}">
+                    <a16:rowId xmlns:a16="http://schemas.microsoft.com/office/drawing/2014/main" val="10005"/>
+                  </a:ext>
+                </a:extLst>
+              </a:tr>
+              <a:tr h="0">
+                <a:tc>
+                  <a:txBody>
+                    <a:bodyPr/>
+                    <a:lstStyle/>
+                    <a:p>
+                      <a:pPr lvl="0">
+                        <a:spcBef>
+                          <a:spcPts val="0"/>
+                        </a:spcBef>
+                        <a:buNone/>
+                      </a:pPr>
+                      <a:endParaRPr dirty="0">
+                        <a:cs typeface="B Nazanin" panose="00000400000000000000" pitchFamily="2" charset="-78"/>
+                      </a:endParaRPr>
+                    </a:p>
+                  </a:txBody>
+                  <a:tcPr marL="91425" marR="91425" marT="91425" marB="91425"/>
+                </a:tc>
+                <a:tc>
+                  <a:txBody>
+                    <a:bodyPr/>
+                    <a:lstStyle/>
+                    <a:p>
+                      <a:pPr lvl="0">
+                        <a:spcBef>
+                          <a:spcPts val="0"/>
+                        </a:spcBef>
+                        <a:buNone/>
+                      </a:pPr>
+                      <a:endParaRPr dirty="0">
+                        <a:cs typeface="B Nazanin" panose="00000400000000000000" pitchFamily="2" charset="-78"/>
+                      </a:endParaRPr>
+                    </a:p>
+                  </a:txBody>
+                  <a:tcPr marL="91425" marR="91425" marT="91425" marB="91425"/>
+                </a:tc>
+                <a:tc>
+                  <a:txBody>
+                    <a:bodyPr/>
+                    <a:lstStyle/>
+                    <a:p>
+                      <a:pPr lvl="0">
+                        <a:spcBef>
+                          <a:spcPts val="0"/>
+                        </a:spcBef>
+                        <a:buNone/>
+                      </a:pPr>
+                      <a:endParaRPr dirty="0">
+                        <a:cs typeface="B Nazanin" panose="00000400000000000000" pitchFamily="2" charset="-78"/>
+                      </a:endParaRPr>
+                    </a:p>
+                  </a:txBody>
+                  <a:tcPr marL="91425" marR="91425" marT="91425" marB="91425"/>
+                </a:tc>
+                <a:tc>
+                  <a:txBody>
+                    <a:bodyPr/>
+                    <a:lstStyle/>
+                    <a:p>
+                      <a:pPr lvl="0">
+                        <a:spcBef>
+                          <a:spcPts val="0"/>
+                        </a:spcBef>
+                        <a:buNone/>
+                      </a:pPr>
+                      <a:endParaRPr dirty="0">
+                        <a:cs typeface="B Nazanin" panose="00000400000000000000" pitchFamily="2" charset="-78"/>
+                      </a:endParaRPr>
+                    </a:p>
+                  </a:txBody>
+                  <a:tcPr marL="91425" marR="91425" marT="91425" marB="91425"/>
+                </a:tc>
+                <a:tc>
+                  <a:txBody>
+                    <a:bodyPr/>
+                    <a:lstStyle/>
+                    <a:p>
+                      <a:pPr lvl="0">
+                        <a:spcBef>
+                          <a:spcPts val="0"/>
+                        </a:spcBef>
+                        <a:buNone/>
+                      </a:pPr>
+                      <a:endParaRPr dirty="0">
+                        <a:cs typeface="B Nazanin" panose="00000400000000000000" pitchFamily="2" charset="-78"/>
+                      </a:endParaRPr>
+                    </a:p>
+                  </a:txBody>
+                  <a:tcPr marL="91425" marR="91425" marT="91425" marB="91425"/>
+                </a:tc>
+                <a:tc>
+                  <a:txBody>
+                    <a:bodyPr/>
+                    <a:lstStyle/>
+                    <a:p>
+                      <a:pPr lvl="0">
+                        <a:spcBef>
+                          <a:spcPts val="0"/>
+                        </a:spcBef>
+                        <a:buNone/>
+                      </a:pPr>
+                      <a:endParaRPr dirty="0">
+                        <a:cs typeface="B Nazanin" panose="00000400000000000000" pitchFamily="2" charset="-78"/>
+                      </a:endParaRPr>
+                    </a:p>
+                  </a:txBody>
+                  <a:tcPr marL="91425" marR="91425" marT="91425" marB="91425"/>
+                </a:tc>
+                <a:tc>
+                  <a:txBody>
+                    <a:bodyPr/>
+                    <a:lstStyle/>
+                    <a:p>
+                      <a:pPr lvl="0">
+                        <a:spcBef>
+                          <a:spcPts val="0"/>
+                        </a:spcBef>
+                        <a:buNone/>
+                      </a:pPr>
+                      <a:endParaRPr dirty="0">
+                        <a:cs typeface="B Nazanin" panose="00000400000000000000" pitchFamily="2" charset="-78"/>
+                      </a:endParaRPr>
+                    </a:p>
+                  </a:txBody>
+                  <a:tcPr marL="91425" marR="91425" marT="91425" marB="91425"/>
+                </a:tc>
+                <a:extLst>
+                  <a:ext uri="{0D108BD9-81ED-4DB2-BD59-A6C34878D82A}">
+                    <a16:rowId xmlns:a16="http://schemas.microsoft.com/office/drawing/2014/main" val="10006"/>
+                  </a:ext>
+                </a:extLst>
+              </a:tr>
+            </a:tbl>
+          </a:graphicData>
+        </a:graphic>
+      </p:graphicFrame>
+      <p:sp>
+        <p:nvSpPr>
+          <p:cNvPr id="8" name="Shape 397"/>
+          <p:cNvSpPr txBox="1"/>
+          <p:nvPr/>
+        </p:nvSpPr>
+        <p:spPr>
+          <a:xfrm>
+            <a:off x="1693300" y="4162795"/>
+            <a:ext cx="664950" cy="457500"/>
+          </a:xfrm>
+          <a:prstGeom prst="rect">
+            <a:avLst/>
+          </a:prstGeom>
+          <a:noFill/>
+          <a:ln>
+            <a:noFill/>
+          </a:ln>
+        </p:spPr>
+        <p:txBody>
+          <a:bodyPr lIns="91425" tIns="91425" rIns="91425" bIns="91425" anchor="t" anchorCtr="0">
+            <a:noAutofit/>
+          </a:bodyPr>
+          <a:lstStyle/>
+          <a:p>
+            <a:pPr lvl="0">
+              <a:spcBef>
+                <a:spcPts val="0"/>
+              </a:spcBef>
+              <a:buNone/>
+            </a:pPr>
+            <a:r>
+              <a:rPr lang="en" sz="2400" dirty="0" smtClean="0">
+                <a:latin typeface="Times New Roman" panose="02020603050405020304" pitchFamily="18" charset="0"/>
+                <a:cs typeface="Times New Roman" panose="02020603050405020304" pitchFamily="18" charset="0"/>
+              </a:rPr>
+              <a:t>7x7</a:t>
+            </a:r>
+            <a:endParaRPr lang="en" sz="2400" dirty="0">
+              <a:latin typeface="Times New Roman" panose="02020603050405020304" pitchFamily="18" charset="0"/>
+              <a:cs typeface="Times New Roman" panose="02020603050405020304" pitchFamily="18" charset="0"/>
+            </a:endParaRPr>
+          </a:p>
+        </p:txBody>
+      </p:sp>
+    </p:spTree>
+    <p:extLst>
+      <p:ext uri="{BB962C8B-B14F-4D97-AF65-F5344CB8AC3E}">
+        <p14:creationId xmlns:p14="http://schemas.microsoft.com/office/powerpoint/2010/main" val="3568941093"/>
+      </p:ext>
+    </p:extLst>
+  </p:cSld>
+  <p:clrMapOvr>
+    <a:masterClrMapping/>
+  </p:clrMapOvr>
+  <p:timing>
+    <p:tnLst>
+      <p:par>
+        <p:cTn id="1" dur="indefinite" restart="never" nodeType="tmRoot"/>
+      </p:par>
+    </p:tnLst>
+  </p:timing>
+</p:sld>
+</file>
+
+<file path=ppt/slides/slide21.xml><?xml version="1.0" encoding="utf-8"?>
+<p:sld xmlns:a="http://schemas.openxmlformats.org/drawingml/2006/main" xmlns:r="http://schemas.openxmlformats.org/officeDocument/2006/relationships" xmlns:p="http://schemas.openxmlformats.org/presentationml/2006/main">
+  <p:cSld>
+    <p:spTree>
+      <p:nvGrpSpPr>
+        <p:cNvPr id="1" name=""/>
+        <p:cNvGrpSpPr/>
+        <p:nvPr/>
+      </p:nvGrpSpPr>
+      <p:grpSpPr>
+        <a:xfrm>
+          <a:off x="0" y="0"/>
+          <a:ext cx="0" cy="0"/>
+          <a:chOff x="0" y="0"/>
+          <a:chExt cx="0" cy="0"/>
+        </a:xfrm>
+      </p:grpSpPr>
+      <p:sp>
+        <p:nvSpPr>
+          <p:cNvPr id="2" name="Title 1"/>
+          <p:cNvSpPr>
+            <a:spLocks noGrp="1"/>
+          </p:cNvSpPr>
+          <p:nvPr>
+            <p:ph type="title"/>
+          </p:nvPr>
+        </p:nvSpPr>
+        <p:spPr/>
+        <p:txBody>
+          <a:bodyPr/>
+          <a:lstStyle/>
+          <a:p>
+            <a:r>
+              <a:rPr lang="fa-IR" dirty="0" smtClean="0"/>
+              <a:t>استفاده از گام</a:t>
+            </a:r>
+            <a:endParaRPr lang="en-US" dirty="0"/>
+          </a:p>
+        </p:txBody>
+      </p:sp>
+      <p:sp>
+        <p:nvSpPr>
+          <p:cNvPr id="3" name="Content Placeholder 2"/>
+          <p:cNvSpPr>
+            <a:spLocks noGrp="1"/>
+          </p:cNvSpPr>
+          <p:nvPr>
+            <p:ph idx="1"/>
+          </p:nvPr>
+        </p:nvSpPr>
+        <p:spPr/>
+        <p:txBody>
+          <a:bodyPr>
+            <a:normAutofit/>
+          </a:bodyPr>
+          <a:lstStyle/>
+          <a:p>
+            <a:pPr algn="r" rtl="1">
+              <a:lnSpc>
+                <a:spcPct val="150000"/>
+              </a:lnSpc>
+            </a:pPr>
+            <a:r>
+              <a:rPr lang="fa-IR" sz="2800" dirty="0" smtClean="0">
+                <a:solidFill>
+                  <a:srgbClr val="002060"/>
+                </a:solidFill>
+              </a:rPr>
+              <a:t>ورودی </a:t>
+            </a:r>
+            <a:r>
+              <a:rPr lang="en-US" sz="2800" dirty="0" smtClean="0">
+                <a:solidFill>
+                  <a:srgbClr val="002060"/>
+                </a:solidFill>
+              </a:rPr>
+              <a:t>7x7</a:t>
+            </a:r>
+            <a:r>
+              <a:rPr lang="fa-IR" sz="2800" dirty="0" smtClean="0">
+                <a:solidFill>
+                  <a:srgbClr val="002060"/>
+                </a:solidFill>
+              </a:rPr>
+              <a:t> و فیلتر </a:t>
+            </a:r>
+            <a:r>
+              <a:rPr lang="en-US" sz="2800" dirty="0" smtClean="0">
+                <a:solidFill>
+                  <a:srgbClr val="002060"/>
+                </a:solidFill>
+              </a:rPr>
+              <a:t>3x3</a:t>
+            </a:r>
+          </a:p>
+          <a:p>
+            <a:pPr algn="r" rtl="1">
+              <a:lnSpc>
+                <a:spcPct val="150000"/>
+              </a:lnSpc>
+            </a:pPr>
+            <a:r>
+              <a:rPr lang="fa-IR" sz="2800" dirty="0" smtClean="0">
+                <a:solidFill>
+                  <a:srgbClr val="002060"/>
+                </a:solidFill>
+              </a:rPr>
+              <a:t>استفاده از گام </a:t>
+            </a:r>
+            <a:r>
+              <a:rPr lang="en-US" sz="2800" dirty="0">
+                <a:solidFill>
+                  <a:srgbClr val="002060"/>
+                </a:solidFill>
+              </a:rPr>
+              <a:t>2</a:t>
+            </a:r>
+            <a:endParaRPr lang="fa-IR" sz="2800" dirty="0" smtClean="0">
+              <a:solidFill>
+                <a:srgbClr val="002060"/>
+              </a:solidFill>
+            </a:endParaRPr>
+          </a:p>
+        </p:txBody>
+      </p:sp>
+      <p:sp>
+        <p:nvSpPr>
+          <p:cNvPr id="4" name="Slide Number Placeholder 3"/>
+          <p:cNvSpPr>
+            <a:spLocks noGrp="1"/>
+          </p:cNvSpPr>
+          <p:nvPr>
+            <p:ph type="sldNum" sz="quarter" idx="12"/>
+          </p:nvPr>
+        </p:nvSpPr>
+        <p:spPr/>
+        <p:txBody>
+          <a:bodyPr/>
+          <a:lstStyle/>
+          <a:p>
+            <a:fld id="{629637A9-119A-49DA-BD12-AAC58B377D80}" type="slidenum">
+              <a:rPr lang="en-US" smtClean="0"/>
+              <a:pPr/>
+              <a:t>21</a:t>
+            </a:fld>
+            <a:endParaRPr lang="en-US" dirty="0"/>
+          </a:p>
+        </p:txBody>
+      </p:sp>
+      <p:sp>
+        <p:nvSpPr>
+          <p:cNvPr id="8" name="TextBox 7"/>
+          <p:cNvSpPr txBox="1"/>
+          <p:nvPr/>
+        </p:nvSpPr>
+        <p:spPr>
+          <a:xfrm>
+            <a:off x="3962400" y="2738308"/>
+            <a:ext cx="2018502" cy="461665"/>
+          </a:xfrm>
+          <a:prstGeom prst="rect">
+            <a:avLst/>
+          </a:prstGeom>
+          <a:noFill/>
+        </p:spPr>
+        <p:txBody>
+          <a:bodyPr wrap="none" rtlCol="0">
+            <a:spAutoFit/>
+          </a:bodyPr>
+          <a:lstStyle/>
+          <a:p>
+            <a:pPr algn="r" rtl="1"/>
+            <a:r>
+              <a:rPr lang="fa-IR" sz="2400" dirty="0" smtClean="0">
+                <a:solidFill>
+                  <a:srgbClr val="002060"/>
+                </a:solidFill>
+                <a:cs typeface="B Nazanin" panose="00000400000000000000" pitchFamily="2" charset="-78"/>
+              </a:rPr>
+              <a:t>خروجی </a:t>
+            </a:r>
+            <a:r>
+              <a:rPr lang="en-US" sz="2400" dirty="0" smtClean="0">
+                <a:solidFill>
+                  <a:srgbClr val="002060"/>
+                </a:solidFill>
+                <a:latin typeface="Times New Roman" panose="02020603050405020304" pitchFamily="18" charset="0"/>
+                <a:cs typeface="Times New Roman" panose="02020603050405020304" pitchFamily="18" charset="0"/>
+              </a:rPr>
+              <a:t>3x3</a:t>
+            </a:r>
+            <a:r>
+              <a:rPr lang="fa-IR" sz="2400" dirty="0" smtClean="0">
+                <a:solidFill>
+                  <a:srgbClr val="002060"/>
+                </a:solidFill>
+                <a:latin typeface="Times New Roman" panose="02020603050405020304" pitchFamily="18" charset="0"/>
+                <a:cs typeface="Times New Roman" panose="02020603050405020304" pitchFamily="18" charset="0"/>
+              </a:rPr>
+              <a:t> </a:t>
+            </a:r>
+            <a:r>
+              <a:rPr lang="fa-IR" sz="2400" dirty="0" smtClean="0">
+                <a:solidFill>
+                  <a:srgbClr val="002060"/>
+                </a:solidFill>
+                <a:cs typeface="B Nazanin" panose="00000400000000000000" pitchFamily="2" charset="-78"/>
+              </a:rPr>
+              <a:t>  </a:t>
+            </a:r>
+            <a:r>
+              <a:rPr lang="fa-IR" sz="2400" dirty="0" smtClean="0">
+                <a:solidFill>
+                  <a:srgbClr val="002060"/>
+                </a:solidFill>
+                <a:cs typeface="B Nazanin" panose="00000400000000000000" pitchFamily="2" charset="-78"/>
+                <a:sym typeface="Wingdings" panose="05000000000000000000" pitchFamily="2" charset="2"/>
+              </a:rPr>
+              <a:t></a:t>
+            </a:r>
+            <a:endParaRPr lang="en-US" sz="2400" dirty="0">
+              <a:solidFill>
+                <a:srgbClr val="002060"/>
+              </a:solidFill>
+              <a:cs typeface="B Nazanin" panose="00000400000000000000" pitchFamily="2" charset="-78"/>
+            </a:endParaRPr>
+          </a:p>
+        </p:txBody>
+      </p:sp>
+      <p:sp>
+        <p:nvSpPr>
+          <p:cNvPr id="9" name="Shape 397"/>
+          <p:cNvSpPr txBox="1"/>
+          <p:nvPr/>
+        </p:nvSpPr>
+        <p:spPr>
+          <a:xfrm>
+            <a:off x="1693300" y="4162795"/>
+            <a:ext cx="664950" cy="457500"/>
+          </a:xfrm>
+          <a:prstGeom prst="rect">
+            <a:avLst/>
+          </a:prstGeom>
+          <a:noFill/>
+          <a:ln>
+            <a:noFill/>
+          </a:ln>
+        </p:spPr>
+        <p:txBody>
+          <a:bodyPr lIns="91425" tIns="91425" rIns="91425" bIns="91425" anchor="t" anchorCtr="0">
+            <a:noAutofit/>
+          </a:bodyPr>
+          <a:lstStyle/>
+          <a:p>
+            <a:pPr lvl="0">
+              <a:spcBef>
+                <a:spcPts val="0"/>
+              </a:spcBef>
+              <a:buNone/>
+            </a:pPr>
+            <a:r>
+              <a:rPr lang="en" sz="2400" dirty="0" smtClean="0">
+                <a:latin typeface="Times New Roman" panose="02020603050405020304" pitchFamily="18" charset="0"/>
+                <a:cs typeface="Times New Roman" panose="02020603050405020304" pitchFamily="18" charset="0"/>
+              </a:rPr>
+              <a:t>7x7</a:t>
+            </a:r>
+            <a:endParaRPr lang="en" sz="2400" dirty="0">
+              <a:latin typeface="Times New Roman" panose="02020603050405020304" pitchFamily="18" charset="0"/>
+              <a:cs typeface="Times New Roman" panose="02020603050405020304" pitchFamily="18" charset="0"/>
+            </a:endParaRPr>
+          </a:p>
+        </p:txBody>
+      </p:sp>
+      <p:graphicFrame>
+        <p:nvGraphicFramePr>
+          <p:cNvPr id="10" name="Shape 395"/>
+          <p:cNvGraphicFramePr/>
+          <p:nvPr>
+            <p:extLst>
+              <p:ext uri="{D42A27DB-BD31-4B8C-83A1-F6EECF244321}">
+                <p14:modId xmlns:p14="http://schemas.microsoft.com/office/powerpoint/2010/main" val="520760559"/>
+              </p:ext>
+            </p:extLst>
+          </p:nvPr>
+        </p:nvGraphicFramePr>
+        <p:xfrm>
+          <a:off x="4719650" y="3252183"/>
+          <a:ext cx="1148550" cy="1165770"/>
+        </p:xfrm>
+        <a:graphic>
+          <a:graphicData uri="http://schemas.openxmlformats.org/drawingml/2006/table">
+            <a:tbl>
+              <a:tblPr>
+                <a:noFill/>
+              </a:tblPr>
+              <a:tblGrid>
+                <a:gridCol w="382850">
+                  <a:extLst>
+                    <a:ext uri="{9D8B030D-6E8A-4147-A177-3AD203B41FA5}">
+                      <a16:colId xmlns:a16="http://schemas.microsoft.com/office/drawing/2014/main" val="20002"/>
+                    </a:ext>
+                  </a:extLst>
+                </a:gridCol>
+                <a:gridCol w="382850">
+                  <a:extLst>
+                    <a:ext uri="{9D8B030D-6E8A-4147-A177-3AD203B41FA5}">
+                      <a16:colId xmlns:a16="http://schemas.microsoft.com/office/drawing/2014/main" val="20003"/>
+                    </a:ext>
+                  </a:extLst>
+                </a:gridCol>
+                <a:gridCol w="382850">
+                  <a:extLst>
+                    <a:ext uri="{9D8B030D-6E8A-4147-A177-3AD203B41FA5}">
+                      <a16:colId xmlns:a16="http://schemas.microsoft.com/office/drawing/2014/main" val="20004"/>
+                    </a:ext>
+                  </a:extLst>
+                </a:gridCol>
+              </a:tblGrid>
+              <a:tr h="0">
+                <a:tc>
+                  <a:txBody>
+                    <a:bodyPr/>
+                    <a:lstStyle/>
+                    <a:p>
+                      <a:pPr lvl="0">
+                        <a:spcBef>
+                          <a:spcPts val="0"/>
+                        </a:spcBef>
+                        <a:buNone/>
+                      </a:pPr>
+                      <a:endParaRPr dirty="0">
+                        <a:cs typeface="B Nazanin" panose="00000400000000000000" pitchFamily="2" charset="-78"/>
+                      </a:endParaRPr>
+                    </a:p>
+                  </a:txBody>
+                  <a:tcPr marL="91425" marR="91425" marT="91425" marB="91425">
+                    <a:solidFill>
+                      <a:srgbClr val="38761D"/>
+                    </a:solidFill>
+                  </a:tcPr>
+                </a:tc>
+                <a:tc>
+                  <a:txBody>
+                    <a:bodyPr/>
+                    <a:lstStyle/>
+                    <a:p>
+                      <a:pPr lvl="0">
+                        <a:spcBef>
+                          <a:spcPts val="0"/>
+                        </a:spcBef>
+                        <a:buNone/>
+                      </a:pPr>
+                      <a:endParaRPr dirty="0">
+                        <a:cs typeface="B Nazanin" panose="00000400000000000000" pitchFamily="2" charset="-78"/>
+                      </a:endParaRPr>
+                    </a:p>
+                  </a:txBody>
+                  <a:tcPr marL="91425" marR="91425" marT="91425" marB="91425">
+                    <a:solidFill>
+                      <a:srgbClr val="38761D"/>
+                    </a:solidFill>
+                  </a:tcPr>
+                </a:tc>
+                <a:tc>
+                  <a:txBody>
+                    <a:bodyPr/>
+                    <a:lstStyle/>
+                    <a:p>
+                      <a:pPr lvl="0">
+                        <a:spcBef>
+                          <a:spcPts val="0"/>
+                        </a:spcBef>
+                        <a:buNone/>
+                      </a:pPr>
+                      <a:endParaRPr lang="en-US" dirty="0">
+                        <a:cs typeface="B Nazanin" panose="00000400000000000000" pitchFamily="2" charset="-78"/>
+                      </a:endParaRPr>
+                    </a:p>
+                  </a:txBody>
+                  <a:tcPr marL="91425" marR="91425" marT="91425" marB="91425">
+                    <a:solidFill>
+                      <a:srgbClr val="38761D"/>
+                    </a:solidFill>
+                  </a:tcPr>
+                </a:tc>
+                <a:extLst>
+                  <a:ext uri="{0D108BD9-81ED-4DB2-BD59-A6C34878D82A}">
+                    <a16:rowId xmlns:a16="http://schemas.microsoft.com/office/drawing/2014/main" val="10002"/>
+                  </a:ext>
+                </a:extLst>
+              </a:tr>
+              <a:tr h="0">
+                <a:tc>
+                  <a:txBody>
+                    <a:bodyPr/>
+                    <a:lstStyle/>
+                    <a:p>
+                      <a:pPr lvl="0">
+                        <a:spcBef>
+                          <a:spcPts val="0"/>
+                        </a:spcBef>
+                        <a:buNone/>
+                      </a:pPr>
+                      <a:endParaRPr dirty="0">
+                        <a:cs typeface="B Nazanin" panose="00000400000000000000" pitchFamily="2" charset="-78"/>
+                      </a:endParaRPr>
+                    </a:p>
+                  </a:txBody>
+                  <a:tcPr marL="91425" marR="91425" marT="91425" marB="91425">
+                    <a:solidFill>
+                      <a:srgbClr val="38761D"/>
+                    </a:solidFill>
+                  </a:tcPr>
+                </a:tc>
+                <a:tc>
+                  <a:txBody>
+                    <a:bodyPr/>
+                    <a:lstStyle/>
+                    <a:p>
+                      <a:pPr lvl="0">
+                        <a:spcBef>
+                          <a:spcPts val="0"/>
+                        </a:spcBef>
+                        <a:buNone/>
+                      </a:pPr>
+                      <a:endParaRPr dirty="0">
+                        <a:cs typeface="B Nazanin" panose="00000400000000000000" pitchFamily="2" charset="-78"/>
+                      </a:endParaRPr>
+                    </a:p>
+                  </a:txBody>
+                  <a:tcPr marL="91425" marR="91425" marT="91425" marB="91425">
+                    <a:solidFill>
+                      <a:srgbClr val="38761D"/>
+                    </a:solidFill>
+                  </a:tcPr>
+                </a:tc>
+                <a:tc>
+                  <a:txBody>
+                    <a:bodyPr/>
+                    <a:lstStyle/>
+                    <a:p>
+                      <a:pPr lvl="0">
+                        <a:spcBef>
+                          <a:spcPts val="0"/>
+                        </a:spcBef>
+                        <a:buNone/>
+                      </a:pPr>
+                      <a:endParaRPr dirty="0">
+                        <a:cs typeface="B Nazanin" panose="00000400000000000000" pitchFamily="2" charset="-78"/>
+                      </a:endParaRPr>
+                    </a:p>
+                  </a:txBody>
+                  <a:tcPr marL="91425" marR="91425" marT="91425" marB="91425">
+                    <a:solidFill>
+                      <a:srgbClr val="38761D"/>
+                    </a:solidFill>
+                  </a:tcPr>
+                </a:tc>
+                <a:extLst>
+                  <a:ext uri="{0D108BD9-81ED-4DB2-BD59-A6C34878D82A}">
+                    <a16:rowId xmlns:a16="http://schemas.microsoft.com/office/drawing/2014/main" val="10003"/>
+                  </a:ext>
+                </a:extLst>
+              </a:tr>
+              <a:tr h="0">
+                <a:tc>
+                  <a:txBody>
+                    <a:bodyPr/>
+                    <a:lstStyle/>
+                    <a:p>
+                      <a:pPr lvl="0">
+                        <a:spcBef>
+                          <a:spcPts val="0"/>
+                        </a:spcBef>
+                        <a:buNone/>
+                      </a:pPr>
+                      <a:endParaRPr dirty="0">
+                        <a:cs typeface="B Nazanin" panose="00000400000000000000" pitchFamily="2" charset="-78"/>
+                      </a:endParaRPr>
+                    </a:p>
+                  </a:txBody>
+                  <a:tcPr marL="91425" marR="91425" marT="91425" marB="91425">
+                    <a:solidFill>
+                      <a:srgbClr val="38761D"/>
+                    </a:solidFill>
+                  </a:tcPr>
+                </a:tc>
+                <a:tc>
+                  <a:txBody>
+                    <a:bodyPr/>
+                    <a:lstStyle/>
+                    <a:p>
+                      <a:pPr lvl="0">
+                        <a:spcBef>
+                          <a:spcPts val="0"/>
+                        </a:spcBef>
+                        <a:buNone/>
+                      </a:pPr>
+                      <a:endParaRPr dirty="0">
+                        <a:cs typeface="B Nazanin" panose="00000400000000000000" pitchFamily="2" charset="-78"/>
+                      </a:endParaRPr>
+                    </a:p>
+                  </a:txBody>
+                  <a:tcPr marL="91425" marR="91425" marT="91425" marB="91425">
+                    <a:solidFill>
+                      <a:srgbClr val="38761D"/>
+                    </a:solidFill>
+                  </a:tcPr>
+                </a:tc>
+                <a:tc>
+                  <a:txBody>
+                    <a:bodyPr/>
+                    <a:lstStyle/>
+                    <a:p>
+                      <a:pPr lvl="0">
+                        <a:spcBef>
+                          <a:spcPts val="0"/>
+                        </a:spcBef>
+                        <a:buNone/>
+                      </a:pPr>
+                      <a:endParaRPr dirty="0">
+                        <a:cs typeface="B Nazanin" panose="00000400000000000000" pitchFamily="2" charset="-78"/>
+                      </a:endParaRPr>
+                    </a:p>
+                  </a:txBody>
+                  <a:tcPr marL="91425" marR="91425" marT="91425" marB="91425">
+                    <a:solidFill>
+                      <a:srgbClr val="38761D"/>
+                    </a:solidFill>
+                  </a:tcPr>
+                </a:tc>
+                <a:extLst>
+                  <a:ext uri="{0D108BD9-81ED-4DB2-BD59-A6C34878D82A}">
+                    <a16:rowId xmlns:a16="http://schemas.microsoft.com/office/drawing/2014/main" val="10004"/>
+                  </a:ext>
+                </a:extLst>
+              </a:tr>
+            </a:tbl>
+          </a:graphicData>
+        </a:graphic>
+      </p:graphicFrame>
+      <p:graphicFrame>
+        <p:nvGraphicFramePr>
+          <p:cNvPr id="11" name="Shape 395"/>
+          <p:cNvGraphicFramePr/>
+          <p:nvPr>
+            <p:extLst>
+              <p:ext uri="{D42A27DB-BD31-4B8C-83A1-F6EECF244321}">
+                <p14:modId xmlns:p14="http://schemas.microsoft.com/office/powerpoint/2010/main" val="1492458266"/>
               </p:ext>
             </p:extLst>
           </p:nvPr>
@@ -18931,6 +20485,28 @@
                       </a:endParaRPr>
                     </a:p>
                   </a:txBody>
+                  <a:tcPr marL="91425" marR="91425" marT="91425" marB="91425">
+                    <a:solidFill>
+                      <a:srgbClr val="38761D"/>
+                    </a:solidFill>
+                  </a:tcPr>
+                </a:tc>
+                <a:tc>
+                  <a:txBody>
+                    <a:bodyPr/>
+                    <a:lstStyle/>
+                    <a:p>
+                      <a:pPr lvl="0">
+                        <a:spcBef>
+                          <a:spcPts val="0"/>
+                        </a:spcBef>
+                        <a:buNone/>
+                      </a:pPr>
+                      <a:endParaRPr dirty="0">
+                        <a:cs typeface="B Nazanin" panose="00000400000000000000" pitchFamily="2" charset="-78"/>
+                      </a:endParaRPr>
+                    </a:p>
+                  </a:txBody>
                   <a:tcPr marL="91425" marR="91425" marT="91425" marB="91425"/>
                 </a:tc>
                 <a:tc>
@@ -18949,6 +20525,28 @@
                       </a:endParaRPr>
                     </a:p>
                   </a:txBody>
+                  <a:tcPr marL="91425" marR="91425" marT="91425" marB="91425">
+                    <a:solidFill>
+                      <a:srgbClr val="38761D"/>
+                    </a:solidFill>
+                  </a:tcPr>
+                </a:tc>
+                <a:tc>
+                  <a:txBody>
+                    <a:bodyPr/>
+                    <a:lstStyle/>
+                    <a:p>
+                      <a:pPr lvl="0">
+                        <a:spcBef>
+                          <a:spcPts val="0"/>
+                        </a:spcBef>
+                        <a:buNone/>
+                      </a:pPr>
+                      <a:endParaRPr dirty="0">
+                        <a:cs typeface="B Nazanin" panose="00000400000000000000" pitchFamily="2" charset="-78"/>
+                      </a:endParaRPr>
+                    </a:p>
+                  </a:txBody>
                   <a:tcPr marL="91425" marR="91425" marT="91425" marB="91425"/>
                 </a:tc>
                 <a:tc>
@@ -18967,43 +20565,11 @@
                       </a:endParaRPr>
                     </a:p>
                   </a:txBody>
-                  <a:tcPr marL="91425" marR="91425" marT="91425" marB="91425"/>
-                </a:tc>
-                <a:tc>
-                  <a:txBody>
-                    <a:bodyPr/>
-                    <a:lstStyle/>
-                    <a:p>
-                      <a:pPr lvl="0">
-                        <a:spcBef>
-                          <a:spcPts val="0"/>
-                        </a:spcBef>
-                        <a:buNone/>
-                      </a:pPr>
-                      <a:endParaRPr dirty="0">
-                        <a:cs typeface="B Nazanin" panose="00000400000000000000" pitchFamily="2" charset="-78"/>
-                      </a:endParaRPr>
-                    </a:p>
-                  </a:txBody>
-                  <a:tcPr marL="91425" marR="91425" marT="91425" marB="91425"/>
-                </a:tc>
-                <a:tc>
-                  <a:txBody>
-                    <a:bodyPr/>
-                    <a:lstStyle/>
-                    <a:p>
-                      <a:pPr lvl="0">
-                        <a:spcBef>
-                          <a:spcPts val="0"/>
-                        </a:spcBef>
-                        <a:buNone/>
-                      </a:pPr>
-                      <a:endParaRPr dirty="0">
-                        <a:cs typeface="B Nazanin" panose="00000400000000000000" pitchFamily="2" charset="-78"/>
-                      </a:endParaRPr>
-                    </a:p>
-                  </a:txBody>
-                  <a:tcPr marL="91425" marR="91425" marT="91425" marB="91425"/>
+                  <a:tcPr marL="91425" marR="91425" marT="91425" marB="91425">
+                    <a:solidFill>
+                      <a:srgbClr val="38761D"/>
+                    </a:solidFill>
+                  </a:tcPr>
                 </a:tc>
                 <a:tc>
                   <a:txBody>
@@ -19197,6 +20763,28 @@
                       </a:endParaRPr>
                     </a:p>
                   </a:txBody>
+                  <a:tcPr marL="91425" marR="91425" marT="91425" marB="91425">
+                    <a:solidFill>
+                      <a:srgbClr val="38761D"/>
+                    </a:solidFill>
+                  </a:tcPr>
+                </a:tc>
+                <a:tc>
+                  <a:txBody>
+                    <a:bodyPr/>
+                    <a:lstStyle/>
+                    <a:p>
+                      <a:pPr lvl="0">
+                        <a:spcBef>
+                          <a:spcPts val="0"/>
+                        </a:spcBef>
+                        <a:buNone/>
+                      </a:pPr>
+                      <a:endParaRPr dirty="0">
+                        <a:cs typeface="B Nazanin" panose="00000400000000000000" pitchFamily="2" charset="-78"/>
+                      </a:endParaRPr>
+                    </a:p>
+                  </a:txBody>
                   <a:tcPr marL="91425" marR="91425" marT="91425" marB="91425"/>
                 </a:tc>
                 <a:tc>
@@ -19215,6 +20803,28 @@
                       </a:endParaRPr>
                     </a:p>
                   </a:txBody>
+                  <a:tcPr marL="91425" marR="91425" marT="91425" marB="91425">
+                    <a:solidFill>
+                      <a:srgbClr val="38761D"/>
+                    </a:solidFill>
+                  </a:tcPr>
+                </a:tc>
+                <a:tc>
+                  <a:txBody>
+                    <a:bodyPr/>
+                    <a:lstStyle/>
+                    <a:p>
+                      <a:pPr lvl="0">
+                        <a:spcBef>
+                          <a:spcPts val="0"/>
+                        </a:spcBef>
+                        <a:buNone/>
+                      </a:pPr>
+                      <a:endParaRPr dirty="0">
+                        <a:cs typeface="B Nazanin" panose="00000400000000000000" pitchFamily="2" charset="-78"/>
+                      </a:endParaRPr>
+                    </a:p>
+                  </a:txBody>
                   <a:tcPr marL="91425" marR="91425" marT="91425" marB="91425"/>
                 </a:tc>
                 <a:tc>
@@ -19233,43 +20843,11 @@
                       </a:endParaRPr>
                     </a:p>
                   </a:txBody>
-                  <a:tcPr marL="91425" marR="91425" marT="91425" marB="91425"/>
-                </a:tc>
-                <a:tc>
-                  <a:txBody>
-                    <a:bodyPr/>
-                    <a:lstStyle/>
-                    <a:p>
-                      <a:pPr lvl="0">
-                        <a:spcBef>
-                          <a:spcPts val="0"/>
-                        </a:spcBef>
-                        <a:buNone/>
-                      </a:pPr>
-                      <a:endParaRPr dirty="0">
-                        <a:cs typeface="B Nazanin" panose="00000400000000000000" pitchFamily="2" charset="-78"/>
-                      </a:endParaRPr>
-                    </a:p>
-                  </a:txBody>
-                  <a:tcPr marL="91425" marR="91425" marT="91425" marB="91425"/>
-                </a:tc>
-                <a:tc>
-                  <a:txBody>
-                    <a:bodyPr/>
-                    <a:lstStyle/>
-                    <a:p>
-                      <a:pPr lvl="0">
-                        <a:spcBef>
-                          <a:spcPts val="0"/>
-                        </a:spcBef>
-                        <a:buNone/>
-                      </a:pPr>
-                      <a:endParaRPr dirty="0">
-                        <a:cs typeface="B Nazanin" panose="00000400000000000000" pitchFamily="2" charset="-78"/>
-                      </a:endParaRPr>
-                    </a:p>
-                  </a:txBody>
-                  <a:tcPr marL="91425" marR="91425" marT="91425" marB="91425"/>
+                  <a:tcPr marL="91425" marR="91425" marT="91425" marB="91425">
+                    <a:solidFill>
+                      <a:srgbClr val="38761D"/>
+                    </a:solidFill>
+                  </a:tcPr>
                 </a:tc>
                 <a:tc>
                   <a:txBody>
@@ -19432,168 +21010,6 @@
           </a:graphicData>
         </a:graphic>
       </p:graphicFrame>
-      <p:sp>
-        <p:nvSpPr>
-          <p:cNvPr id="6" name="Shape 397"/>
-          <p:cNvSpPr txBox="1"/>
-          <p:nvPr/>
-        </p:nvSpPr>
-        <p:spPr>
-          <a:xfrm>
-            <a:off x="1776398" y="813642"/>
-            <a:ext cx="548699" cy="457500"/>
-          </a:xfrm>
-          <a:prstGeom prst="rect">
-            <a:avLst/>
-          </a:prstGeom>
-          <a:noFill/>
-          <a:ln>
-            <a:noFill/>
-          </a:ln>
-        </p:spPr>
-        <p:txBody>
-          <a:bodyPr lIns="91425" tIns="91425" rIns="91425" bIns="91425" anchor="t" anchorCtr="0">
-            <a:noAutofit/>
-          </a:bodyPr>
-          <a:lstStyle/>
-          <a:p>
-            <a:pPr lvl="0">
-              <a:spcBef>
-                <a:spcPts val="0"/>
-              </a:spcBef>
-              <a:buNone/>
-            </a:pPr>
-            <a:r>
-              <a:rPr lang="en" sz="2400" dirty="0">
-                <a:latin typeface="Times New Roman" panose="02020603050405020304" pitchFamily="18" charset="0"/>
-                <a:cs typeface="Times New Roman" panose="02020603050405020304" pitchFamily="18" charset="0"/>
-              </a:rPr>
-              <a:t>7</a:t>
-            </a:r>
-          </a:p>
-        </p:txBody>
-      </p:sp>
-      <p:sp>
-        <p:nvSpPr>
-          <p:cNvPr id="7" name="Shape 398"/>
-          <p:cNvSpPr txBox="1"/>
-          <p:nvPr/>
-        </p:nvSpPr>
-        <p:spPr>
-          <a:xfrm>
-            <a:off x="3481923" y="2683242"/>
-            <a:ext cx="587100" cy="285899"/>
-          </a:xfrm>
-          <a:prstGeom prst="rect">
-            <a:avLst/>
-          </a:prstGeom>
-          <a:noFill/>
-          <a:ln>
-            <a:noFill/>
-          </a:ln>
-        </p:spPr>
-        <p:txBody>
-          <a:bodyPr lIns="91425" tIns="91425" rIns="91425" bIns="91425" anchor="t" anchorCtr="0">
-            <a:noAutofit/>
-          </a:bodyPr>
-          <a:lstStyle/>
-          <a:p>
-            <a:pPr lvl="0">
-              <a:spcBef>
-                <a:spcPts val="0"/>
-              </a:spcBef>
-              <a:buNone/>
-            </a:pPr>
-            <a:r>
-              <a:rPr lang="en" sz="2400" dirty="0">
-                <a:latin typeface="Times New Roman" panose="02020603050405020304" pitchFamily="18" charset="0"/>
-                <a:cs typeface="Times New Roman" panose="02020603050405020304" pitchFamily="18" charset="0"/>
-              </a:rPr>
-              <a:t>7</a:t>
-            </a:r>
-          </a:p>
-        </p:txBody>
-      </p:sp>
-      <p:sp>
-        <p:nvSpPr>
-          <p:cNvPr id="8" name="TextBox 7"/>
-          <p:cNvSpPr txBox="1"/>
-          <p:nvPr/>
-        </p:nvSpPr>
-        <p:spPr>
-          <a:xfrm>
-            <a:off x="3962400" y="2738308"/>
-            <a:ext cx="2018502" cy="461665"/>
-          </a:xfrm>
-          <a:prstGeom prst="rect">
-            <a:avLst/>
-          </a:prstGeom>
-          <a:noFill/>
-        </p:spPr>
-        <p:txBody>
-          <a:bodyPr wrap="none" rtlCol="0">
-            <a:spAutoFit/>
-          </a:bodyPr>
-          <a:lstStyle/>
-          <a:p>
-            <a:pPr algn="r" rtl="1"/>
-            <a:r>
-              <a:rPr lang="fa-IR" sz="2400" dirty="0" smtClean="0">
-                <a:solidFill>
-                  <a:srgbClr val="002060"/>
-                </a:solidFill>
-                <a:cs typeface="B Nazanin" panose="00000400000000000000" pitchFamily="2" charset="-78"/>
-              </a:rPr>
-              <a:t>خروجی </a:t>
-            </a:r>
-            <a:r>
-              <a:rPr lang="en-US" sz="2400" dirty="0" smtClean="0">
-                <a:solidFill>
-                  <a:srgbClr val="002060"/>
-                </a:solidFill>
-                <a:latin typeface="Times New Roman" panose="02020603050405020304" pitchFamily="18" charset="0"/>
-                <a:cs typeface="Times New Roman" panose="02020603050405020304" pitchFamily="18" charset="0"/>
-              </a:rPr>
-              <a:t>3x3</a:t>
-            </a:r>
-            <a:r>
-              <a:rPr lang="fa-IR" sz="2400" dirty="0" smtClean="0">
-                <a:solidFill>
-                  <a:srgbClr val="002060"/>
-                </a:solidFill>
-                <a:latin typeface="Times New Roman" panose="02020603050405020304" pitchFamily="18" charset="0"/>
-                <a:cs typeface="Times New Roman" panose="02020603050405020304" pitchFamily="18" charset="0"/>
-              </a:rPr>
-              <a:t> </a:t>
-            </a:r>
-            <a:r>
-              <a:rPr lang="fa-IR" sz="2400" dirty="0" smtClean="0">
-                <a:solidFill>
-                  <a:srgbClr val="002060"/>
-                </a:solidFill>
-                <a:cs typeface="B Nazanin" panose="00000400000000000000" pitchFamily="2" charset="-78"/>
-              </a:rPr>
-              <a:t>  </a:t>
-            </a:r>
-            <a:r>
-              <a:rPr lang="fa-IR" sz="2400" dirty="0" smtClean="0">
-                <a:solidFill>
-                  <a:srgbClr val="002060"/>
-                </a:solidFill>
-                <a:cs typeface="B Nazanin" panose="00000400000000000000" pitchFamily="2" charset="-78"/>
-                <a:sym typeface="Wingdings" panose="05000000000000000000" pitchFamily="2" charset="2"/>
-              </a:rPr>
-              <a:t></a:t>
-            </a:r>
-            <a:endParaRPr lang="en-US" sz="2400" dirty="0">
-              <a:solidFill>
-                <a:srgbClr val="002060"/>
-              </a:solidFill>
-              <a:cs typeface="B Nazanin" panose="00000400000000000000" pitchFamily="2" charset="-78"/>
-            </a:endParaRPr>
-          </a:p>
-        </p:txBody>
-      </p:sp>
     </p:spTree>
     <p:extLst>
       <p:ext uri="{BB962C8B-B14F-4D97-AF65-F5344CB8AC3E}">
@@ -19668,6 +21084,59 @@
                       </p:childTnLst>
                     </p:cTn>
                   </p:par>
+                  <p:par>
+                    <p:cTn id="8" fill="hold">
+                      <p:stCondLst>
+                        <p:cond delay="indefinite"/>
+                      </p:stCondLst>
+                      <p:childTnLst>
+                        <p:par>
+                          <p:cTn id="9" fill="hold">
+                            <p:stCondLst>
+                              <p:cond delay="0"/>
+                            </p:stCondLst>
+                            <p:childTnLst>
+                              <p:par>
+                                <p:cTn id="10" presetID="22" presetClass="entr" presetSubtype="1" fill="hold" nodeType="clickEffect">
+                                  <p:stCondLst>
+                                    <p:cond delay="0"/>
+                                  </p:stCondLst>
+                                  <p:childTnLst>
+                                    <p:set>
+                                      <p:cBhvr>
+                                        <p:cTn id="11" dur="1" fill="hold">
+                                          <p:stCondLst>
+                                            <p:cond delay="0"/>
+                                          </p:stCondLst>
+                                        </p:cTn>
+                                        <p:tgtEl>
+                                          <p:spTgt spid="10"/>
+                                        </p:tgtEl>
+                                        <p:attrNameLst>
+                                          <p:attrName>style.visibility</p:attrName>
+                                        </p:attrNameLst>
+                                      </p:cBhvr>
+                                      <p:to>
+                                        <p:strVal val="visible"/>
+                                      </p:to>
+                                    </p:set>
+                                    <p:animEffect transition="in" filter="wipe(up)">
+                                      <p:cBhvr>
+                                        <p:cTn id="12" dur="500"/>
+                                        <p:tgtEl>
+                                          <p:spTgt spid="10"/>
+                                        </p:tgtEl>
+                                      </p:cBhvr>
+                                    </p:animEffect>
+                                  </p:childTnLst>
+                                </p:cTn>
+                              </p:par>
+                            </p:childTnLst>
+                          </p:cTn>
+                        </p:par>
+                      </p:childTnLst>
+                    </p:cTn>
+                  </p:par>
                 </p:childTnLst>
               </p:cTn>
               <p:prevCondLst>
@@ -19696,7 +21165,7 @@
 </p:sld>
 </file>
 
-<file path=ppt/slides/slide21.xml><?xml version="1.0" encoding="utf-8"?>
+<file path=ppt/slides/slide22.xml><?xml version="1.0" encoding="utf-8"?>
 <p:sld xmlns:a="http://schemas.openxmlformats.org/drawingml/2006/main" xmlns:r="http://schemas.openxmlformats.org/officeDocument/2006/relationships" xmlns:p="http://schemas.openxmlformats.org/presentationml/2006/main">
   <p:cSld>
     <p:spTree>
@@ -19829,7 +21298,7 @@
             <a:fld id="{629637A9-119A-49DA-BD12-AAC58B377D80}" type="slidenum">
               <a:rPr lang="en-US" smtClean="0"/>
               <a:pPr/>
-              <a:t>21</a:t>
+              <a:t>22</a:t>
             </a:fld>
             <a:endParaRPr lang="en-US" dirty="0"/>
           </a:p>
@@ -21185,7 +22654,7 @@
 </p:sld>
 </file>
 
-<file path=ppt/slides/slide22.xml><?xml version="1.0" encoding="utf-8"?>
+<file path=ppt/slides/slide23.xml><?xml version="1.0" encoding="utf-8"?>
 <p:sld xmlns:a="http://schemas.openxmlformats.org/drawingml/2006/main" xmlns:r="http://schemas.openxmlformats.org/officeDocument/2006/relationships" xmlns:p="http://schemas.openxmlformats.org/presentationml/2006/main">
   <p:cSld>
     <p:spTree>
@@ -21354,7 +22823,7 @@
             <a:fld id="{629637A9-119A-49DA-BD12-AAC58B377D80}" type="slidenum">
               <a:rPr lang="en-US" smtClean="0"/>
               <a:pPr/>
-              <a:t>22</a:t>
+              <a:t>23</a:t>
             </a:fld>
             <a:endParaRPr lang="en-US" dirty="0"/>
           </a:p>
@@ -21848,7 +23317,7 @@
 </p:sld>
 </file>
 
-<file path=ppt/slides/slide23.xml><?xml version="1.0" encoding="utf-8"?>
+<file path=ppt/slides/slide24.xml><?xml version="1.0" encoding="utf-8"?>
 <p:sld xmlns:a="http://schemas.openxmlformats.org/drawingml/2006/main" xmlns:r="http://schemas.openxmlformats.org/officeDocument/2006/relationships" xmlns:p="http://schemas.openxmlformats.org/presentationml/2006/main">
   <p:cSld>
     <p:spTree>
@@ -21911,7 +23380,7 @@
             <a:fld id="{629637A9-119A-49DA-BD12-AAC58B377D80}" type="slidenum">
               <a:rPr lang="en-US" smtClean="0"/>
               <a:pPr/>
-              <a:t>23</a:t>
+              <a:t>24</a:t>
             </a:fld>
             <a:endParaRPr lang="en-US" dirty="0"/>
           </a:p>
@@ -22052,7 +23521,7 @@
 </p:sld>
 </file>
 
-<file path=ppt/slides/slide24.xml><?xml version="1.0" encoding="utf-8"?>
+<file path=ppt/slides/slide25.xml><?xml version="1.0" encoding="utf-8"?>
 <p:sld xmlns:a="http://schemas.openxmlformats.org/drawingml/2006/main" xmlns:r="http://schemas.openxmlformats.org/officeDocument/2006/relationships" xmlns:p="http://schemas.openxmlformats.org/presentationml/2006/main">
   <p:cSld>
     <p:spTree>
@@ -22253,7 +23722,7 @@
             <a:fld id="{629637A9-119A-49DA-BD12-AAC58B377D80}" type="slidenum">
               <a:rPr lang="en-US" smtClean="0"/>
               <a:pPr/>
-              <a:t>24</a:t>
+              <a:t>25</a:t>
             </a:fld>
             <a:endParaRPr lang="en-US" dirty="0"/>
           </a:p>
@@ -22671,7 +24140,7 @@
 </p:sld>
 </file>
 
-<file path=ppt/slides/slide25.xml><?xml version="1.0" encoding="utf-8"?>
+<file path=ppt/slides/slide26.xml><?xml version="1.0" encoding="utf-8"?>
 <p:sld xmlns:a="http://schemas.openxmlformats.org/drawingml/2006/main" xmlns:r="http://schemas.openxmlformats.org/officeDocument/2006/relationships" xmlns:p="http://schemas.openxmlformats.org/presentationml/2006/main">
   <p:cSld>
     <p:spTree>
@@ -22830,7 +24299,7 @@
             <a:fld id="{629637A9-119A-49DA-BD12-AAC58B377D80}" type="slidenum">
               <a:rPr lang="en-US" smtClean="0"/>
               <a:pPr/>
-              <a:t>25</a:t>
+              <a:t>26</a:t>
             </a:fld>
             <a:endParaRPr lang="en-US" dirty="0"/>
           </a:p>
@@ -23015,7 +24484,7 @@
 </p:sld>
 </file>
 
-<file path=ppt/slides/slide26.xml><?xml version="1.0" encoding="utf-8"?>
+<file path=ppt/slides/slide27.xml><?xml version="1.0" encoding="utf-8"?>
 <p:sld xmlns:a="http://schemas.openxmlformats.org/drawingml/2006/main" xmlns:r="http://schemas.openxmlformats.org/officeDocument/2006/relationships" xmlns:p="http://schemas.openxmlformats.org/presentationml/2006/main">
   <p:cSld>
     <p:spTree>
@@ -23125,7 +24594,7 @@
             <a:fld id="{629637A9-119A-49DA-BD12-AAC58B377D80}" type="slidenum">
               <a:rPr lang="en-US" smtClean="0"/>
               <a:pPr/>
-              <a:t>26</a:t>
+              <a:t>27</a:t>
             </a:fld>
             <a:endParaRPr lang="en-US" dirty="0"/>
           </a:p>
@@ -23492,7 +24961,7 @@
 </p:sld>
 </file>
 
-<file path=ppt/slides/slide27.xml><?xml version="1.0" encoding="utf-8"?>
+<file path=ppt/slides/slide28.xml><?xml version="1.0" encoding="utf-8"?>
 <p:sld xmlns:a="http://schemas.openxmlformats.org/drawingml/2006/main" xmlns:r="http://schemas.openxmlformats.org/officeDocument/2006/relationships" xmlns:p="http://schemas.openxmlformats.org/presentationml/2006/main">
   <p:cSld>
     <p:spTree>
@@ -23602,7 +25071,7 @@
             <a:fld id="{629637A9-119A-49DA-BD12-AAC58B377D80}" type="slidenum">
               <a:rPr lang="en-US" smtClean="0"/>
               <a:pPr/>
-              <a:t>27</a:t>
+              <a:t>28</a:t>
             </a:fld>
             <a:endParaRPr lang="en-US" dirty="0"/>
           </a:p>
@@ -23800,7 +25269,7 @@
 </p:sld>
 </file>
 
-<file path=ppt/slides/slide28.xml><?xml version="1.0" encoding="utf-8"?>
+<file path=ppt/slides/slide29.xml><?xml version="1.0" encoding="utf-8"?>
 <p:sld xmlns:a="http://schemas.openxmlformats.org/drawingml/2006/main" xmlns:r="http://schemas.openxmlformats.org/officeDocument/2006/relationships" xmlns:p="http://schemas.openxmlformats.org/presentationml/2006/main">
   <p:cSld>
     <p:spTree>
@@ -23960,7 +25429,7 @@
             <a:fld id="{629637A9-119A-49DA-BD12-AAC58B377D80}" type="slidenum">
               <a:rPr lang="en-US" smtClean="0"/>
               <a:pPr/>
-              <a:t>28</a:t>
+              <a:t>29</a:t>
             </a:fld>
             <a:endParaRPr lang="en-US" dirty="0"/>
           </a:p>
@@ -24468,7 +25937,7 @@
 </p:sld>
 </file>
 
-<file path=ppt/slides/slide29.xml><?xml version="1.0" encoding="utf-8"?>
+<file path=ppt/slides/slide3.xml><?xml version="1.0" encoding="utf-8"?>
 <p:sld xmlns:a="http://schemas.openxmlformats.org/drawingml/2006/main" xmlns:r="http://schemas.openxmlformats.org/officeDocument/2006/relationships" xmlns:p="http://schemas.openxmlformats.org/presentationml/2006/main">
   <p:cSld>
     <p:spTree>
@@ -24503,6 +25972,390 @@
             <a:pPr rtl="1"/>
             <a:r>
               <a:rPr lang="fa-IR" dirty="0" smtClean="0"/>
+              <a:t>شبکه </a:t>
+            </a:r>
+            <a:r>
+              <a:rPr lang="en-US" dirty="0" smtClean="0"/>
+              <a:t>CNN</a:t>
+            </a:r>
+            <a:endParaRPr lang="en-US" dirty="0"/>
+          </a:p>
+        </p:txBody>
+      </p:sp>
+      <p:sp>
+        <p:nvSpPr>
+          <p:cNvPr id="3" name="Content Placeholder 2"/>
+          <p:cNvSpPr>
+            <a:spLocks noGrp="1"/>
+          </p:cNvSpPr>
+          <p:nvPr>
+            <p:ph idx="1"/>
+          </p:nvPr>
+        </p:nvSpPr>
+        <p:spPr>
+          <a:xfrm>
+            <a:off x="1219200" y="1238538"/>
+            <a:ext cx="7200900" cy="2686050"/>
+          </a:xfrm>
+        </p:spPr>
+        <p:txBody>
+          <a:bodyPr>
+            <a:normAutofit/>
+          </a:bodyPr>
+          <a:lstStyle/>
+          <a:p>
+            <a:pPr algn="r" rtl="1"/>
+            <a:r>
+              <a:rPr lang="fa-IR" sz="2400" dirty="0" smtClean="0">
+                <a:solidFill>
+                  <a:srgbClr val="002060"/>
+                </a:solidFill>
+              </a:rPr>
+              <a:t>اولین نمونه موفق</a:t>
+            </a:r>
+            <a:endParaRPr lang="en-US" sz="2400" dirty="0">
+              <a:solidFill>
+                <a:srgbClr val="002060"/>
+              </a:solidFill>
+            </a:endParaRPr>
+          </a:p>
+        </p:txBody>
+      </p:sp>
+      <p:sp>
+        <p:nvSpPr>
+          <p:cNvPr id="4" name="Slide Number Placeholder 3"/>
+          <p:cNvSpPr>
+            <a:spLocks noGrp="1"/>
+          </p:cNvSpPr>
+          <p:nvPr>
+            <p:ph type="sldNum" sz="quarter" idx="12"/>
+          </p:nvPr>
+        </p:nvSpPr>
+        <p:spPr/>
+        <p:txBody>
+          <a:bodyPr/>
+          <a:lstStyle/>
+          <a:p>
+            <a:fld id="{629637A9-119A-49DA-BD12-AAC58B377D80}" type="slidenum">
+              <a:rPr lang="en-US" smtClean="0"/>
+              <a:pPr/>
+              <a:t>3</a:t>
+            </a:fld>
+            <a:endParaRPr lang="en-US" dirty="0"/>
+          </a:p>
+        </p:txBody>
+      </p:sp>
+      <p:pic>
+        <p:nvPicPr>
+          <p:cNvPr id="5" name="Shape 107"/>
+          <p:cNvPicPr preferRelativeResize="0"/>
+          <p:nvPr/>
+        </p:nvPicPr>
+        <p:blipFill>
+          <a:blip r:embed="rId2">
+            <a:alphaModFix/>
+          </a:blip>
+          <a:stretch>
+            <a:fillRect/>
+          </a:stretch>
+        </p:blipFill>
+        <p:spPr>
+          <a:xfrm>
+            <a:off x="559468" y="1962150"/>
+            <a:ext cx="8025063" cy="2209800"/>
+          </a:xfrm>
+          <a:prstGeom prst="rect">
+            <a:avLst/>
+          </a:prstGeom>
+          <a:noFill/>
+          <a:ln>
+            <a:noFill/>
+          </a:ln>
+        </p:spPr>
+      </p:pic>
+      <p:sp>
+        <p:nvSpPr>
+          <p:cNvPr id="6" name="Shape 108"/>
+          <p:cNvSpPr txBox="1"/>
+          <p:nvPr/>
+        </p:nvSpPr>
+        <p:spPr>
+          <a:xfrm>
+            <a:off x="6858000" y="4379887"/>
+            <a:ext cx="2033225" cy="321599"/>
+          </a:xfrm>
+          <a:prstGeom prst="rect">
+            <a:avLst/>
+          </a:prstGeom>
+          <a:noFill/>
+          <a:ln>
+            <a:noFill/>
+          </a:ln>
+        </p:spPr>
+        <p:txBody>
+          <a:bodyPr lIns="91425" tIns="91425" rIns="91425" bIns="91425" anchor="t" anchorCtr="0">
+            <a:noAutofit/>
+          </a:bodyPr>
+          <a:lstStyle/>
+          <a:p>
+            <a:pPr lvl="0" rtl="0">
+              <a:spcBef>
+                <a:spcPts val="0"/>
+              </a:spcBef>
+              <a:buNone/>
+            </a:pPr>
+            <a:r>
+              <a:rPr lang="en" sz="1400" dirty="0">
+                <a:latin typeface="Times New Roman" panose="02020603050405020304" pitchFamily="18" charset="0"/>
+                <a:cs typeface="Times New Roman" panose="02020603050405020304" pitchFamily="18" charset="0"/>
+              </a:rPr>
+              <a:t>[LeNet-5, </a:t>
+            </a:r>
+            <a:r>
+              <a:rPr lang="en" sz="1400" dirty="0" smtClean="0">
+                <a:latin typeface="Times New Roman" panose="02020603050405020304" pitchFamily="18" charset="0"/>
+                <a:cs typeface="Times New Roman" panose="02020603050405020304" pitchFamily="18" charset="0"/>
+              </a:rPr>
+              <a:t>Yann LeCun]</a:t>
+            </a:r>
+            <a:endParaRPr lang="en" sz="1400" dirty="0">
+              <a:latin typeface="Times New Roman" panose="02020603050405020304" pitchFamily="18" charset="0"/>
+              <a:cs typeface="Times New Roman" panose="02020603050405020304" pitchFamily="18" charset="0"/>
+            </a:endParaRPr>
+          </a:p>
+        </p:txBody>
+      </p:sp>
+    </p:spTree>
+    <p:extLst>
+      <p:ext uri="{BB962C8B-B14F-4D97-AF65-F5344CB8AC3E}">
+        <p14:creationId xmlns:p14="http://schemas.microsoft.com/office/powerpoint/2010/main" val="1667066931"/>
+      </p:ext>
+    </p:extLst>
+  </p:cSld>
+  <p:clrMapOvr>
+    <a:masterClrMapping/>
+  </p:clrMapOvr>
+  <p:timing>
+    <p:tnLst>
+      <p:par>
+        <p:cTn id="1" dur="indefinite" restart="never" nodeType="tmRoot">
+          <p:childTnLst>
+            <p:seq concurrent="1" nextAc="seek">
+              <p:cTn id="2" dur="indefinite" nodeType="mainSeq">
+                <p:childTnLst>
+                  <p:par>
+                    <p:cTn id="3" fill="hold">
+                      <p:stCondLst>
+                        <p:cond delay="indefinite"/>
+                      </p:stCondLst>
+                      <p:childTnLst>
+                        <p:par>
+                          <p:cTn id="4" fill="hold">
+                            <p:stCondLst>
+                              <p:cond delay="0"/>
+                            </p:stCondLst>
+                            <p:childTnLst>
+                              <p:par>
+                                <p:cTn id="5" presetID="10" presetClass="entr" presetSubtype="0" fill="hold" grpId="0" nodeType="clickEffect">
+                                  <p:stCondLst>
+                                    <p:cond delay="0"/>
+                                  </p:stCondLst>
+                                  <p:childTnLst>
+                                    <p:set>
+                                      <p:cBhvr>
+                                        <p:cTn id="6" dur="1" fill="hold">
+                                          <p:stCondLst>
+                                            <p:cond delay="0"/>
+                                          </p:stCondLst>
+                                        </p:cTn>
+                                        <p:tgtEl>
+                                          <p:spTgt spid="3">
+                                            <p:txEl>
+                                              <p:pRg st="0" end="0"/>
+                                            </p:txEl>
+                                          </p:spTgt>
+                                        </p:tgtEl>
+                                        <p:attrNameLst>
+                                          <p:attrName>style.visibility</p:attrName>
+                                        </p:attrNameLst>
+                                      </p:cBhvr>
+                                      <p:to>
+                                        <p:strVal val="visible"/>
+                                      </p:to>
+                                    </p:set>
+                                    <p:animEffect transition="in" filter="fade">
+                                      <p:cBhvr>
+                                        <p:cTn id="7" dur="500"/>
+                                        <p:tgtEl>
+                                          <p:spTgt spid="3">
+                                            <p:txEl>
+                                              <p:pRg st="0" end="0"/>
+                                            </p:txEl>
+                                          </p:spTgt>
+                                        </p:tgtEl>
+                                      </p:cBhvr>
+                                    </p:animEffect>
+                                  </p:childTnLst>
+                                </p:cTn>
+                              </p:par>
+                            </p:childTnLst>
+                          </p:cTn>
+                        </p:par>
+                        <p:par>
+                          <p:cTn id="8" fill="hold">
+                            <p:stCondLst>
+                              <p:cond delay="500"/>
+                            </p:stCondLst>
+                            <p:childTnLst>
+                              <p:par>
+                                <p:cTn id="9" presetID="10" presetClass="entr" presetSubtype="0" fill="hold" nodeType="afterEffect">
+                                  <p:stCondLst>
+                                    <p:cond delay="0"/>
+                                  </p:stCondLst>
+                                  <p:childTnLst>
+                                    <p:set>
+                                      <p:cBhvr>
+                                        <p:cTn id="10" dur="1" fill="hold">
+                                          <p:stCondLst>
+                                            <p:cond delay="0"/>
+                                          </p:stCondLst>
+                                        </p:cTn>
+                                        <p:tgtEl>
+                                          <p:spTgt spid="5"/>
+                                        </p:tgtEl>
+                                        <p:attrNameLst>
+                                          <p:attrName>style.visibility</p:attrName>
+                                        </p:attrNameLst>
+                                      </p:cBhvr>
+                                      <p:to>
+                                        <p:strVal val="visible"/>
+                                      </p:to>
+                                    </p:set>
+                                    <p:animEffect transition="in" filter="fade">
+                                      <p:cBhvr>
+                                        <p:cTn id="11" dur="500"/>
+                                        <p:tgtEl>
+                                          <p:spTgt spid="5"/>
+                                        </p:tgtEl>
+                                      </p:cBhvr>
+                                    </p:animEffect>
+                                  </p:childTnLst>
+                                </p:cTn>
+                              </p:par>
+                            </p:childTnLst>
+                          </p:cTn>
+                        </p:par>
+                        <p:par>
+                          <p:cTn id="12" fill="hold">
+                            <p:stCondLst>
+                              <p:cond delay="1000"/>
+                            </p:stCondLst>
+                            <p:childTnLst>
+                              <p:par>
+                                <p:cTn id="13" presetID="10" presetClass="entr" presetSubtype="0" fill="hold" grpId="0" nodeType="afterEffect">
+                                  <p:stCondLst>
+                                    <p:cond delay="0"/>
+                                  </p:stCondLst>
+                                  <p:childTnLst>
+                                    <p:set>
+                                      <p:cBhvr>
+                                        <p:cTn id="14" dur="1" fill="hold">
+                                          <p:stCondLst>
+                                            <p:cond delay="0"/>
+                                          </p:stCondLst>
+                                        </p:cTn>
+                                        <p:tgtEl>
+                                          <p:spTgt spid="6"/>
+                                        </p:tgtEl>
+                                        <p:attrNameLst>
+                                          <p:attrName>style.visibility</p:attrName>
+                                        </p:attrNameLst>
+                                      </p:cBhvr>
+                                      <p:to>
+                                        <p:strVal val="visible"/>
+                                      </p:to>
+                                    </p:set>
+                                    <p:animEffect transition="in" filter="fade">
+                                      <p:cBhvr>
+                                        <p:cTn id="15" dur="500"/>
+                                        <p:tgtEl>
+                                          <p:spTgt spid="6"/>
+                                        </p:tgtEl>
+                                      </p:cBhvr>
+                                    </p:animEffect>
+                                  </p:childTnLst>
+                                </p:cTn>
+                              </p:par>
+                            </p:childTnLst>
+                          </p:cTn>
+                        </p:par>
+                      </p:childTnLst>
+                    </p:cTn>
+                  </p:par>
+                </p:childTnLst>
+              </p:cTn>
+              <p:prevCondLst>
+                <p:cond evt="onPrev" delay="0">
+                  <p:tgtEl>
+                    <p:sldTgt/>
+                  </p:tgtEl>
+                </p:cond>
+              </p:prevCondLst>
+              <p:nextCondLst>
+                <p:cond evt="onNext" delay="0">
+                  <p:tgtEl>
+                    <p:sldTgt/>
+                  </p:tgtEl>
+                </p:cond>
+              </p:nextCondLst>
+            </p:seq>
+          </p:childTnLst>
+        </p:cTn>
+      </p:par>
+    </p:tnLst>
+    <p:bldLst>
+      <p:bldP spid="3" grpId="0" build="p"/>
+      <p:bldP spid="6" grpId="0"/>
+    </p:bldLst>
+  </p:timing>
+</p:sld>
+</file>
+
+<file path=ppt/slides/slide30.xml><?xml version="1.0" encoding="utf-8"?>
+<p:sld xmlns:a="http://schemas.openxmlformats.org/drawingml/2006/main" xmlns:r="http://schemas.openxmlformats.org/officeDocument/2006/relationships" xmlns:p="http://schemas.openxmlformats.org/presentationml/2006/main">
+  <p:cSld>
+    <p:spTree>
+      <p:nvGrpSpPr>
+        <p:cNvPr id="1" name=""/>
+        <p:cNvGrpSpPr/>
+        <p:nvPr/>
+      </p:nvGrpSpPr>
+      <p:grpSpPr>
+        <a:xfrm>
+          <a:off x="0" y="0"/>
+          <a:ext cx="0" cy="0"/>
+          <a:chOff x="0" y="0"/>
+          <a:chExt cx="0" cy="0"/>
+        </a:xfrm>
+      </p:grpSpPr>
+      <p:sp>
+        <p:nvSpPr>
+          <p:cNvPr id="2" name="Title 1"/>
+          <p:cNvSpPr>
+            <a:spLocks noGrp="1"/>
+          </p:cNvSpPr>
+          <p:nvPr>
+            <p:ph type="title"/>
+          </p:nvPr>
+        </p:nvSpPr>
+        <p:spPr/>
+        <p:txBody>
+          <a:bodyPr/>
+          <a:lstStyle/>
+          <a:p>
+            <a:pPr rtl="1"/>
+            <a:r>
+              <a:rPr lang="fa-IR" dirty="0" smtClean="0"/>
               <a:t>مدل </a:t>
             </a:r>
             <a:r>
@@ -24578,7 +26431,7 @@
             <a:fld id="{629637A9-119A-49DA-BD12-AAC58B377D80}" type="slidenum">
               <a:rPr lang="en-US" smtClean="0"/>
               <a:pPr/>
-              <a:t>29</a:t>
+              <a:t>30</a:t>
             </a:fld>
             <a:endParaRPr lang="en-US" dirty="0"/>
           </a:p>
@@ -24951,7 +26804,7 @@
 </p:sld>
 </file>
 
-<file path=ppt/slides/slide3.xml><?xml version="1.0" encoding="utf-8"?>
+<file path=ppt/slides/slide31.xml><?xml version="1.0" encoding="utf-8"?>
 <p:sld xmlns:a="http://schemas.openxmlformats.org/drawingml/2006/main" xmlns:r="http://schemas.openxmlformats.org/officeDocument/2006/relationships" xmlns:p="http://schemas.openxmlformats.org/presentationml/2006/main">
   <p:cSld>
     <p:spTree>
@@ -24986,390 +26839,6 @@
             <a:pPr rtl="1"/>
             <a:r>
               <a:rPr lang="fa-IR" dirty="0" smtClean="0"/>
-              <a:t>شبکه </a:t>
-            </a:r>
-            <a:r>
-              <a:rPr lang="en-US" dirty="0" smtClean="0"/>
-              <a:t>CNN</a:t>
-            </a:r>
-            <a:endParaRPr lang="en-US" dirty="0"/>
-          </a:p>
-        </p:txBody>
-      </p:sp>
-      <p:sp>
-        <p:nvSpPr>
-          <p:cNvPr id="3" name="Content Placeholder 2"/>
-          <p:cNvSpPr>
-            <a:spLocks noGrp="1"/>
-          </p:cNvSpPr>
-          <p:nvPr>
-            <p:ph idx="1"/>
-          </p:nvPr>
-        </p:nvSpPr>
-        <p:spPr>
-          <a:xfrm>
-            <a:off x="1219200" y="1238538"/>
-            <a:ext cx="7200900" cy="2686050"/>
-          </a:xfrm>
-        </p:spPr>
-        <p:txBody>
-          <a:bodyPr>
-            <a:normAutofit/>
-          </a:bodyPr>
-          <a:lstStyle/>
-          <a:p>
-            <a:pPr algn="r" rtl="1"/>
-            <a:r>
-              <a:rPr lang="fa-IR" sz="2400" dirty="0" smtClean="0">
-                <a:solidFill>
-                  <a:srgbClr val="002060"/>
-                </a:solidFill>
-              </a:rPr>
-              <a:t>اولین نمونه موفق</a:t>
-            </a:r>
-            <a:endParaRPr lang="en-US" sz="2400" dirty="0">
-              <a:solidFill>
-                <a:srgbClr val="002060"/>
-              </a:solidFill>
-            </a:endParaRPr>
-          </a:p>
-        </p:txBody>
-      </p:sp>
-      <p:sp>
-        <p:nvSpPr>
-          <p:cNvPr id="4" name="Slide Number Placeholder 3"/>
-          <p:cNvSpPr>
-            <a:spLocks noGrp="1"/>
-          </p:cNvSpPr>
-          <p:nvPr>
-            <p:ph type="sldNum" sz="quarter" idx="12"/>
-          </p:nvPr>
-        </p:nvSpPr>
-        <p:spPr/>
-        <p:txBody>
-          <a:bodyPr/>
-          <a:lstStyle/>
-          <a:p>
-            <a:fld id="{629637A9-119A-49DA-BD12-AAC58B377D80}" type="slidenum">
-              <a:rPr lang="en-US" smtClean="0"/>
-              <a:pPr/>
-              <a:t>3</a:t>
-            </a:fld>
-            <a:endParaRPr lang="en-US" dirty="0"/>
-          </a:p>
-        </p:txBody>
-      </p:sp>
-      <p:pic>
-        <p:nvPicPr>
-          <p:cNvPr id="5" name="Shape 107"/>
-          <p:cNvPicPr preferRelativeResize="0"/>
-          <p:nvPr/>
-        </p:nvPicPr>
-        <p:blipFill>
-          <a:blip r:embed="rId2">
-            <a:alphaModFix/>
-          </a:blip>
-          <a:stretch>
-            <a:fillRect/>
-          </a:stretch>
-        </p:blipFill>
-        <p:spPr>
-          <a:xfrm>
-            <a:off x="559468" y="1962150"/>
-            <a:ext cx="8025063" cy="2209800"/>
-          </a:xfrm>
-          <a:prstGeom prst="rect">
-            <a:avLst/>
-          </a:prstGeom>
-          <a:noFill/>
-          <a:ln>
-            <a:noFill/>
-          </a:ln>
-        </p:spPr>
-      </p:pic>
-      <p:sp>
-        <p:nvSpPr>
-          <p:cNvPr id="6" name="Shape 108"/>
-          <p:cNvSpPr txBox="1"/>
-          <p:nvPr/>
-        </p:nvSpPr>
-        <p:spPr>
-          <a:xfrm>
-            <a:off x="6858000" y="4379887"/>
-            <a:ext cx="2033225" cy="321599"/>
-          </a:xfrm>
-          <a:prstGeom prst="rect">
-            <a:avLst/>
-          </a:prstGeom>
-          <a:noFill/>
-          <a:ln>
-            <a:noFill/>
-          </a:ln>
-        </p:spPr>
-        <p:txBody>
-          <a:bodyPr lIns="91425" tIns="91425" rIns="91425" bIns="91425" anchor="t" anchorCtr="0">
-            <a:noAutofit/>
-          </a:bodyPr>
-          <a:lstStyle/>
-          <a:p>
-            <a:pPr lvl="0" rtl="0">
-              <a:spcBef>
-                <a:spcPts val="0"/>
-              </a:spcBef>
-              <a:buNone/>
-            </a:pPr>
-            <a:r>
-              <a:rPr lang="en" sz="1400" dirty="0">
-                <a:latin typeface="Times New Roman" panose="02020603050405020304" pitchFamily="18" charset="0"/>
-                <a:cs typeface="Times New Roman" panose="02020603050405020304" pitchFamily="18" charset="0"/>
-              </a:rPr>
-              <a:t>[LeNet-5, </a:t>
-            </a:r>
-            <a:r>
-              <a:rPr lang="en" sz="1400" dirty="0" smtClean="0">
-                <a:latin typeface="Times New Roman" panose="02020603050405020304" pitchFamily="18" charset="0"/>
-                <a:cs typeface="Times New Roman" panose="02020603050405020304" pitchFamily="18" charset="0"/>
-              </a:rPr>
-              <a:t>Yann LeCun]</a:t>
-            </a:r>
-            <a:endParaRPr lang="en" sz="1400" dirty="0">
-              <a:latin typeface="Times New Roman" panose="02020603050405020304" pitchFamily="18" charset="0"/>
-              <a:cs typeface="Times New Roman" panose="02020603050405020304" pitchFamily="18" charset="0"/>
-            </a:endParaRPr>
-          </a:p>
-        </p:txBody>
-      </p:sp>
-    </p:spTree>
-    <p:extLst>
-      <p:ext uri="{BB962C8B-B14F-4D97-AF65-F5344CB8AC3E}">
-        <p14:creationId xmlns:p14="http://schemas.microsoft.com/office/powerpoint/2010/main" val="1667066931"/>
-      </p:ext>
-    </p:extLst>
-  </p:cSld>
-  <p:clrMapOvr>
-    <a:masterClrMapping/>
-  </p:clrMapOvr>
-  <p:timing>
-    <p:tnLst>
-      <p:par>
-        <p:cTn id="1" dur="indefinite" restart="never" nodeType="tmRoot">
-          <p:childTnLst>
-            <p:seq concurrent="1" nextAc="seek">
-              <p:cTn id="2" dur="indefinite" nodeType="mainSeq">
-                <p:childTnLst>
-                  <p:par>
-                    <p:cTn id="3" fill="hold">
-                      <p:stCondLst>
-                        <p:cond delay="indefinite"/>
-                      </p:stCondLst>
-                      <p:childTnLst>
-                        <p:par>
-                          <p:cTn id="4" fill="hold">
-                            <p:stCondLst>
-                              <p:cond delay="0"/>
-                            </p:stCondLst>
-                            <p:childTnLst>
-                              <p:par>
-                                <p:cTn id="5" presetID="10" presetClass="entr" presetSubtype="0" fill="hold" grpId="0" nodeType="clickEffect">
-                                  <p:stCondLst>
-                                    <p:cond delay="0"/>
-                                  </p:stCondLst>
-                                  <p:childTnLst>
-                                    <p:set>
-                                      <p:cBhvr>
-                                        <p:cTn id="6" dur="1" fill="hold">
-                                          <p:stCondLst>
-                                            <p:cond delay="0"/>
-                                          </p:stCondLst>
-                                        </p:cTn>
-                                        <p:tgtEl>
-                                          <p:spTgt spid="3">
-                                            <p:txEl>
-                                              <p:pRg st="0" end="0"/>
-                                            </p:txEl>
-                                          </p:spTgt>
-                                        </p:tgtEl>
-                                        <p:attrNameLst>
-                                          <p:attrName>style.visibility</p:attrName>
-                                        </p:attrNameLst>
-                                      </p:cBhvr>
-                                      <p:to>
-                                        <p:strVal val="visible"/>
-                                      </p:to>
-                                    </p:set>
-                                    <p:animEffect transition="in" filter="fade">
-                                      <p:cBhvr>
-                                        <p:cTn id="7" dur="500"/>
-                                        <p:tgtEl>
-                                          <p:spTgt spid="3">
-                                            <p:txEl>
-                                              <p:pRg st="0" end="0"/>
-                                            </p:txEl>
-                                          </p:spTgt>
-                                        </p:tgtEl>
-                                      </p:cBhvr>
-                                    </p:animEffect>
-                                  </p:childTnLst>
-                                </p:cTn>
-                              </p:par>
-                            </p:childTnLst>
-                          </p:cTn>
-                        </p:par>
-                        <p:par>
-                          <p:cTn id="8" fill="hold">
-                            <p:stCondLst>
-                              <p:cond delay="500"/>
-                            </p:stCondLst>
-                            <p:childTnLst>
-                              <p:par>
-                                <p:cTn id="9" presetID="10" presetClass="entr" presetSubtype="0" fill="hold" nodeType="afterEffect">
-                                  <p:stCondLst>
-                                    <p:cond delay="0"/>
-                                  </p:stCondLst>
-                                  <p:childTnLst>
-                                    <p:set>
-                                      <p:cBhvr>
-                                        <p:cTn id="10" dur="1" fill="hold">
-                                          <p:stCondLst>
-                                            <p:cond delay="0"/>
-                                          </p:stCondLst>
-                                        </p:cTn>
-                                        <p:tgtEl>
-                                          <p:spTgt spid="5"/>
-                                        </p:tgtEl>
-                                        <p:attrNameLst>
-                                          <p:attrName>style.visibility</p:attrName>
-                                        </p:attrNameLst>
-                                      </p:cBhvr>
-                                      <p:to>
-                                        <p:strVal val="visible"/>
-                                      </p:to>
-                                    </p:set>
-                                    <p:animEffect transition="in" filter="fade">
-                                      <p:cBhvr>
-                                        <p:cTn id="11" dur="500"/>
-                                        <p:tgtEl>
-                                          <p:spTgt spid="5"/>
-                                        </p:tgtEl>
-                                      </p:cBhvr>
-                                    </p:animEffect>
-                                  </p:childTnLst>
-                                </p:cTn>
-                              </p:par>
-                            </p:childTnLst>
-                          </p:cTn>
-                        </p:par>
-                        <p:par>
-                          <p:cTn id="12" fill="hold">
-                            <p:stCondLst>
-                              <p:cond delay="1000"/>
-                            </p:stCondLst>
-                            <p:childTnLst>
-                              <p:par>
-                                <p:cTn id="13" presetID="10" presetClass="entr" presetSubtype="0" fill="hold" grpId="0" nodeType="afterEffect">
-                                  <p:stCondLst>
-                                    <p:cond delay="0"/>
-                                  </p:stCondLst>
-                                  <p:childTnLst>
-                                    <p:set>
-                                      <p:cBhvr>
-                                        <p:cTn id="14" dur="1" fill="hold">
-                                          <p:stCondLst>
-                                            <p:cond delay="0"/>
-                                          </p:stCondLst>
-                                        </p:cTn>
-                                        <p:tgtEl>
-                                          <p:spTgt spid="6"/>
-                                        </p:tgtEl>
-                                        <p:attrNameLst>
-                                          <p:attrName>style.visibility</p:attrName>
-                                        </p:attrNameLst>
-                                      </p:cBhvr>
-                                      <p:to>
-                                        <p:strVal val="visible"/>
-                                      </p:to>
-                                    </p:set>
-                                    <p:animEffect transition="in" filter="fade">
-                                      <p:cBhvr>
-                                        <p:cTn id="15" dur="500"/>
-                                        <p:tgtEl>
-                                          <p:spTgt spid="6"/>
-                                        </p:tgtEl>
-                                      </p:cBhvr>
-                                    </p:animEffect>
-                                  </p:childTnLst>
-                                </p:cTn>
-                              </p:par>
-                            </p:childTnLst>
-                          </p:cTn>
-                        </p:par>
-                      </p:childTnLst>
-                    </p:cTn>
-                  </p:par>
-                </p:childTnLst>
-              </p:cTn>
-              <p:prevCondLst>
-                <p:cond evt="onPrev" delay="0">
-                  <p:tgtEl>
-                    <p:sldTgt/>
-                  </p:tgtEl>
-                </p:cond>
-              </p:prevCondLst>
-              <p:nextCondLst>
-                <p:cond evt="onNext" delay="0">
-                  <p:tgtEl>
-                    <p:sldTgt/>
-                  </p:tgtEl>
-                </p:cond>
-              </p:nextCondLst>
-            </p:seq>
-          </p:childTnLst>
-        </p:cTn>
-      </p:par>
-    </p:tnLst>
-    <p:bldLst>
-      <p:bldP spid="3" grpId="0" build="p"/>
-      <p:bldP spid="6" grpId="0"/>
-    </p:bldLst>
-  </p:timing>
-</p:sld>
-</file>
-
-<file path=ppt/slides/slide30.xml><?xml version="1.0" encoding="utf-8"?>
-<p:sld xmlns:a="http://schemas.openxmlformats.org/drawingml/2006/main" xmlns:r="http://schemas.openxmlformats.org/officeDocument/2006/relationships" xmlns:p="http://schemas.openxmlformats.org/presentationml/2006/main">
-  <p:cSld>
-    <p:spTree>
-      <p:nvGrpSpPr>
-        <p:cNvPr id="1" name=""/>
-        <p:cNvGrpSpPr/>
-        <p:nvPr/>
-      </p:nvGrpSpPr>
-      <p:grpSpPr>
-        <a:xfrm>
-          <a:off x="0" y="0"/>
-          <a:ext cx="0" cy="0"/>
-          <a:chOff x="0" y="0"/>
-          <a:chExt cx="0" cy="0"/>
-        </a:xfrm>
-      </p:grpSpPr>
-      <p:sp>
-        <p:nvSpPr>
-          <p:cNvPr id="2" name="Title 1"/>
-          <p:cNvSpPr>
-            <a:spLocks noGrp="1"/>
-          </p:cNvSpPr>
-          <p:nvPr>
-            <p:ph type="title"/>
-          </p:nvPr>
-        </p:nvSpPr>
-        <p:spPr/>
-        <p:txBody>
-          <a:bodyPr/>
-          <a:lstStyle/>
-          <a:p>
-            <a:pPr rtl="1"/>
-            <a:r>
-              <a:rPr lang="fa-IR" dirty="0" smtClean="0"/>
               <a:t>مدل </a:t>
             </a:r>
             <a:r>
@@ -25451,7 +26920,7 @@
             <a:fld id="{629637A9-119A-49DA-BD12-AAC58B377D80}" type="slidenum">
               <a:rPr lang="en-US" smtClean="0"/>
               <a:pPr rtl="1"/>
-              <a:t>30</a:t>
+              <a:t>31</a:t>
             </a:fld>
             <a:endParaRPr lang="en-US" dirty="0"/>
           </a:p>
@@ -26044,7 +27513,7 @@
 </p:sld>
 </file>
 
-<file path=ppt/slides/slide31.xml><?xml version="1.0" encoding="utf-8"?>
+<file path=ppt/slides/slide32.xml><?xml version="1.0" encoding="utf-8"?>
 <p:sld xmlns:a="http://schemas.openxmlformats.org/drawingml/2006/main" xmlns:r="http://schemas.openxmlformats.org/officeDocument/2006/relationships" xmlns:p="http://schemas.openxmlformats.org/presentationml/2006/main">
   <p:cSld>
     <p:spTree>
@@ -26108,7 +27577,7 @@
             <a:fld id="{629637A9-119A-49DA-BD12-AAC58B377D80}" type="slidenum">
               <a:rPr lang="en-US" smtClean="0"/>
               <a:pPr rtl="1"/>
-              <a:t>31</a:t>
+              <a:t>32</a:t>
             </a:fld>
             <a:endParaRPr lang="en-US" dirty="0"/>
           </a:p>
@@ -26415,7 +27884,7 @@
 </p:sld>
 </file>
 
-<file path=ppt/slides/slide32.xml><?xml version="1.0" encoding="utf-8"?>
+<file path=ppt/slides/slide33.xml><?xml version="1.0" encoding="utf-8"?>
 <p:sld xmlns:a="http://schemas.openxmlformats.org/drawingml/2006/main" xmlns:r="http://schemas.openxmlformats.org/officeDocument/2006/relationships" xmlns:p="http://schemas.openxmlformats.org/presentationml/2006/main">
   <p:cSld>
     <p:spTree>
@@ -26529,24 +27998,37 @@
                   <a:srgbClr val="002060"/>
                 </a:solidFill>
               </a:rPr>
-              <a:t>) و کاهش اندازه (</a:t>
-            </a:r>
-            <a:r>
-              <a:rPr lang="en-US" sz="2400" dirty="0">
+              <a:t>) و کاهش اندازه </a:t>
+            </a:r>
+            <a:r>
+              <a:rPr lang="fa-IR" sz="2400" dirty="0" smtClean="0">
                 <a:solidFill>
                   <a:srgbClr val="002060"/>
                 </a:solidFill>
               </a:rPr>
-              <a:t>pooling</a:t>
-            </a:r>
-            <a:r>
-              <a:rPr lang="fa-IR" sz="2400" dirty="0">
+              <a:t>(</a:t>
+            </a:r>
+            <a:r>
+              <a:rPr lang="en-US" sz="2400" dirty="0" err="1" smtClean="0">
+                <a:solidFill>
+                  <a:srgbClr val="002060"/>
+                </a:solidFill>
+              </a:rPr>
+              <a:t>downsample</a:t>
+            </a:r>
+            <a:r>
+              <a:rPr lang="fa-IR" sz="2400" dirty="0" smtClean="0">
                 <a:solidFill>
                   <a:srgbClr val="002060"/>
                 </a:solidFill>
               </a:rPr>
               <a:t>)</a:t>
             </a:r>
+            <a:endParaRPr lang="fa-IR" sz="2400" dirty="0">
+              <a:solidFill>
+                <a:srgbClr val="002060"/>
+              </a:solidFill>
+            </a:endParaRPr>
           </a:p>
           <a:p>
             <a:pPr marL="627063" algn="r" rtl="1">
@@ -26629,7 +28111,7 @@
             <a:fld id="{629637A9-119A-49DA-BD12-AAC58B377D80}" type="slidenum">
               <a:rPr lang="en-US" smtClean="0"/>
               <a:pPr/>
-              <a:t>32</a:t>
+              <a:t>33</a:t>
             </a:fld>
             <a:endParaRPr lang="en-US" dirty="0"/>
           </a:p>
@@ -26953,7 +28435,7 @@
 </p:sld>
 </file>
 
-<file path=ppt/slides/slide33.xml><?xml version="1.0" encoding="utf-8"?>
+<file path=ppt/slides/slide34.xml><?xml version="1.0" encoding="utf-8"?>
 <p:sld xmlns:a="http://schemas.openxmlformats.org/drawingml/2006/main" xmlns:r="http://schemas.openxmlformats.org/officeDocument/2006/relationships" xmlns:p="http://schemas.openxmlformats.org/presentationml/2006/main">
   <p:cSld>
     <p:spTree>
@@ -27020,7 +28502,7 @@
             <a:fld id="{629637A9-119A-49DA-BD12-AAC58B377D80}" type="slidenum">
               <a:rPr lang="en-US" smtClean="0"/>
               <a:pPr/>
-              <a:t>33</a:t>
+              <a:t>34</a:t>
             </a:fld>
             <a:endParaRPr lang="en-US" dirty="0"/>
           </a:p>
